--- a/Védés_PPT/Védés_Kiss_Milán_Nedvesi_csaba_Péter.pptx
+++ b/Védés_PPT/Védés_Kiss_Milán_Nedvesi_csaba_Péter.pptx
@@ -146,7 +146,7 @@
             <a:alphaModFix amt="30000"/>
             <a:extLst>
               <a:ext uri="{28A0092B-C50C-407E-A947-70E740481C1C}">
-                <a14:useLocalDpi xmlns:a14="http://schemas.microsoft.com/office/drawing/2010/main" val="0"/>
+                <a14:useLocalDpi xmlns:a14="http://schemas.microsoft.com/office/drawing/2010/main" xmlns="" val="0"/>
               </a:ext>
             </a:extLst>
           </a:blip>
@@ -166,7 +166,7 @@
           <a:noFill/>
           <a:extLst>
             <a:ext uri="{909E8E84-426E-40dd-AFC4-6F175D3DCCD1}">
-              <a14:hiddenFill xmlns:a14="http://schemas.microsoft.com/office/drawing/2010/main" xmlns="">
+              <a14:hiddenFill xmlns="" xmlns:a14="http://schemas.microsoft.com/office/drawing/2010/main">
                 <a:solidFill>
                   <a:srgbClr val="FFFFFF"/>
                 </a:solidFill>
@@ -226,7 +226,7 @@
             </a:ln>
             <a:extLst>
               <a:ext uri="{91240B29-F687-4f45-9708-019B960494DF}">
-                <a14:hiddenLine xmlns:a14="http://schemas.microsoft.com/office/drawing/2010/main" xmlns="" w="9525">
+                <a14:hiddenLine xmlns="" xmlns:a14="http://schemas.microsoft.com/office/drawing/2010/main" w="9525">
                   <a:solidFill>
                     <a:srgbClr val="000000"/>
                   </a:solidFill>
@@ -316,7 +316,7 @@
             </a:ln>
             <a:extLst>
               <a:ext uri="{91240B29-F687-4f45-9708-019B960494DF}">
-                <a14:hiddenLine xmlns:a14="http://schemas.microsoft.com/office/drawing/2010/main" xmlns="" w="9525">
+                <a14:hiddenLine xmlns="" xmlns:a14="http://schemas.microsoft.com/office/drawing/2010/main" w="9525">
                   <a:solidFill>
                     <a:srgbClr val="000000"/>
                   </a:solidFill>
@@ -406,7 +406,7 @@
             </a:ln>
             <a:extLst>
               <a:ext uri="{91240B29-F687-4f45-9708-019B960494DF}">
-                <a14:hiddenLine xmlns:a14="http://schemas.microsoft.com/office/drawing/2010/main" xmlns="" w="9525">
+                <a14:hiddenLine xmlns="" xmlns:a14="http://schemas.microsoft.com/office/drawing/2010/main" w="9525">
                   <a:solidFill>
                     <a:srgbClr val="000000"/>
                   </a:solidFill>
@@ -440,7 +440,7 @@
             </a:ln>
             <a:extLst>
               <a:ext uri="{91240B29-F687-4f45-9708-019B960494DF}">
-                <a14:hiddenLine xmlns:a14="http://schemas.microsoft.com/office/drawing/2010/main" xmlns="" w="9525">
+                <a14:hiddenLine xmlns="" xmlns:a14="http://schemas.microsoft.com/office/drawing/2010/main" w="9525">
                   <a:solidFill>
                     <a:srgbClr val="000000"/>
                   </a:solidFill>
@@ -530,7 +530,7 @@
             </a:ln>
             <a:extLst>
               <a:ext uri="{91240B29-F687-4f45-9708-019B960494DF}">
-                <a14:hiddenLine xmlns:a14="http://schemas.microsoft.com/office/drawing/2010/main" xmlns="" w="9525">
+                <a14:hiddenLine xmlns="" xmlns:a14="http://schemas.microsoft.com/office/drawing/2010/main" w="9525">
                   <a:solidFill>
                     <a:srgbClr val="000000"/>
                   </a:solidFill>
@@ -592,7 +592,7 @@
             </a:ln>
             <a:extLst>
               <a:ext uri="{91240B29-F687-4f45-9708-019B960494DF}">
-                <a14:hiddenLine xmlns:a14="http://schemas.microsoft.com/office/drawing/2010/main" xmlns="" w="9525">
+                <a14:hiddenLine xmlns="" xmlns:a14="http://schemas.microsoft.com/office/drawing/2010/main" w="9525">
                   <a:solidFill>
                     <a:srgbClr val="000000"/>
                   </a:solidFill>
@@ -654,7 +654,7 @@
             </a:ln>
             <a:extLst>
               <a:ext uri="{91240B29-F687-4f45-9708-019B960494DF}">
-                <a14:hiddenLine xmlns:a14="http://schemas.microsoft.com/office/drawing/2010/main" xmlns="" w="9525">
+                <a14:hiddenLine xmlns="" xmlns:a14="http://schemas.microsoft.com/office/drawing/2010/main" w="9525">
                   <a:solidFill>
                     <a:srgbClr val="000000"/>
                   </a:solidFill>
@@ -744,7 +744,7 @@
             </a:ln>
             <a:extLst>
               <a:ext uri="{91240B29-F687-4f45-9708-019B960494DF}">
-                <a14:hiddenLine xmlns:a14="http://schemas.microsoft.com/office/drawing/2010/main" xmlns="" w="9525">
+                <a14:hiddenLine xmlns="" xmlns:a14="http://schemas.microsoft.com/office/drawing/2010/main" w="9525">
                   <a:solidFill>
                     <a:srgbClr val="000000"/>
                   </a:solidFill>
@@ -806,7 +806,7 @@
             </a:ln>
             <a:extLst>
               <a:ext uri="{91240B29-F687-4f45-9708-019B960494DF}">
-                <a14:hiddenLine xmlns:a14="http://schemas.microsoft.com/office/drawing/2010/main" xmlns="" w="9525">
+                <a14:hiddenLine xmlns="" xmlns:a14="http://schemas.microsoft.com/office/drawing/2010/main" w="9525">
                   <a:solidFill>
                     <a:srgbClr val="000000"/>
                   </a:solidFill>
@@ -868,7 +868,7 @@
             </a:ln>
             <a:extLst>
               <a:ext uri="{91240B29-F687-4f45-9708-019B960494DF}">
-                <a14:hiddenLine xmlns:a14="http://schemas.microsoft.com/office/drawing/2010/main" xmlns="" w="9525">
+                <a14:hiddenLine xmlns="" xmlns:a14="http://schemas.microsoft.com/office/drawing/2010/main" w="9525">
                   <a:solidFill>
                     <a:srgbClr val="000000"/>
                   </a:solidFill>
@@ -958,7 +958,7 @@
             </a:ln>
             <a:extLst>
               <a:ext uri="{91240B29-F687-4f45-9708-019B960494DF}">
-                <a14:hiddenLine xmlns:a14="http://schemas.microsoft.com/office/drawing/2010/main" xmlns="" w="9525">
+                <a14:hiddenLine xmlns="" xmlns:a14="http://schemas.microsoft.com/office/drawing/2010/main" w="9525">
                   <a:solidFill>
                     <a:srgbClr val="000000"/>
                   </a:solidFill>
@@ -1048,7 +1048,7 @@
             </a:ln>
             <a:extLst>
               <a:ext uri="{91240B29-F687-4f45-9708-019B960494DF}">
-                <a14:hiddenLine xmlns:a14="http://schemas.microsoft.com/office/drawing/2010/main" xmlns="" w="9525">
+                <a14:hiddenLine xmlns="" xmlns:a14="http://schemas.microsoft.com/office/drawing/2010/main" w="9525">
                   <a:solidFill>
                     <a:srgbClr val="000000"/>
                   </a:solidFill>
@@ -1110,7 +1110,7 @@
             </a:ln>
             <a:extLst>
               <a:ext uri="{91240B29-F687-4f45-9708-019B960494DF}">
-                <a14:hiddenLine xmlns:a14="http://schemas.microsoft.com/office/drawing/2010/main" xmlns="" w="9525">
+                <a14:hiddenLine xmlns="" xmlns:a14="http://schemas.microsoft.com/office/drawing/2010/main" w="9525">
                   <a:solidFill>
                     <a:srgbClr val="000000"/>
                   </a:solidFill>
@@ -1220,7 +1220,7 @@
             </a:ln>
             <a:extLst>
               <a:ext uri="{91240B29-F687-4f45-9708-019B960494DF}">
-                <a14:hiddenLine xmlns:a14="http://schemas.microsoft.com/office/drawing/2010/main" xmlns="" w="9525">
+                <a14:hiddenLine xmlns="" xmlns:a14="http://schemas.microsoft.com/office/drawing/2010/main" w="9525">
                   <a:solidFill>
                     <a:srgbClr val="000000"/>
                   </a:solidFill>
@@ -1282,7 +1282,7 @@
             </a:ln>
             <a:extLst>
               <a:ext uri="{91240B29-F687-4f45-9708-019B960494DF}">
-                <a14:hiddenLine xmlns:a14="http://schemas.microsoft.com/office/drawing/2010/main" xmlns="" w="9525">
+                <a14:hiddenLine xmlns="" xmlns:a14="http://schemas.microsoft.com/office/drawing/2010/main" w="9525">
                   <a:solidFill>
                     <a:srgbClr val="000000"/>
                   </a:solidFill>
@@ -1372,7 +1372,7 @@
             </a:ln>
             <a:extLst>
               <a:ext uri="{91240B29-F687-4f45-9708-019B960494DF}">
-                <a14:hiddenLine xmlns:a14="http://schemas.microsoft.com/office/drawing/2010/main" xmlns="" w="9525">
+                <a14:hiddenLine xmlns="" xmlns:a14="http://schemas.microsoft.com/office/drawing/2010/main" w="9525">
                   <a:solidFill>
                     <a:srgbClr val="000000"/>
                   </a:solidFill>
@@ -1462,7 +1462,7 @@
             </a:ln>
             <a:extLst>
               <a:ext uri="{91240B29-F687-4f45-9708-019B960494DF}">
-                <a14:hiddenLine xmlns:a14="http://schemas.microsoft.com/office/drawing/2010/main" xmlns="" w="9525">
+                <a14:hiddenLine xmlns="" xmlns:a14="http://schemas.microsoft.com/office/drawing/2010/main" w="9525">
                   <a:solidFill>
                     <a:srgbClr val="000000"/>
                   </a:solidFill>
@@ -1524,7 +1524,7 @@
             </a:ln>
             <a:extLst>
               <a:ext uri="{91240B29-F687-4f45-9708-019B960494DF}">
-                <a14:hiddenLine xmlns:a14="http://schemas.microsoft.com/office/drawing/2010/main" xmlns="" w="9525">
+                <a14:hiddenLine xmlns="" xmlns:a14="http://schemas.microsoft.com/office/drawing/2010/main" w="9525">
                   <a:solidFill>
                     <a:srgbClr val="000000"/>
                   </a:solidFill>
@@ -1614,7 +1614,7 @@
             </a:ln>
             <a:extLst>
               <a:ext uri="{91240B29-F687-4f45-9708-019B960494DF}">
-                <a14:hiddenLine xmlns:a14="http://schemas.microsoft.com/office/drawing/2010/main" xmlns="" w="9525">
+                <a14:hiddenLine xmlns="" xmlns:a14="http://schemas.microsoft.com/office/drawing/2010/main" w="9525">
                   <a:solidFill>
                     <a:srgbClr val="000000"/>
                   </a:solidFill>
@@ -1704,7 +1704,7 @@
             </a:ln>
             <a:extLst>
               <a:ext uri="{91240B29-F687-4f45-9708-019B960494DF}">
-                <a14:hiddenLine xmlns:a14="http://schemas.microsoft.com/office/drawing/2010/main" xmlns="" w="9525">
+                <a14:hiddenLine xmlns="" xmlns:a14="http://schemas.microsoft.com/office/drawing/2010/main" w="9525">
                   <a:solidFill>
                     <a:srgbClr val="000000"/>
                   </a:solidFill>
@@ -1760,7 +1760,7 @@
             </a:ln>
             <a:extLst>
               <a:ext uri="{91240B29-F687-4f45-9708-019B960494DF}">
-                <a14:hiddenLine xmlns:a14="http://schemas.microsoft.com/office/drawing/2010/main" xmlns="" w="9525">
+                <a14:hiddenLine xmlns="" xmlns:a14="http://schemas.microsoft.com/office/drawing/2010/main" w="9525">
                   <a:solidFill>
                     <a:srgbClr val="000000"/>
                   </a:solidFill>
@@ -1850,7 +1850,7 @@
             </a:ln>
             <a:extLst>
               <a:ext uri="{91240B29-F687-4f45-9708-019B960494DF}">
-                <a14:hiddenLine xmlns:a14="http://schemas.microsoft.com/office/drawing/2010/main" xmlns="" w="9525">
+                <a14:hiddenLine xmlns="" xmlns:a14="http://schemas.microsoft.com/office/drawing/2010/main" w="9525">
                   <a:solidFill>
                     <a:srgbClr val="000000"/>
                   </a:solidFill>
@@ -1906,7 +1906,7 @@
             </a:ln>
             <a:extLst>
               <a:ext uri="{91240B29-F687-4f45-9708-019B960494DF}">
-                <a14:hiddenLine xmlns:a14="http://schemas.microsoft.com/office/drawing/2010/main" xmlns="" w="9525">
+                <a14:hiddenLine xmlns="" xmlns:a14="http://schemas.microsoft.com/office/drawing/2010/main" w="9525">
                   <a:solidFill>
                     <a:srgbClr val="000000"/>
                   </a:solidFill>
@@ -1996,7 +1996,7 @@
             </a:ln>
             <a:extLst>
               <a:ext uri="{91240B29-F687-4f45-9708-019B960494DF}">
-                <a14:hiddenLine xmlns:a14="http://schemas.microsoft.com/office/drawing/2010/main" xmlns="" w="9525">
+                <a14:hiddenLine xmlns="" xmlns:a14="http://schemas.microsoft.com/office/drawing/2010/main" w="9525">
                   <a:solidFill>
                     <a:srgbClr val="000000"/>
                   </a:solidFill>
@@ -2064,7 +2064,7 @@
             </a:ln>
             <a:extLst>
               <a:ext uri="{91240B29-F687-4f45-9708-019B960494DF}">
-                <a14:hiddenLine xmlns:a14="http://schemas.microsoft.com/office/drawing/2010/main" xmlns="" w="9525">
+                <a14:hiddenLine xmlns="" xmlns:a14="http://schemas.microsoft.com/office/drawing/2010/main" w="9525">
                   <a:solidFill>
                     <a:srgbClr val="000000"/>
                   </a:solidFill>
@@ -2154,7 +2154,7 @@
             </a:ln>
             <a:extLst>
               <a:ext uri="{91240B29-F687-4f45-9708-019B960494DF}">
-                <a14:hiddenLine xmlns:a14="http://schemas.microsoft.com/office/drawing/2010/main" xmlns="" w="9525">
+                <a14:hiddenLine xmlns="" xmlns:a14="http://schemas.microsoft.com/office/drawing/2010/main" w="9525">
                   <a:solidFill>
                     <a:srgbClr val="000000"/>
                   </a:solidFill>
@@ -2222,7 +2222,7 @@
             </a:ln>
             <a:extLst>
               <a:ext uri="{91240B29-F687-4f45-9708-019B960494DF}">
-                <a14:hiddenLine xmlns:a14="http://schemas.microsoft.com/office/drawing/2010/main" xmlns="" w="9525">
+                <a14:hiddenLine xmlns="" xmlns:a14="http://schemas.microsoft.com/office/drawing/2010/main" w="9525">
                   <a:solidFill>
                     <a:srgbClr val="000000"/>
                   </a:solidFill>
@@ -2312,7 +2312,7 @@
             </a:ln>
             <a:extLst>
               <a:ext uri="{91240B29-F687-4f45-9708-019B960494DF}">
-                <a14:hiddenLine xmlns:a14="http://schemas.microsoft.com/office/drawing/2010/main" xmlns="" w="9525">
+                <a14:hiddenLine xmlns="" xmlns:a14="http://schemas.microsoft.com/office/drawing/2010/main" w="9525">
                   <a:solidFill>
                     <a:srgbClr val="000000"/>
                   </a:solidFill>
@@ -2346,7 +2346,7 @@
             </a:ln>
             <a:extLst>
               <a:ext uri="{91240B29-F687-4f45-9708-019B960494DF}">
-                <a14:hiddenLine xmlns:a14="http://schemas.microsoft.com/office/drawing/2010/main" xmlns="" w="9525">
+                <a14:hiddenLine xmlns="" xmlns:a14="http://schemas.microsoft.com/office/drawing/2010/main" w="9525">
                   <a:solidFill>
                     <a:srgbClr val="000000"/>
                   </a:solidFill>
@@ -2436,7 +2436,7 @@
             </a:ln>
             <a:extLst>
               <a:ext uri="{91240B29-F687-4f45-9708-019B960494DF}">
-                <a14:hiddenLine xmlns:a14="http://schemas.microsoft.com/office/drawing/2010/main" xmlns="" w="9525">
+                <a14:hiddenLine xmlns="" xmlns:a14="http://schemas.microsoft.com/office/drawing/2010/main" w="9525">
                   <a:solidFill>
                     <a:srgbClr val="000000"/>
                   </a:solidFill>
@@ -2498,7 +2498,7 @@
             </a:ln>
             <a:extLst>
               <a:ext uri="{91240B29-F687-4f45-9708-019B960494DF}">
-                <a14:hiddenLine xmlns:a14="http://schemas.microsoft.com/office/drawing/2010/main" xmlns="" w="9525">
+                <a14:hiddenLine xmlns="" xmlns:a14="http://schemas.microsoft.com/office/drawing/2010/main" w="9525">
                   <a:solidFill>
                     <a:srgbClr val="000000"/>
                   </a:solidFill>
@@ -2560,7 +2560,7 @@
             </a:ln>
             <a:extLst>
               <a:ext uri="{91240B29-F687-4f45-9708-019B960494DF}">
-                <a14:hiddenLine xmlns:a14="http://schemas.microsoft.com/office/drawing/2010/main" xmlns="" w="9525">
+                <a14:hiddenLine xmlns="" xmlns:a14="http://schemas.microsoft.com/office/drawing/2010/main" w="9525">
                   <a:solidFill>
                     <a:srgbClr val="000000"/>
                   </a:solidFill>
@@ -2650,7 +2650,7 @@
             </a:ln>
             <a:extLst>
               <a:ext uri="{91240B29-F687-4f45-9708-019B960494DF}">
-                <a14:hiddenLine xmlns:a14="http://schemas.microsoft.com/office/drawing/2010/main" xmlns="" w="9525">
+                <a14:hiddenLine xmlns="" xmlns:a14="http://schemas.microsoft.com/office/drawing/2010/main" w="9525">
                   <a:solidFill>
                     <a:srgbClr val="000000"/>
                   </a:solidFill>
@@ -2718,7 +2718,7 @@
             </a:ln>
             <a:extLst>
               <a:ext uri="{91240B29-F687-4f45-9708-019B960494DF}">
-                <a14:hiddenLine xmlns:a14="http://schemas.microsoft.com/office/drawing/2010/main" xmlns="" w="9525">
+                <a14:hiddenLine xmlns="" xmlns:a14="http://schemas.microsoft.com/office/drawing/2010/main" w="9525">
                   <a:solidFill>
                     <a:srgbClr val="000000"/>
                   </a:solidFill>
@@ -2780,7 +2780,7 @@
             </a:ln>
             <a:extLst>
               <a:ext uri="{91240B29-F687-4f45-9708-019B960494DF}">
-                <a14:hiddenLine xmlns:a14="http://schemas.microsoft.com/office/drawing/2010/main" xmlns="" w="9525">
+                <a14:hiddenLine xmlns="" xmlns:a14="http://schemas.microsoft.com/office/drawing/2010/main" w="9525">
                   <a:solidFill>
                     <a:srgbClr val="000000"/>
                   </a:solidFill>
@@ -2870,7 +2870,7 @@
             </a:ln>
             <a:extLst>
               <a:ext uri="{91240B29-F687-4f45-9708-019B960494DF}">
-                <a14:hiddenLine xmlns:a14="http://schemas.microsoft.com/office/drawing/2010/main" xmlns="" w="9525">
+                <a14:hiddenLine xmlns="" xmlns:a14="http://schemas.microsoft.com/office/drawing/2010/main" w="9525">
                   <a:solidFill>
                     <a:srgbClr val="000000"/>
                   </a:solidFill>
@@ -2932,7 +2932,7 @@
             </a:ln>
             <a:extLst>
               <a:ext uri="{91240B29-F687-4f45-9708-019B960494DF}">
-                <a14:hiddenLine xmlns:a14="http://schemas.microsoft.com/office/drawing/2010/main" xmlns="" w="9525">
+                <a14:hiddenLine xmlns="" xmlns:a14="http://schemas.microsoft.com/office/drawing/2010/main" w="9525">
                   <a:solidFill>
                     <a:srgbClr val="000000"/>
                   </a:solidFill>
@@ -3022,7 +3022,7 @@
             </a:ln>
             <a:extLst>
               <a:ext uri="{91240B29-F687-4f45-9708-019B960494DF}">
-                <a14:hiddenLine xmlns:a14="http://schemas.microsoft.com/office/drawing/2010/main" xmlns="" w="9525">
+                <a14:hiddenLine xmlns="" xmlns:a14="http://schemas.microsoft.com/office/drawing/2010/main" w="9525">
                   <a:solidFill>
                     <a:srgbClr val="000000"/>
                   </a:solidFill>
@@ -3084,7 +3084,7 @@
             </a:ln>
             <a:extLst>
               <a:ext uri="{91240B29-F687-4f45-9708-019B960494DF}">
-                <a14:hiddenLine xmlns:a14="http://schemas.microsoft.com/office/drawing/2010/main" xmlns="" w="9525">
+                <a14:hiddenLine xmlns="" xmlns:a14="http://schemas.microsoft.com/office/drawing/2010/main" w="9525">
                   <a:solidFill>
                     <a:srgbClr val="000000"/>
                   </a:solidFill>
@@ -3174,7 +3174,7 @@
             </a:ln>
             <a:extLst>
               <a:ext uri="{91240B29-F687-4f45-9708-019B960494DF}">
-                <a14:hiddenLine xmlns:a14="http://schemas.microsoft.com/office/drawing/2010/main" xmlns="" w="9525">
+                <a14:hiddenLine xmlns="" xmlns:a14="http://schemas.microsoft.com/office/drawing/2010/main" w="9525">
                   <a:solidFill>
                     <a:srgbClr val="000000"/>
                   </a:solidFill>
@@ -3208,7 +3208,7 @@
             </a:ln>
             <a:extLst>
               <a:ext uri="{91240B29-F687-4f45-9708-019B960494DF}">
-                <a14:hiddenLine xmlns:a14="http://schemas.microsoft.com/office/drawing/2010/main" xmlns="" w="9525">
+                <a14:hiddenLine xmlns="" xmlns:a14="http://schemas.microsoft.com/office/drawing/2010/main" w="9525">
                   <a:solidFill>
                     <a:srgbClr val="000000"/>
                   </a:solidFill>
@@ -3273,7 +3273,7 @@
             </a:ln>
             <a:extLst>
               <a:ext uri="{91240B29-F687-4f45-9708-019B960494DF}">
-                <a14:hiddenLine xmlns:a14="http://schemas.microsoft.com/office/drawing/2010/main" xmlns="" w="9525">
+                <a14:hiddenLine xmlns="" xmlns:a14="http://schemas.microsoft.com/office/drawing/2010/main" w="9525">
                   <a:solidFill>
                     <a:srgbClr val="000000"/>
                   </a:solidFill>
@@ -3363,7 +3363,7 @@
             </a:ln>
             <a:extLst>
               <a:ext uri="{91240B29-F687-4f45-9708-019B960494DF}">
-                <a14:hiddenLine xmlns:a14="http://schemas.microsoft.com/office/drawing/2010/main" xmlns="" w="9525">
+                <a14:hiddenLine xmlns="" xmlns:a14="http://schemas.microsoft.com/office/drawing/2010/main" w="9525">
                   <a:solidFill>
                     <a:srgbClr val="000000"/>
                   </a:solidFill>
@@ -3425,7 +3425,7 @@
             </a:ln>
             <a:extLst>
               <a:ext uri="{91240B29-F687-4f45-9708-019B960494DF}">
-                <a14:hiddenLine xmlns:a14="http://schemas.microsoft.com/office/drawing/2010/main" xmlns="" w="9525">
+                <a14:hiddenLine xmlns="" xmlns:a14="http://schemas.microsoft.com/office/drawing/2010/main" w="9525">
                   <a:solidFill>
                     <a:srgbClr val="000000"/>
                   </a:solidFill>
@@ -3515,7 +3515,7 @@
             </a:ln>
             <a:extLst>
               <a:ext uri="{91240B29-F687-4f45-9708-019B960494DF}">
-                <a14:hiddenLine xmlns:a14="http://schemas.microsoft.com/office/drawing/2010/main" xmlns="" w="9525">
+                <a14:hiddenLine xmlns="" xmlns:a14="http://schemas.microsoft.com/office/drawing/2010/main" w="9525">
                   <a:solidFill>
                     <a:srgbClr val="000000"/>
                   </a:solidFill>
@@ -3605,7 +3605,7 @@
             </a:ln>
             <a:extLst>
               <a:ext uri="{91240B29-F687-4f45-9708-019B960494DF}">
-                <a14:hiddenLine xmlns:a14="http://schemas.microsoft.com/office/drawing/2010/main" xmlns="" w="9525">
+                <a14:hiddenLine xmlns="" xmlns:a14="http://schemas.microsoft.com/office/drawing/2010/main" w="9525">
                   <a:solidFill>
                     <a:srgbClr val="000000"/>
                   </a:solidFill>
@@ -3670,7 +3670,7 @@
             </a:ln>
             <a:extLst>
               <a:ext uri="{91240B29-F687-4f45-9708-019B960494DF}">
-                <a14:hiddenLine xmlns:a14="http://schemas.microsoft.com/office/drawing/2010/main" xmlns="" w="9525">
+                <a14:hiddenLine xmlns="" xmlns:a14="http://schemas.microsoft.com/office/drawing/2010/main" w="9525">
                   <a:solidFill>
                     <a:srgbClr val="000000"/>
                   </a:solidFill>
@@ -3732,7 +3732,7 @@
             </a:ln>
             <a:extLst>
               <a:ext uri="{91240B29-F687-4f45-9708-019B960494DF}">
-                <a14:hiddenLine xmlns:a14="http://schemas.microsoft.com/office/drawing/2010/main" xmlns="" w="9525">
+                <a14:hiddenLine xmlns="" xmlns:a14="http://schemas.microsoft.com/office/drawing/2010/main" w="9525">
                   <a:solidFill>
                     <a:srgbClr val="000000"/>
                   </a:solidFill>
@@ -3822,7 +3822,7 @@
             </a:ln>
             <a:extLst>
               <a:ext uri="{91240B29-F687-4f45-9708-019B960494DF}">
-                <a14:hiddenLine xmlns:a14="http://schemas.microsoft.com/office/drawing/2010/main" xmlns="" w="9525">
+                <a14:hiddenLine xmlns="" xmlns:a14="http://schemas.microsoft.com/office/drawing/2010/main" w="9525">
                   <a:solidFill>
                     <a:srgbClr val="000000"/>
                   </a:solidFill>
@@ -3912,7 +3912,7 @@
             </a:ln>
             <a:extLst>
               <a:ext uri="{91240B29-F687-4f45-9708-019B960494DF}">
-                <a14:hiddenLine xmlns:a14="http://schemas.microsoft.com/office/drawing/2010/main" xmlns="" w="9525">
+                <a14:hiddenLine xmlns="" xmlns:a14="http://schemas.microsoft.com/office/drawing/2010/main" w="9525">
                   <a:solidFill>
                     <a:srgbClr val="000000"/>
                   </a:solidFill>
@@ -3974,7 +3974,7 @@
             </a:ln>
             <a:extLst>
               <a:ext uri="{91240B29-F687-4f45-9708-019B960494DF}">
-                <a14:hiddenLine xmlns:a14="http://schemas.microsoft.com/office/drawing/2010/main" xmlns="" w="9525">
+                <a14:hiddenLine xmlns="" xmlns:a14="http://schemas.microsoft.com/office/drawing/2010/main" w="9525">
                   <a:solidFill>
                     <a:srgbClr val="000000"/>
                   </a:solidFill>
@@ -4094,7 +4094,7 @@
             </a:ln>
             <a:extLst>
               <a:ext uri="{91240B29-F687-4f45-9708-019B960494DF}">
-                <a14:hiddenLine xmlns:a14="http://schemas.microsoft.com/office/drawing/2010/main" xmlns="" w="9525">
+                <a14:hiddenLine xmlns="" xmlns:a14="http://schemas.microsoft.com/office/drawing/2010/main" w="9525">
                   <a:solidFill>
                     <a:srgbClr val="000000"/>
                   </a:solidFill>
@@ -4162,7 +4162,7 @@
             </a:ln>
             <a:extLst>
               <a:ext uri="{91240B29-F687-4f45-9708-019B960494DF}">
-                <a14:hiddenLine xmlns:a14="http://schemas.microsoft.com/office/drawing/2010/main" xmlns="" w="9525">
+                <a14:hiddenLine xmlns="" xmlns:a14="http://schemas.microsoft.com/office/drawing/2010/main" w="9525">
                   <a:solidFill>
                     <a:srgbClr val="000000"/>
                   </a:solidFill>
@@ -4252,7 +4252,7 @@
             </a:ln>
             <a:extLst>
               <a:ext uri="{91240B29-F687-4f45-9708-019B960494DF}">
-                <a14:hiddenLine xmlns:a14="http://schemas.microsoft.com/office/drawing/2010/main" xmlns="" w="9525">
+                <a14:hiddenLine xmlns="" xmlns:a14="http://schemas.microsoft.com/office/drawing/2010/main" w="9525">
                   <a:solidFill>
                     <a:srgbClr val="000000"/>
                   </a:solidFill>
@@ -4392,6 +4392,7 @@
           <a:p>
             <a:fld id="{62D6E202-B606-4609-B914-27C9371A1F6D}" type="datetime1">
               <a:rPr lang="en-US" smtClean="0"/>
+              <a:pPr/>
               <a:t>4/28/2022</a:t>
             </a:fld>
             <a:endParaRPr lang="en-US" dirty="0"/>
@@ -4444,6 +4445,7 @@
           <a:p>
             <a:fld id="{3A98EE3D-8CD1-4C3F-BD1C-C98C9596463C}" type="slidenum">
               <a:rPr lang="en-US" smtClean="0"/>
+              <a:pPr/>
               <a:t>‹#›</a:t>
             </a:fld>
             <a:endParaRPr lang="en-US" dirty="0"/>
@@ -4453,7 +4455,7 @@
     </p:spTree>
     <p:extLst>
       <p:ext uri="{BB962C8B-B14F-4D97-AF65-F5344CB8AC3E}">
-        <p14:creationId xmlns:p14="http://schemas.microsoft.com/office/powerpoint/2010/main" val="3628086585"/>
+        <p14:creationId xmlns:p14="http://schemas.microsoft.com/office/powerpoint/2010/main" xmlns="" val="3628086585"/>
       </p:ext>
     </p:extLst>
   </p:cSld>
@@ -4660,6 +4662,7 @@
           <a:p>
             <a:fld id="{62D6E202-B606-4609-B914-27C9371A1F6D}" type="datetime1">
               <a:rPr lang="en-US" smtClean="0"/>
+              <a:pPr/>
               <a:t>4/28/2022</a:t>
             </a:fld>
             <a:endParaRPr lang="en-US" dirty="0"/>
@@ -4702,6 +4705,7 @@
           <a:p>
             <a:fld id="{3A98EE3D-8CD1-4C3F-BD1C-C98C9596463C}" type="slidenum">
               <a:rPr lang="en-US" smtClean="0"/>
+              <a:pPr/>
               <a:t>‹#›</a:t>
             </a:fld>
             <a:endParaRPr lang="en-US" dirty="0"/>
@@ -4711,7 +4715,7 @@
     </p:spTree>
     <p:extLst>
       <p:ext uri="{BB962C8B-B14F-4D97-AF65-F5344CB8AC3E}">
-        <p14:creationId xmlns:p14="http://schemas.microsoft.com/office/powerpoint/2010/main" val="4245210344"/>
+        <p14:creationId xmlns:p14="http://schemas.microsoft.com/office/powerpoint/2010/main" xmlns="" val="4245210344"/>
       </p:ext>
     </p:extLst>
   </p:cSld>
@@ -4857,6 +4861,7 @@
           <a:p>
             <a:fld id="{62D6E202-B606-4609-B914-27C9371A1F6D}" type="datetime1">
               <a:rPr lang="en-US" smtClean="0"/>
+              <a:pPr/>
               <a:t>4/28/2022</a:t>
             </a:fld>
             <a:endParaRPr lang="en-US" dirty="0"/>
@@ -4899,6 +4904,7 @@
           <a:p>
             <a:fld id="{3A98EE3D-8CD1-4C3F-BD1C-C98C9596463C}" type="slidenum">
               <a:rPr lang="en-US" smtClean="0"/>
+              <a:pPr/>
               <a:t>‹#›</a:t>
             </a:fld>
             <a:endParaRPr lang="en-US" dirty="0"/>
@@ -4908,7 +4914,7 @@
     </p:spTree>
     <p:extLst>
       <p:ext uri="{BB962C8B-B14F-4D97-AF65-F5344CB8AC3E}">
-        <p14:creationId xmlns:p14="http://schemas.microsoft.com/office/powerpoint/2010/main" val="1247848487"/>
+        <p14:creationId xmlns:p14="http://schemas.microsoft.com/office/powerpoint/2010/main" xmlns="" val="1247848487"/>
       </p:ext>
     </p:extLst>
   </p:cSld>
@@ -5121,6 +5127,7 @@
           <a:p>
             <a:fld id="{62D6E202-B606-4609-B914-27C9371A1F6D}" type="datetime1">
               <a:rPr lang="en-US" smtClean="0"/>
+              <a:pPr/>
               <a:t>4/28/2022</a:t>
             </a:fld>
             <a:endParaRPr lang="en-US" dirty="0"/>
@@ -5163,6 +5170,7 @@
           <a:p>
             <a:fld id="{3A98EE3D-8CD1-4C3F-BD1C-C98C9596463C}" type="slidenum">
               <a:rPr lang="en-US" smtClean="0"/>
+              <a:pPr/>
               <a:t>‹#›</a:t>
             </a:fld>
             <a:endParaRPr lang="en-US" dirty="0"/>
@@ -5410,7 +5418,7 @@
     </p:spTree>
     <p:extLst>
       <p:ext uri="{BB962C8B-B14F-4D97-AF65-F5344CB8AC3E}">
-        <p14:creationId xmlns:p14="http://schemas.microsoft.com/office/powerpoint/2010/main" val="2343928202"/>
+        <p14:creationId xmlns:p14="http://schemas.microsoft.com/office/powerpoint/2010/main" xmlns="" val="2343928202"/>
       </p:ext>
     </p:extLst>
   </p:cSld>
@@ -5556,6 +5564,7 @@
           <a:p>
             <a:fld id="{62D6E202-B606-4609-B914-27C9371A1F6D}" type="datetime1">
               <a:rPr lang="en-US" smtClean="0"/>
+              <a:pPr/>
               <a:t>4/28/2022</a:t>
             </a:fld>
             <a:endParaRPr lang="en-US" dirty="0"/>
@@ -5598,6 +5607,7 @@
           <a:p>
             <a:fld id="{3A98EE3D-8CD1-4C3F-BD1C-C98C9596463C}" type="slidenum">
               <a:rPr lang="en-US" smtClean="0"/>
+              <a:pPr/>
               <a:t>‹#›</a:t>
             </a:fld>
             <a:endParaRPr lang="en-US" dirty="0"/>
@@ -5607,7 +5617,7 @@
     </p:spTree>
     <p:extLst>
       <p:ext uri="{BB962C8B-B14F-4D97-AF65-F5344CB8AC3E}">
-        <p14:creationId xmlns:p14="http://schemas.microsoft.com/office/powerpoint/2010/main" val="3863917284"/>
+        <p14:creationId xmlns:p14="http://schemas.microsoft.com/office/powerpoint/2010/main" xmlns="" val="3863917284"/>
       </p:ext>
     </p:extLst>
   </p:cSld>
@@ -6103,6 +6113,7 @@
           <a:p>
             <a:fld id="{62D6E202-B606-4609-B914-27C9371A1F6D}" type="datetime1">
               <a:rPr lang="en-US" smtClean="0"/>
+              <a:pPr/>
               <a:t>4/28/2022</a:t>
             </a:fld>
             <a:endParaRPr lang="en-US" dirty="0"/>
@@ -6145,6 +6156,7 @@
           <a:p>
             <a:fld id="{3A98EE3D-8CD1-4C3F-BD1C-C98C9596463C}" type="slidenum">
               <a:rPr lang="en-US" smtClean="0"/>
+              <a:pPr/>
               <a:t>‹#›</a:t>
             </a:fld>
             <a:endParaRPr lang="en-US" dirty="0"/>
@@ -6154,7 +6166,7 @@
     </p:spTree>
     <p:extLst>
       <p:ext uri="{BB962C8B-B14F-4D97-AF65-F5344CB8AC3E}">
-        <p14:creationId xmlns:p14="http://schemas.microsoft.com/office/powerpoint/2010/main" val="2016662563"/>
+        <p14:creationId xmlns:p14="http://schemas.microsoft.com/office/powerpoint/2010/main" xmlns="" val="2016662563"/>
       </p:ext>
     </p:extLst>
   </p:cSld>
@@ -6824,6 +6836,7 @@
           <a:p>
             <a:fld id="{62D6E202-B606-4609-B914-27C9371A1F6D}" type="datetime1">
               <a:rPr lang="en-US" smtClean="0"/>
+              <a:pPr/>
               <a:t>4/28/2022</a:t>
             </a:fld>
             <a:endParaRPr lang="en-US" dirty="0"/>
@@ -6866,6 +6879,7 @@
           <a:p>
             <a:fld id="{3A98EE3D-8CD1-4C3F-BD1C-C98C9596463C}" type="slidenum">
               <a:rPr lang="en-US" smtClean="0"/>
+              <a:pPr/>
               <a:t>‹#›</a:t>
             </a:fld>
             <a:endParaRPr lang="en-US" dirty="0"/>
@@ -6875,7 +6889,7 @@
     </p:spTree>
     <p:extLst>
       <p:ext uri="{BB962C8B-B14F-4D97-AF65-F5344CB8AC3E}">
-        <p14:creationId xmlns:p14="http://schemas.microsoft.com/office/powerpoint/2010/main" val="2563245723"/>
+        <p14:creationId xmlns:p14="http://schemas.microsoft.com/office/powerpoint/2010/main" xmlns="" val="2563245723"/>
       </p:ext>
     </p:extLst>
   </p:cSld>
@@ -6995,6 +7009,7 @@
           <a:p>
             <a:fld id="{62D6E202-B606-4609-B914-27C9371A1F6D}" type="datetime1">
               <a:rPr lang="en-US" smtClean="0"/>
+              <a:pPr/>
               <a:t>4/28/2022</a:t>
             </a:fld>
             <a:endParaRPr lang="en-US" dirty="0"/>
@@ -7037,6 +7052,7 @@
           <a:p>
             <a:fld id="{3A98EE3D-8CD1-4C3F-BD1C-C98C9596463C}" type="slidenum">
               <a:rPr lang="en-US" smtClean="0"/>
+              <a:pPr/>
               <a:t>‹#›</a:t>
             </a:fld>
             <a:endParaRPr lang="en-US" dirty="0"/>
@@ -7046,7 +7062,7 @@
     </p:spTree>
     <p:extLst>
       <p:ext uri="{BB962C8B-B14F-4D97-AF65-F5344CB8AC3E}">
-        <p14:creationId xmlns:p14="http://schemas.microsoft.com/office/powerpoint/2010/main" val="3328680230"/>
+        <p14:creationId xmlns:p14="http://schemas.microsoft.com/office/powerpoint/2010/main" xmlns="" val="3328680230"/>
       </p:ext>
     </p:extLst>
   </p:cSld>
@@ -7176,6 +7192,7 @@
           <a:p>
             <a:fld id="{62D6E202-B606-4609-B914-27C9371A1F6D}" type="datetime1">
               <a:rPr lang="en-US" smtClean="0"/>
+              <a:pPr/>
               <a:t>4/28/2022</a:t>
             </a:fld>
             <a:endParaRPr lang="en-US" dirty="0"/>
@@ -7218,6 +7235,7 @@
           <a:p>
             <a:fld id="{3A98EE3D-8CD1-4C3F-BD1C-C98C9596463C}" type="slidenum">
               <a:rPr lang="en-US" smtClean="0"/>
+              <a:pPr/>
               <a:t>‹#›</a:t>
             </a:fld>
             <a:endParaRPr lang="en-US" dirty="0"/>
@@ -7227,7 +7245,7 @@
     </p:spTree>
     <p:extLst>
       <p:ext uri="{BB962C8B-B14F-4D97-AF65-F5344CB8AC3E}">
-        <p14:creationId xmlns:p14="http://schemas.microsoft.com/office/powerpoint/2010/main" val="57607954"/>
+        <p14:creationId xmlns:p14="http://schemas.microsoft.com/office/powerpoint/2010/main" xmlns="" val="57607954"/>
       </p:ext>
     </p:extLst>
   </p:cSld>
@@ -7347,6 +7365,7 @@
           <a:p>
             <a:fld id="{62D6E202-B606-4609-B914-27C9371A1F6D}" type="datetime1">
               <a:rPr lang="en-US" smtClean="0"/>
+              <a:pPr/>
               <a:t>4/28/2022</a:t>
             </a:fld>
             <a:endParaRPr lang="en-US" dirty="0"/>
@@ -7389,6 +7408,7 @@
           <a:p>
             <a:fld id="{3A98EE3D-8CD1-4C3F-BD1C-C98C9596463C}" type="slidenum">
               <a:rPr lang="en-US" smtClean="0"/>
+              <a:pPr/>
               <a:t>‹#›</a:t>
             </a:fld>
             <a:endParaRPr lang="en-US" dirty="0"/>
@@ -7398,7 +7418,7 @@
     </p:spTree>
     <p:extLst>
       <p:ext uri="{BB962C8B-B14F-4D97-AF65-F5344CB8AC3E}">
-        <p14:creationId xmlns:p14="http://schemas.microsoft.com/office/powerpoint/2010/main" val="2996233828"/>
+        <p14:creationId xmlns:p14="http://schemas.microsoft.com/office/powerpoint/2010/main" xmlns="" val="2996233828"/>
       </p:ext>
     </p:extLst>
   </p:cSld>
@@ -7598,6 +7618,7 @@
           <a:p>
             <a:fld id="{62D6E202-B606-4609-B914-27C9371A1F6D}" type="datetime1">
               <a:rPr lang="en-US" smtClean="0"/>
+              <a:pPr/>
               <a:t>4/28/2022</a:t>
             </a:fld>
             <a:endParaRPr lang="en-US" dirty="0"/>
@@ -7640,6 +7661,7 @@
           <a:p>
             <a:fld id="{3A98EE3D-8CD1-4C3F-BD1C-C98C9596463C}" type="slidenum">
               <a:rPr lang="en-US" smtClean="0"/>
+              <a:pPr/>
               <a:t>‹#›</a:t>
             </a:fld>
             <a:endParaRPr lang="en-US" dirty="0"/>
@@ -7649,7 +7671,7 @@
     </p:spTree>
     <p:extLst>
       <p:ext uri="{BB962C8B-B14F-4D97-AF65-F5344CB8AC3E}">
-        <p14:creationId xmlns:p14="http://schemas.microsoft.com/office/powerpoint/2010/main" val="3130049241"/>
+        <p14:creationId xmlns:p14="http://schemas.microsoft.com/office/powerpoint/2010/main" xmlns="" val="3130049241"/>
       </p:ext>
     </p:extLst>
   </p:cSld>
@@ -7831,6 +7853,7 @@
           <a:p>
             <a:fld id="{62D6E202-B606-4609-B914-27C9371A1F6D}" type="datetime1">
               <a:rPr lang="en-US" smtClean="0"/>
+              <a:pPr/>
               <a:t>4/28/2022</a:t>
             </a:fld>
             <a:endParaRPr lang="en-US" dirty="0"/>
@@ -7873,6 +7896,7 @@
           <a:p>
             <a:fld id="{3A98EE3D-8CD1-4C3F-BD1C-C98C9596463C}" type="slidenum">
               <a:rPr lang="en-US" smtClean="0"/>
+              <a:pPr/>
               <a:t>‹#›</a:t>
             </a:fld>
             <a:endParaRPr lang="en-US" dirty="0"/>
@@ -7882,7 +7906,7 @@
     </p:spTree>
     <p:extLst>
       <p:ext uri="{BB962C8B-B14F-4D97-AF65-F5344CB8AC3E}">
-        <p14:creationId xmlns:p14="http://schemas.microsoft.com/office/powerpoint/2010/main" val="837974610"/>
+        <p14:creationId xmlns:p14="http://schemas.microsoft.com/office/powerpoint/2010/main" xmlns="" val="837974610"/>
       </p:ext>
     </p:extLst>
   </p:cSld>
@@ -8213,6 +8237,7 @@
           <a:p>
             <a:fld id="{62D6E202-B606-4609-B914-27C9371A1F6D}" type="datetime1">
               <a:rPr lang="en-US" smtClean="0"/>
+              <a:pPr/>
               <a:t>4/28/2022</a:t>
             </a:fld>
             <a:endParaRPr lang="en-US" dirty="0"/>
@@ -8255,6 +8280,7 @@
           <a:p>
             <a:fld id="{3A98EE3D-8CD1-4C3F-BD1C-C98C9596463C}" type="slidenum">
               <a:rPr lang="en-US" smtClean="0"/>
+              <a:pPr/>
               <a:t>‹#›</a:t>
             </a:fld>
             <a:endParaRPr lang="en-US" dirty="0"/>
@@ -8264,7 +8290,7 @@
     </p:spTree>
     <p:extLst>
       <p:ext uri="{BB962C8B-B14F-4D97-AF65-F5344CB8AC3E}">
-        <p14:creationId xmlns:p14="http://schemas.microsoft.com/office/powerpoint/2010/main" val="4192690014"/>
+        <p14:creationId xmlns:p14="http://schemas.microsoft.com/office/powerpoint/2010/main" xmlns="" val="4192690014"/>
       </p:ext>
     </p:extLst>
   </p:cSld>
@@ -8332,6 +8358,7 @@
           <a:p>
             <a:fld id="{62D6E202-B606-4609-B914-27C9371A1F6D}" type="datetime1">
               <a:rPr lang="en-US" smtClean="0"/>
+              <a:pPr/>
               <a:t>4/28/2022</a:t>
             </a:fld>
             <a:endParaRPr lang="en-US" dirty="0"/>
@@ -8374,6 +8401,7 @@
           <a:p>
             <a:fld id="{3A98EE3D-8CD1-4C3F-BD1C-C98C9596463C}" type="slidenum">
               <a:rPr lang="en-US" smtClean="0"/>
+              <a:pPr/>
               <a:t>‹#›</a:t>
             </a:fld>
             <a:endParaRPr lang="en-US" dirty="0"/>
@@ -8383,7 +8411,7 @@
     </p:spTree>
     <p:extLst>
       <p:ext uri="{BB962C8B-B14F-4D97-AF65-F5344CB8AC3E}">
-        <p14:creationId xmlns:p14="http://schemas.microsoft.com/office/powerpoint/2010/main" val="241591805"/>
+        <p14:creationId xmlns:p14="http://schemas.microsoft.com/office/powerpoint/2010/main" xmlns="" val="241591805"/>
       </p:ext>
     </p:extLst>
   </p:cSld>
@@ -8428,6 +8456,7 @@
           <a:p>
             <a:fld id="{62D6E202-B606-4609-B914-27C9371A1F6D}" type="datetime1">
               <a:rPr lang="en-US" smtClean="0"/>
+              <a:pPr/>
               <a:t>4/28/2022</a:t>
             </a:fld>
             <a:endParaRPr lang="en-US" dirty="0"/>
@@ -8470,6 +8499,7 @@
           <a:p>
             <a:fld id="{3A98EE3D-8CD1-4C3F-BD1C-C98C9596463C}" type="slidenum">
               <a:rPr lang="en-US" smtClean="0"/>
+              <a:pPr/>
               <a:t>‹#›</a:t>
             </a:fld>
             <a:endParaRPr lang="en-US" dirty="0"/>
@@ -8479,7 +8509,7 @@
     </p:spTree>
     <p:extLst>
       <p:ext uri="{BB962C8B-B14F-4D97-AF65-F5344CB8AC3E}">
-        <p14:creationId xmlns:p14="http://schemas.microsoft.com/office/powerpoint/2010/main" val="1057407235"/>
+        <p14:creationId xmlns:p14="http://schemas.microsoft.com/office/powerpoint/2010/main" xmlns="" val="1057407235"/>
       </p:ext>
     </p:extLst>
   </p:cSld>
@@ -8678,6 +8708,7 @@
           <a:p>
             <a:fld id="{62D6E202-B606-4609-B914-27C9371A1F6D}" type="datetime1">
               <a:rPr lang="en-US" smtClean="0"/>
+              <a:pPr/>
               <a:t>4/28/2022</a:t>
             </a:fld>
             <a:endParaRPr lang="en-US" dirty="0"/>
@@ -8720,6 +8751,7 @@
           <a:p>
             <a:fld id="{3A98EE3D-8CD1-4C3F-BD1C-C98C9596463C}" type="slidenum">
               <a:rPr lang="en-US" smtClean="0"/>
+              <a:pPr/>
               <a:t>‹#›</a:t>
             </a:fld>
             <a:endParaRPr lang="en-US" dirty="0"/>
@@ -8729,7 +8761,7 @@
     </p:spTree>
     <p:extLst>
       <p:ext uri="{BB962C8B-B14F-4D97-AF65-F5344CB8AC3E}">
-        <p14:creationId xmlns:p14="http://schemas.microsoft.com/office/powerpoint/2010/main" val="28519649"/>
+        <p14:creationId xmlns:p14="http://schemas.microsoft.com/office/powerpoint/2010/main" xmlns="" val="28519649"/>
       </p:ext>
     </p:extLst>
   </p:cSld>
@@ -8959,6 +8991,7 @@
           <a:p>
             <a:fld id="{62D6E202-B606-4609-B914-27C9371A1F6D}" type="datetime1">
               <a:rPr lang="en-US" smtClean="0"/>
+              <a:pPr/>
               <a:t>4/28/2022</a:t>
             </a:fld>
             <a:endParaRPr lang="en-US" dirty="0"/>
@@ -9001,6 +9034,7 @@
           <a:p>
             <a:fld id="{3A98EE3D-8CD1-4C3F-BD1C-C98C9596463C}" type="slidenum">
               <a:rPr lang="en-US" smtClean="0"/>
+              <a:pPr/>
               <a:t>‹#›</a:t>
             </a:fld>
             <a:endParaRPr lang="en-US" dirty="0"/>
@@ -9010,7 +9044,7 @@
     </p:spTree>
     <p:extLst>
       <p:ext uri="{BB962C8B-B14F-4D97-AF65-F5344CB8AC3E}">
-        <p14:creationId xmlns:p14="http://schemas.microsoft.com/office/powerpoint/2010/main" val="3702158482"/>
+        <p14:creationId xmlns:p14="http://schemas.microsoft.com/office/powerpoint/2010/main" xmlns="" val="3702158482"/>
       </p:ext>
     </p:extLst>
   </p:cSld>
@@ -9056,7 +9090,7 @@
             <a:alphaModFix amt="30000"/>
             <a:extLst>
               <a:ext uri="{28A0092B-C50C-407E-A947-70E740481C1C}">
-                <a14:useLocalDpi xmlns:a14="http://schemas.microsoft.com/office/drawing/2010/main" val="0"/>
+                <a14:useLocalDpi xmlns:a14="http://schemas.microsoft.com/office/drawing/2010/main" xmlns="" val="0"/>
               </a:ext>
             </a:extLst>
           </a:blip>
@@ -9076,7 +9110,7 @@
           <a:noFill/>
           <a:extLst>
             <a:ext uri="{909E8E84-426E-40dd-AFC4-6F175D3DCCD1}">
-              <a14:hiddenFill xmlns:a14="http://schemas.microsoft.com/office/drawing/2010/main" xmlns="">
+              <a14:hiddenFill xmlns="" xmlns:a14="http://schemas.microsoft.com/office/drawing/2010/main">
                 <a:solidFill>
                   <a:srgbClr val="FFFFFF"/>
                 </a:solidFill>
@@ -9150,7 +9184,7 @@
               </a:ln>
               <a:extLst>
                 <a:ext uri="{91240B29-F687-4f45-9708-019B960494DF}">
-                  <a14:hiddenLine xmlns:a14="http://schemas.microsoft.com/office/drawing/2010/main" xmlns="" w="9525">
+                  <a14:hiddenLine xmlns="" xmlns:a14="http://schemas.microsoft.com/office/drawing/2010/main" w="9525">
                     <a:solidFill>
                       <a:srgbClr val="000000"/>
                     </a:solidFill>
@@ -9240,7 +9274,7 @@
               </a:ln>
               <a:extLst>
                 <a:ext uri="{91240B29-F687-4f45-9708-019B960494DF}">
-                  <a14:hiddenLine xmlns:a14="http://schemas.microsoft.com/office/drawing/2010/main" xmlns="" w="9525">
+                  <a14:hiddenLine xmlns="" xmlns:a14="http://schemas.microsoft.com/office/drawing/2010/main" w="9525">
                     <a:solidFill>
                       <a:srgbClr val="000000"/>
                     </a:solidFill>
@@ -9330,7 +9364,7 @@
               </a:ln>
               <a:extLst>
                 <a:ext uri="{91240B29-F687-4f45-9708-019B960494DF}">
-                  <a14:hiddenLine xmlns:a14="http://schemas.microsoft.com/office/drawing/2010/main" xmlns="" w="9525">
+                  <a14:hiddenLine xmlns="" xmlns:a14="http://schemas.microsoft.com/office/drawing/2010/main" w="9525">
                     <a:solidFill>
                       <a:srgbClr val="000000"/>
                     </a:solidFill>
@@ -9392,7 +9426,7 @@
               </a:ln>
               <a:extLst>
                 <a:ext uri="{91240B29-F687-4f45-9708-019B960494DF}">
-                  <a14:hiddenLine xmlns:a14="http://schemas.microsoft.com/office/drawing/2010/main" xmlns="" w="9525">
+                  <a14:hiddenLine xmlns="" xmlns:a14="http://schemas.microsoft.com/office/drawing/2010/main" w="9525">
                     <a:solidFill>
                       <a:srgbClr val="000000"/>
                     </a:solidFill>
@@ -9482,7 +9516,7 @@
               </a:ln>
               <a:extLst>
                 <a:ext uri="{91240B29-F687-4f45-9708-019B960494DF}">
-                  <a14:hiddenLine xmlns:a14="http://schemas.microsoft.com/office/drawing/2010/main" xmlns="" w="9525">
+                  <a14:hiddenLine xmlns="" xmlns:a14="http://schemas.microsoft.com/office/drawing/2010/main" w="9525">
                     <a:solidFill>
                       <a:srgbClr val="000000"/>
                     </a:solidFill>
@@ -9544,7 +9578,7 @@
               </a:ln>
               <a:extLst>
                 <a:ext uri="{91240B29-F687-4f45-9708-019B960494DF}">
-                  <a14:hiddenLine xmlns:a14="http://schemas.microsoft.com/office/drawing/2010/main" xmlns="" w="9525">
+                  <a14:hiddenLine xmlns="" xmlns:a14="http://schemas.microsoft.com/office/drawing/2010/main" w="9525">
                     <a:solidFill>
                       <a:srgbClr val="000000"/>
                     </a:solidFill>
@@ -9606,7 +9640,7 @@
               </a:ln>
               <a:extLst>
                 <a:ext uri="{91240B29-F687-4f45-9708-019B960494DF}">
-                  <a14:hiddenLine xmlns:a14="http://schemas.microsoft.com/office/drawing/2010/main" xmlns="" w="9525">
+                  <a14:hiddenLine xmlns="" xmlns:a14="http://schemas.microsoft.com/office/drawing/2010/main" w="9525">
                     <a:solidFill>
                       <a:srgbClr val="000000"/>
                     </a:solidFill>
@@ -9696,7 +9730,7 @@
               </a:ln>
               <a:extLst>
                 <a:ext uri="{91240B29-F687-4f45-9708-019B960494DF}">
-                  <a14:hiddenLine xmlns:a14="http://schemas.microsoft.com/office/drawing/2010/main" xmlns="" w="9525">
+                  <a14:hiddenLine xmlns="" xmlns:a14="http://schemas.microsoft.com/office/drawing/2010/main" w="9525">
                     <a:solidFill>
                       <a:srgbClr val="000000"/>
                     </a:solidFill>
@@ -9786,7 +9820,7 @@
               </a:ln>
               <a:extLst>
                 <a:ext uri="{91240B29-F687-4f45-9708-019B960494DF}">
-                  <a14:hiddenLine xmlns:a14="http://schemas.microsoft.com/office/drawing/2010/main" xmlns="" w="9525">
+                  <a14:hiddenLine xmlns="" xmlns:a14="http://schemas.microsoft.com/office/drawing/2010/main" w="9525">
                     <a:solidFill>
                       <a:srgbClr val="000000"/>
                     </a:solidFill>
@@ -9848,7 +9882,7 @@
               </a:ln>
               <a:extLst>
                 <a:ext uri="{91240B29-F687-4f45-9708-019B960494DF}">
-                  <a14:hiddenLine xmlns:a14="http://schemas.microsoft.com/office/drawing/2010/main" xmlns="" w="9525">
+                  <a14:hiddenLine xmlns="" xmlns:a14="http://schemas.microsoft.com/office/drawing/2010/main" w="9525">
                     <a:solidFill>
                       <a:srgbClr val="000000"/>
                     </a:solidFill>
@@ -9958,7 +9992,7 @@
               </a:ln>
               <a:extLst>
                 <a:ext uri="{91240B29-F687-4f45-9708-019B960494DF}">
-                  <a14:hiddenLine xmlns:a14="http://schemas.microsoft.com/office/drawing/2010/main" xmlns="" w="9525">
+                  <a14:hiddenLine xmlns="" xmlns:a14="http://schemas.microsoft.com/office/drawing/2010/main" w="9525">
                     <a:solidFill>
                       <a:srgbClr val="000000"/>
                     </a:solidFill>
@@ -10042,7 +10076,7 @@
               </a:ln>
               <a:extLst>
                 <a:ext uri="{91240B29-F687-4f45-9708-019B960494DF}">
-                  <a14:hiddenLine xmlns:a14="http://schemas.microsoft.com/office/drawing/2010/main" xmlns="" w="9525">
+                  <a14:hiddenLine xmlns="" xmlns:a14="http://schemas.microsoft.com/office/drawing/2010/main" w="9525">
                     <a:solidFill>
                       <a:srgbClr val="000000"/>
                     </a:solidFill>
@@ -10104,7 +10138,7 @@
               </a:ln>
               <a:extLst>
                 <a:ext uri="{91240B29-F687-4f45-9708-019B960494DF}">
-                  <a14:hiddenLine xmlns:a14="http://schemas.microsoft.com/office/drawing/2010/main" xmlns="" w="9525">
+                  <a14:hiddenLine xmlns="" xmlns:a14="http://schemas.microsoft.com/office/drawing/2010/main" w="9525">
                     <a:solidFill>
                       <a:srgbClr val="000000"/>
                     </a:solidFill>
@@ -10166,7 +10200,7 @@
               </a:ln>
               <a:extLst>
                 <a:ext uri="{91240B29-F687-4f45-9708-019B960494DF}">
-                  <a14:hiddenLine xmlns:a14="http://schemas.microsoft.com/office/drawing/2010/main" xmlns="" w="9525">
+                  <a14:hiddenLine xmlns="" xmlns:a14="http://schemas.microsoft.com/office/drawing/2010/main" w="9525">
                     <a:solidFill>
                       <a:srgbClr val="000000"/>
                     </a:solidFill>
@@ -10256,7 +10290,7 @@
               </a:ln>
               <a:extLst>
                 <a:ext uri="{91240B29-F687-4f45-9708-019B960494DF}">
-                  <a14:hiddenLine xmlns:a14="http://schemas.microsoft.com/office/drawing/2010/main" xmlns="" w="9525">
+                  <a14:hiddenLine xmlns="" xmlns:a14="http://schemas.microsoft.com/office/drawing/2010/main" w="9525">
                     <a:solidFill>
                       <a:srgbClr val="000000"/>
                     </a:solidFill>
@@ -10290,7 +10324,7 @@
               </a:ln>
               <a:extLst>
                 <a:ext uri="{91240B29-F687-4f45-9708-019B960494DF}">
-                  <a14:hiddenLine xmlns:a14="http://schemas.microsoft.com/office/drawing/2010/main" xmlns="" w="9525">
+                  <a14:hiddenLine xmlns="" xmlns:a14="http://schemas.microsoft.com/office/drawing/2010/main" w="9525">
                     <a:solidFill>
                       <a:srgbClr val="000000"/>
                     </a:solidFill>
@@ -10355,7 +10389,7 @@
               </a:ln>
               <a:extLst>
                 <a:ext uri="{91240B29-F687-4f45-9708-019B960494DF}">
-                  <a14:hiddenLine xmlns:a14="http://schemas.microsoft.com/office/drawing/2010/main" xmlns="" w="9525">
+                  <a14:hiddenLine xmlns="" xmlns:a14="http://schemas.microsoft.com/office/drawing/2010/main" w="9525">
                     <a:solidFill>
                       <a:srgbClr val="000000"/>
                     </a:solidFill>
@@ -10445,7 +10479,7 @@
               </a:ln>
               <a:extLst>
                 <a:ext uri="{91240B29-F687-4f45-9708-019B960494DF}">
-                  <a14:hiddenLine xmlns:a14="http://schemas.microsoft.com/office/drawing/2010/main" xmlns="" w="9525">
+                  <a14:hiddenLine xmlns="" xmlns:a14="http://schemas.microsoft.com/office/drawing/2010/main" w="9525">
                     <a:solidFill>
                       <a:srgbClr val="000000"/>
                     </a:solidFill>
@@ -10507,7 +10541,7 @@
               </a:ln>
               <a:extLst>
                 <a:ext uri="{91240B29-F687-4f45-9708-019B960494DF}">
-                  <a14:hiddenLine xmlns:a14="http://schemas.microsoft.com/office/drawing/2010/main" xmlns="" w="9525">
+                  <a14:hiddenLine xmlns="" xmlns:a14="http://schemas.microsoft.com/office/drawing/2010/main" w="9525">
                     <a:solidFill>
                       <a:srgbClr val="000000"/>
                     </a:solidFill>
@@ -10597,7 +10631,7 @@
               </a:ln>
               <a:extLst>
                 <a:ext uri="{91240B29-F687-4f45-9708-019B960494DF}">
-                  <a14:hiddenLine xmlns:a14="http://schemas.microsoft.com/office/drawing/2010/main" xmlns="" w="9525">
+                  <a14:hiddenLine xmlns="" xmlns:a14="http://schemas.microsoft.com/office/drawing/2010/main" w="9525">
                     <a:solidFill>
                       <a:srgbClr val="000000"/>
                     </a:solidFill>
@@ -10662,7 +10696,7 @@
               </a:ln>
               <a:extLst>
                 <a:ext uri="{91240B29-F687-4f45-9708-019B960494DF}">
-                  <a14:hiddenLine xmlns:a14="http://schemas.microsoft.com/office/drawing/2010/main" xmlns="" w="9525">
+                  <a14:hiddenLine xmlns="" xmlns:a14="http://schemas.microsoft.com/office/drawing/2010/main" w="9525">
                     <a:solidFill>
                       <a:srgbClr val="000000"/>
                     </a:solidFill>
@@ -10724,7 +10758,7 @@
               </a:ln>
               <a:extLst>
                 <a:ext uri="{91240B29-F687-4f45-9708-019B960494DF}">
-                  <a14:hiddenLine xmlns:a14="http://schemas.microsoft.com/office/drawing/2010/main" xmlns="" w="9525">
+                  <a14:hiddenLine xmlns="" xmlns:a14="http://schemas.microsoft.com/office/drawing/2010/main" w="9525">
                     <a:solidFill>
                       <a:srgbClr val="000000"/>
                     </a:solidFill>
@@ -10814,7 +10848,7 @@
               </a:ln>
               <a:extLst>
                 <a:ext uri="{91240B29-F687-4f45-9708-019B960494DF}">
-                  <a14:hiddenLine xmlns:a14="http://schemas.microsoft.com/office/drawing/2010/main" xmlns="" w="9525">
+                  <a14:hiddenLine xmlns="" xmlns:a14="http://schemas.microsoft.com/office/drawing/2010/main" w="9525">
                     <a:solidFill>
                       <a:srgbClr val="000000"/>
                     </a:solidFill>
@@ -10904,7 +10938,7 @@
               </a:ln>
               <a:extLst>
                 <a:ext uri="{91240B29-F687-4f45-9708-019B960494DF}">
-                  <a14:hiddenLine xmlns:a14="http://schemas.microsoft.com/office/drawing/2010/main" xmlns="" w="9525">
+                  <a14:hiddenLine xmlns="" xmlns:a14="http://schemas.microsoft.com/office/drawing/2010/main" w="9525">
                     <a:solidFill>
                       <a:srgbClr val="000000"/>
                     </a:solidFill>
@@ -10969,7 +11003,7 @@
               </a:ln>
               <a:extLst>
                 <a:ext uri="{91240B29-F687-4f45-9708-019B960494DF}">
-                  <a14:hiddenLine xmlns:a14="http://schemas.microsoft.com/office/drawing/2010/main" xmlns="" w="9525">
+                  <a14:hiddenLine xmlns="" xmlns:a14="http://schemas.microsoft.com/office/drawing/2010/main" w="9525">
                     <a:solidFill>
                       <a:srgbClr val="000000"/>
                     </a:solidFill>
@@ -11089,7 +11123,7 @@
               </a:ln>
               <a:extLst>
                 <a:ext uri="{91240B29-F687-4f45-9708-019B960494DF}">
-                  <a14:hiddenLine xmlns:a14="http://schemas.microsoft.com/office/drawing/2010/main" xmlns="" w="9525">
+                  <a14:hiddenLine xmlns="" xmlns:a14="http://schemas.microsoft.com/office/drawing/2010/main" w="9525">
                     <a:solidFill>
                       <a:srgbClr val="000000"/>
                     </a:solidFill>
@@ -11187,7 +11221,7 @@
               </a:ln>
               <a:extLst>
                 <a:ext uri="{91240B29-F687-4f45-9708-019B960494DF}">
-                  <a14:hiddenLine xmlns:a14="http://schemas.microsoft.com/office/drawing/2010/main" xmlns="" w="9525">
+                  <a14:hiddenLine xmlns="" xmlns:a14="http://schemas.microsoft.com/office/drawing/2010/main" w="9525">
                     <a:solidFill>
                       <a:srgbClr val="000000"/>
                     </a:solidFill>
@@ -11302,7 +11336,7 @@
               </a:ln>
               <a:extLst>
                 <a:ext uri="{91240B29-F687-4f45-9708-019B960494DF}">
-                  <a14:hiddenLine xmlns:a14="http://schemas.microsoft.com/office/drawing/2010/main" xmlns="" w="9525">
+                  <a14:hiddenLine xmlns="" xmlns:a14="http://schemas.microsoft.com/office/drawing/2010/main" w="9525">
                     <a:solidFill>
                       <a:srgbClr val="000000"/>
                     </a:solidFill>
@@ -11392,7 +11426,7 @@
               </a:ln>
               <a:extLst>
                 <a:ext uri="{91240B29-F687-4f45-9708-019B960494DF}">
-                  <a14:hiddenLine xmlns:a14="http://schemas.microsoft.com/office/drawing/2010/main" xmlns="" w="9525">
+                  <a14:hiddenLine xmlns="" xmlns:a14="http://schemas.microsoft.com/office/drawing/2010/main" w="9525">
                     <a:solidFill>
                       <a:srgbClr val="000000"/>
                     </a:solidFill>
@@ -11457,7 +11491,7 @@
               </a:ln>
               <a:extLst>
                 <a:ext uri="{91240B29-F687-4f45-9708-019B960494DF}">
-                  <a14:hiddenLine xmlns:a14="http://schemas.microsoft.com/office/drawing/2010/main" xmlns="" w="9525">
+                  <a14:hiddenLine xmlns="" xmlns:a14="http://schemas.microsoft.com/office/drawing/2010/main" w="9525">
                     <a:solidFill>
                       <a:srgbClr val="000000"/>
                     </a:solidFill>
@@ -11547,7 +11581,7 @@
               </a:ln>
               <a:extLst>
                 <a:ext uri="{91240B29-F687-4f45-9708-019B960494DF}">
-                  <a14:hiddenLine xmlns:a14="http://schemas.microsoft.com/office/drawing/2010/main" xmlns="" w="9525">
+                  <a14:hiddenLine xmlns="" xmlns:a14="http://schemas.microsoft.com/office/drawing/2010/main" w="9525">
                     <a:solidFill>
                       <a:srgbClr val="000000"/>
                     </a:solidFill>
@@ -11615,7 +11649,7 @@
               </a:ln>
               <a:extLst>
                 <a:ext uri="{91240B29-F687-4f45-9708-019B960494DF}">
-                  <a14:hiddenLine xmlns:a14="http://schemas.microsoft.com/office/drawing/2010/main" xmlns="" w="9525">
+                  <a14:hiddenLine xmlns="" xmlns:a14="http://schemas.microsoft.com/office/drawing/2010/main" w="9525">
                     <a:solidFill>
                       <a:srgbClr val="000000"/>
                     </a:solidFill>
@@ -11705,7 +11739,7 @@
               </a:ln>
               <a:extLst>
                 <a:ext uri="{91240B29-F687-4f45-9708-019B960494DF}">
-                  <a14:hiddenLine xmlns:a14="http://schemas.microsoft.com/office/drawing/2010/main" xmlns="" w="9525">
+                  <a14:hiddenLine xmlns="" xmlns:a14="http://schemas.microsoft.com/office/drawing/2010/main" w="9525">
                     <a:solidFill>
                       <a:srgbClr val="000000"/>
                     </a:solidFill>
@@ -11773,7 +11807,7 @@
               </a:ln>
               <a:extLst>
                 <a:ext uri="{91240B29-F687-4f45-9708-019B960494DF}">
-                  <a14:hiddenLine xmlns:a14="http://schemas.microsoft.com/office/drawing/2010/main" xmlns="" w="9525">
+                  <a14:hiddenLine xmlns="" xmlns:a14="http://schemas.microsoft.com/office/drawing/2010/main" w="9525">
                     <a:solidFill>
                       <a:srgbClr val="000000"/>
                     </a:solidFill>
@@ -11863,7 +11897,7 @@
               </a:ln>
               <a:extLst>
                 <a:ext uri="{91240B29-F687-4f45-9708-019B960494DF}">
-                  <a14:hiddenLine xmlns:a14="http://schemas.microsoft.com/office/drawing/2010/main" xmlns="" w="9525">
+                  <a14:hiddenLine xmlns="" xmlns:a14="http://schemas.microsoft.com/office/drawing/2010/main" w="9525">
                     <a:solidFill>
                       <a:srgbClr val="000000"/>
                     </a:solidFill>
@@ -11897,7 +11931,7 @@
               </a:ln>
               <a:extLst>
                 <a:ext uri="{91240B29-F687-4f45-9708-019B960494DF}">
-                  <a14:hiddenLine xmlns:a14="http://schemas.microsoft.com/office/drawing/2010/main" xmlns="" w="9525">
+                  <a14:hiddenLine xmlns="" xmlns:a14="http://schemas.microsoft.com/office/drawing/2010/main" w="9525">
                     <a:solidFill>
                       <a:srgbClr val="000000"/>
                     </a:solidFill>
@@ -12037,6 +12071,7 @@
           <a:p>
             <a:fld id="{62D6E202-B606-4609-B914-27C9371A1F6D}" type="datetime1">
               <a:rPr lang="en-US" smtClean="0"/>
+              <a:pPr/>
               <a:t>4/28/2022</a:t>
             </a:fld>
             <a:endParaRPr lang="en-US" dirty="0"/>
@@ -12115,6 +12150,7 @@
           <a:p>
             <a:fld id="{3A98EE3D-8CD1-4C3F-BD1C-C98C9596463C}" type="slidenum">
               <a:rPr lang="en-US" smtClean="0"/>
+              <a:pPr/>
               <a:t>‹#›</a:t>
             </a:fld>
             <a:endParaRPr lang="en-US" dirty="0"/>
@@ -12124,7 +12160,7 @@
     </p:spTree>
     <p:extLst>
       <p:ext uri="{BB962C8B-B14F-4D97-AF65-F5344CB8AC3E}">
-        <p14:creationId xmlns:p14="http://schemas.microsoft.com/office/powerpoint/2010/main" val="415851689"/>
+        <p14:creationId xmlns:p14="http://schemas.microsoft.com/office/powerpoint/2010/main" xmlns="" val="415851689"/>
       </p:ext>
     </p:extLst>
   </p:cSld>
@@ -12487,10 +12523,10 @@
           <p:cNvPr id="106" name="Group 105">
             <a:extLst>
               <a:ext uri="{FF2B5EF4-FFF2-40B4-BE49-F238E27FC236}">
-                <a16:creationId xmlns:a16="http://schemas.microsoft.com/office/drawing/2014/main" id="{AD579530-1077-46B3-BD5C-81BB270A1D5B}"/>
+                <a16:creationId xmlns:a16="http://schemas.microsoft.com/office/drawing/2014/main" xmlns="" id="{AD579530-1077-46B3-BD5C-81BB270A1D5B}"/>
               </a:ext>
               <a:ext uri="{C183D7F6-B498-43B3-948B-1728B52AA6E4}">
-                <adec:decorative xmlns:adec="http://schemas.microsoft.com/office/drawing/2017/decorative" val="1"/>
+                <adec:decorative xmlns:adec="http://schemas.microsoft.com/office/drawing/2017/decorative" xmlns="" val="1"/>
               </a:ext>
             </a:extLst>
           </p:cNvPr>
@@ -12500,7 +12536,7 @@
           <p:nvPr>
             <p:extLst>
               <p:ext uri="{386F3935-93C4-4BCD-93E2-E3B085C9AB24}">
-                <p16:designElem xmlns:p16="http://schemas.microsoft.com/office/powerpoint/2015/main" val="1"/>
+                <p16:designElem xmlns:p16="http://schemas.microsoft.com/office/powerpoint/2015/main" xmlns="" val="1"/>
               </p:ext>
             </p:extLst>
           </p:nvPr>
@@ -12518,10 +12554,10 @@
             <p:cNvPr id="107" name="Rectangle 106">
               <a:extLst>
                 <a:ext uri="{FF2B5EF4-FFF2-40B4-BE49-F238E27FC236}">
-                  <a16:creationId xmlns:a16="http://schemas.microsoft.com/office/drawing/2014/main" id="{ACBB106A-B366-4349-B59F-E8FBDADD82AC}"/>
+                  <a16:creationId xmlns:a16="http://schemas.microsoft.com/office/drawing/2014/main" xmlns="" id="{ACBB106A-B366-4349-B59F-E8FBDADD82AC}"/>
                 </a:ext>
                 <a:ext uri="{C183D7F6-B498-43B3-948B-1728B52AA6E4}">
-                  <adec:decorative xmlns:adec="http://schemas.microsoft.com/office/drawing/2017/decorative" val="1"/>
+                  <adec:decorative xmlns:adec="http://schemas.microsoft.com/office/drawing/2017/decorative" xmlns="" val="1"/>
                 </a:ext>
               </a:extLst>
             </p:cNvPr>
@@ -12529,7 +12565,7 @@
             <p:nvPr>
               <p:extLst>
                 <p:ext uri="{386F3935-93C4-4BCD-93E2-E3B085C9AB24}">
-                  <p16:designElem xmlns:p16="http://schemas.microsoft.com/office/powerpoint/2015/main" val="1"/>
+                  <p16:designElem xmlns:p16="http://schemas.microsoft.com/office/powerpoint/2015/main" xmlns="" val="1"/>
                 </p:ext>
               </p:extLst>
             </p:nvPr>
@@ -12576,10 +12612,10 @@
             <p:cNvPr id="108" name="Picture 2">
               <a:extLst>
                 <a:ext uri="{FF2B5EF4-FFF2-40B4-BE49-F238E27FC236}">
-                  <a16:creationId xmlns:a16="http://schemas.microsoft.com/office/drawing/2014/main" id="{113FC03B-24E4-4A3F-9626-CC7F6356BC9E}"/>
+                  <a16:creationId xmlns:a16="http://schemas.microsoft.com/office/drawing/2014/main" xmlns="" id="{113FC03B-24E4-4A3F-9626-CC7F6356BC9E}"/>
                 </a:ext>
                 <a:ext uri="{C183D7F6-B498-43B3-948B-1728B52AA6E4}">
-                  <adec:decorative xmlns:adec="http://schemas.microsoft.com/office/drawing/2017/decorative" val="1"/>
+                  <adec:decorative xmlns:adec="http://schemas.microsoft.com/office/drawing/2017/decorative" xmlns="" val="1"/>
                 </a:ext>
               </a:extLst>
             </p:cNvPr>
@@ -12589,7 +12625,7 @@
             <p:nvPr>
               <p:extLst>
                 <p:ext uri="{386F3935-93C4-4BCD-93E2-E3B085C9AB24}">
-                  <p16:designElem xmlns:p16="http://schemas.microsoft.com/office/powerpoint/2015/main" val="1"/>
+                  <p16:designElem xmlns:p16="http://schemas.microsoft.com/office/powerpoint/2015/main" xmlns="" val="1"/>
                 </p:ext>
               </p:extLst>
             </p:nvPr>
@@ -12606,7 +12642,7 @@
               </a:duotone>
               <a:extLst>
                 <a:ext uri="{28A0092B-C50C-407E-A947-70E740481C1C}">
-                  <a14:useLocalDpi xmlns:a14="http://schemas.microsoft.com/office/drawing/2010/main" val="0"/>
+                  <a14:useLocalDpi xmlns:a14="http://schemas.microsoft.com/office/drawing/2010/main" xmlns="" val="0"/>
                 </a:ext>
               </a:extLst>
             </a:blip>
@@ -12626,7 +12662,7 @@
             <a:noFill/>
             <a:extLst>
               <a:ext uri="{909E8E84-426E-40dd-AFC4-6F175D3DCCD1}">
-                <a14:hiddenFill xmlns="" xmlns:a16="http://schemas.microsoft.com/office/drawing/2014/main" xmlns:a14="http://schemas.microsoft.com/office/drawing/2010/main" xmlns:p14="http://schemas.microsoft.com/office/powerpoint/2010/main">
+                <a14:hiddenFill xmlns:p14="http://schemas.microsoft.com/office/powerpoint/2010/main" xmlns:a14="http://schemas.microsoft.com/office/drawing/2010/main" xmlns:a16="http://schemas.microsoft.com/office/drawing/2014/main" xmlns="">
                   <a:solidFill>
                     <a:srgbClr val="FFFFFF"/>
                   </a:solidFill>
@@ -12641,7 +12677,7 @@
           <p:cNvPr id="5" name="Kép 4">
             <a:extLst>
               <a:ext uri="{FF2B5EF4-FFF2-40B4-BE49-F238E27FC236}">
-                <a16:creationId xmlns:a16="http://schemas.microsoft.com/office/drawing/2014/main" id="{5E65391F-A7D7-4E4B-BE58-E950A407933A}"/>
+                <a16:creationId xmlns:a16="http://schemas.microsoft.com/office/drawing/2014/main" xmlns="" id="{5E65391F-A7D7-4E4B-BE58-E950A407933A}"/>
               </a:ext>
             </a:extLst>
           </p:cNvPr>
@@ -12682,10 +12718,10 @@
           <p:cNvPr id="110" name="Group 109">
             <a:extLst>
               <a:ext uri="{FF2B5EF4-FFF2-40B4-BE49-F238E27FC236}">
-                <a16:creationId xmlns:a16="http://schemas.microsoft.com/office/drawing/2014/main" id="{83F79A5F-63B5-4802-B39B-BF0F89DDDA15}"/>
+                <a16:creationId xmlns:a16="http://schemas.microsoft.com/office/drawing/2014/main" xmlns="" id="{83F79A5F-63B5-4802-B39B-BF0F89DDDA15}"/>
               </a:ext>
               <a:ext uri="{C183D7F6-B498-43B3-948B-1728B52AA6E4}">
-                <adec:decorative xmlns:adec="http://schemas.microsoft.com/office/drawing/2017/decorative" val="1"/>
+                <adec:decorative xmlns:adec="http://schemas.microsoft.com/office/drawing/2017/decorative" xmlns="" val="1"/>
               </a:ext>
             </a:extLst>
           </p:cNvPr>
@@ -12695,7 +12731,7 @@
           <p:nvPr>
             <p:extLst>
               <p:ext uri="{386F3935-93C4-4BCD-93E2-E3B085C9AB24}">
-                <p16:designElem xmlns:p16="http://schemas.microsoft.com/office/powerpoint/2015/main" val="1"/>
+                <p16:designElem xmlns:p16="http://schemas.microsoft.com/office/powerpoint/2015/main" xmlns="" val="1"/>
               </p:ext>
             </p:extLst>
           </p:nvPr>
@@ -12713,10 +12749,10 @@
             <p:cNvPr id="185" name="Round Diagonal Corner Rectangle 7">
               <a:extLst>
                 <a:ext uri="{FF2B5EF4-FFF2-40B4-BE49-F238E27FC236}">
-                  <a16:creationId xmlns:a16="http://schemas.microsoft.com/office/drawing/2014/main" id="{00D14BF7-A799-4EDA-8C19-CED0B8EC523E}"/>
+                  <a16:creationId xmlns:a16="http://schemas.microsoft.com/office/drawing/2014/main" xmlns="" id="{00D14BF7-A799-4EDA-8C19-CED0B8EC523E}"/>
                 </a:ext>
                 <a:ext uri="{C183D7F6-B498-43B3-948B-1728B52AA6E4}">
-                  <adec:decorative xmlns:adec="http://schemas.microsoft.com/office/drawing/2017/decorative" val="1"/>
+                  <adec:decorative xmlns:adec="http://schemas.microsoft.com/office/drawing/2017/decorative" xmlns="" val="1"/>
                 </a:ext>
               </a:extLst>
             </p:cNvPr>
@@ -12724,7 +12760,7 @@
             <p:nvPr>
               <p:extLst>
                 <p:ext uri="{386F3935-93C4-4BCD-93E2-E3B085C9AB24}">
-                  <p16:designElem xmlns:p16="http://schemas.microsoft.com/office/powerpoint/2015/main" val="1"/>
+                  <p16:designElem xmlns:p16="http://schemas.microsoft.com/office/powerpoint/2015/main" xmlns="" val="1"/>
                 </p:ext>
               </p:extLst>
             </p:nvPr>
@@ -12789,10 +12825,10 @@
             <p:cNvPr id="112" name="Group 111">
               <a:extLst>
                 <a:ext uri="{FF2B5EF4-FFF2-40B4-BE49-F238E27FC236}">
-                  <a16:creationId xmlns:a16="http://schemas.microsoft.com/office/drawing/2014/main" id="{AF292344-73C8-4E53-85C0-8CDB23EB53B9}"/>
+                  <a16:creationId xmlns:a16="http://schemas.microsoft.com/office/drawing/2014/main" xmlns="" id="{AF292344-73C8-4E53-85C0-8CDB23EB53B9}"/>
                 </a:ext>
                 <a:ext uri="{C183D7F6-B498-43B3-948B-1728B52AA6E4}">
-                  <adec:decorative xmlns:adec="http://schemas.microsoft.com/office/drawing/2017/decorative" val="1"/>
+                  <adec:decorative xmlns:adec="http://schemas.microsoft.com/office/drawing/2017/decorative" xmlns="" val="1"/>
                 </a:ext>
               </a:extLst>
             </p:cNvPr>
@@ -12800,7 +12836,7 @@
             <p:nvPr>
               <p:extLst>
                 <p:ext uri="{386F3935-93C4-4BCD-93E2-E3B085C9AB24}">
-                  <p16:designElem xmlns:p16="http://schemas.microsoft.com/office/powerpoint/2015/main" val="1"/>
+                  <p16:designElem xmlns:p16="http://schemas.microsoft.com/office/powerpoint/2015/main" xmlns="" val="1"/>
                 </p:ext>
               </p:extLst>
             </p:nvPr>
@@ -12818,10 +12854,10 @@
               <p:cNvPr id="113" name="Freeform 32">
                 <a:extLst>
                   <a:ext uri="{FF2B5EF4-FFF2-40B4-BE49-F238E27FC236}">
-                    <a16:creationId xmlns:a16="http://schemas.microsoft.com/office/drawing/2014/main" id="{4781E776-A0A7-4FB6-958B-8389BBA5697D}"/>
+                    <a16:creationId xmlns:a16="http://schemas.microsoft.com/office/drawing/2014/main" xmlns="" id="{4781E776-A0A7-4FB6-958B-8389BBA5697D}"/>
                   </a:ext>
                   <a:ext uri="{C183D7F6-B498-43B3-948B-1728B52AA6E4}">
-                    <adec:decorative xmlns:adec="http://schemas.microsoft.com/office/drawing/2017/decorative" val="1"/>
+                    <adec:decorative xmlns:adec="http://schemas.microsoft.com/office/drawing/2017/decorative" xmlns="" val="1"/>
                   </a:ext>
                 </a:extLst>
               </p:cNvPr>
@@ -12829,7 +12865,7 @@
               <p:nvPr>
                 <p:extLst>
                   <p:ext uri="{386F3935-93C4-4BCD-93E2-E3B085C9AB24}">
-                    <p16:designElem xmlns:p16="http://schemas.microsoft.com/office/powerpoint/2015/main" val="1"/>
+                    <p16:designElem xmlns:p16="http://schemas.microsoft.com/office/powerpoint/2015/main" xmlns="" val="1"/>
                   </p:ext>
                 </p:extLst>
               </p:nvPr>
@@ -12897,10 +12933,10 @@
               <p:cNvPr id="114" name="Freeform 33">
                 <a:extLst>
                   <a:ext uri="{FF2B5EF4-FFF2-40B4-BE49-F238E27FC236}">
-                    <a16:creationId xmlns:a16="http://schemas.microsoft.com/office/drawing/2014/main" id="{0F004D56-F177-45BC-8965-B72DB88A0859}"/>
+                    <a16:creationId xmlns:a16="http://schemas.microsoft.com/office/drawing/2014/main" xmlns="" id="{0F004D56-F177-45BC-8965-B72DB88A0859}"/>
                   </a:ext>
                   <a:ext uri="{C183D7F6-B498-43B3-948B-1728B52AA6E4}">
-                    <adec:decorative xmlns:adec="http://schemas.microsoft.com/office/drawing/2017/decorative" val="1"/>
+                    <adec:decorative xmlns:adec="http://schemas.microsoft.com/office/drawing/2017/decorative" xmlns="" val="1"/>
                   </a:ext>
                 </a:extLst>
               </p:cNvPr>
@@ -12910,7 +12946,7 @@
               <p:nvPr>
                 <p:extLst>
                   <p:ext uri="{386F3935-93C4-4BCD-93E2-E3B085C9AB24}">
-                    <p16:designElem xmlns:p16="http://schemas.microsoft.com/office/powerpoint/2015/main" val="1"/>
+                    <p16:designElem xmlns:p16="http://schemas.microsoft.com/office/powerpoint/2015/main" xmlns="" val="1"/>
                   </p:ext>
                 </p:extLst>
               </p:nvPr>
@@ -13026,10 +13062,10 @@
               <p:cNvPr id="115" name="Freeform 34">
                 <a:extLst>
                   <a:ext uri="{FF2B5EF4-FFF2-40B4-BE49-F238E27FC236}">
-                    <a16:creationId xmlns:a16="http://schemas.microsoft.com/office/drawing/2014/main" id="{5F2F1F83-817B-4678-B0AE-8FFDC49FC825}"/>
+                    <a16:creationId xmlns:a16="http://schemas.microsoft.com/office/drawing/2014/main" xmlns="" id="{5F2F1F83-817B-4678-B0AE-8FFDC49FC825}"/>
                   </a:ext>
                   <a:ext uri="{C183D7F6-B498-43B3-948B-1728B52AA6E4}">
-                    <adec:decorative xmlns:adec="http://schemas.microsoft.com/office/drawing/2017/decorative" val="1"/>
+                    <adec:decorative xmlns:adec="http://schemas.microsoft.com/office/drawing/2017/decorative" xmlns="" val="1"/>
                   </a:ext>
                 </a:extLst>
               </p:cNvPr>
@@ -13039,7 +13075,7 @@
               <p:nvPr>
                 <p:extLst>
                   <p:ext uri="{386F3935-93C4-4BCD-93E2-E3B085C9AB24}">
-                    <p16:designElem xmlns:p16="http://schemas.microsoft.com/office/powerpoint/2015/main" val="1"/>
+                    <p16:designElem xmlns:p16="http://schemas.microsoft.com/office/powerpoint/2015/main" xmlns="" val="1"/>
                   </p:ext>
                 </p:extLst>
               </p:nvPr>
@@ -13130,10 +13166,10 @@
               <p:cNvPr id="116" name="Freeform 37">
                 <a:extLst>
                   <a:ext uri="{FF2B5EF4-FFF2-40B4-BE49-F238E27FC236}">
-                    <a16:creationId xmlns:a16="http://schemas.microsoft.com/office/drawing/2014/main" id="{F908EB47-32F4-4E82-BF56-FD25BB074747}"/>
+                    <a16:creationId xmlns:a16="http://schemas.microsoft.com/office/drawing/2014/main" xmlns="" id="{F908EB47-32F4-4E82-BF56-FD25BB074747}"/>
                   </a:ext>
                   <a:ext uri="{C183D7F6-B498-43B3-948B-1728B52AA6E4}">
-                    <adec:decorative xmlns:adec="http://schemas.microsoft.com/office/drawing/2017/decorative" val="1"/>
+                    <adec:decorative xmlns:adec="http://schemas.microsoft.com/office/drawing/2017/decorative" xmlns="" val="1"/>
                   </a:ext>
                 </a:extLst>
               </p:cNvPr>
@@ -13141,7 +13177,7 @@
               <p:nvPr>
                 <p:extLst>
                   <p:ext uri="{386F3935-93C4-4BCD-93E2-E3B085C9AB24}">
-                    <p16:designElem xmlns:p16="http://schemas.microsoft.com/office/powerpoint/2015/main" val="1"/>
+                    <p16:designElem xmlns:p16="http://schemas.microsoft.com/office/powerpoint/2015/main" xmlns="" val="1"/>
                   </p:ext>
                 </p:extLst>
               </p:nvPr>
@@ -13212,10 +13248,10 @@
               <p:cNvPr id="117" name="Freeform 35">
                 <a:extLst>
                   <a:ext uri="{FF2B5EF4-FFF2-40B4-BE49-F238E27FC236}">
-                    <a16:creationId xmlns:a16="http://schemas.microsoft.com/office/drawing/2014/main" id="{0966000D-B975-4E8A-9BF2-EACF2164050E}"/>
+                    <a16:creationId xmlns:a16="http://schemas.microsoft.com/office/drawing/2014/main" xmlns="" id="{0966000D-B975-4E8A-9BF2-EACF2164050E}"/>
                   </a:ext>
                   <a:ext uri="{C183D7F6-B498-43B3-948B-1728B52AA6E4}">
-                    <adec:decorative xmlns:adec="http://schemas.microsoft.com/office/drawing/2017/decorative" val="1"/>
+                    <adec:decorative xmlns:adec="http://schemas.microsoft.com/office/drawing/2017/decorative" xmlns="" val="1"/>
                   </a:ext>
                 </a:extLst>
               </p:cNvPr>
@@ -13223,7 +13259,7 @@
               <p:nvPr>
                 <p:extLst>
                   <p:ext uri="{386F3935-93C4-4BCD-93E2-E3B085C9AB24}">
-                    <p16:designElem xmlns:p16="http://schemas.microsoft.com/office/powerpoint/2015/main" val="1"/>
+                    <p16:designElem xmlns:p16="http://schemas.microsoft.com/office/powerpoint/2015/main" xmlns="" val="1"/>
                   </p:ext>
                 </p:extLst>
               </p:nvPr>
@@ -13291,10 +13327,10 @@
               <p:cNvPr id="118" name="Freeform 36">
                 <a:extLst>
                   <a:ext uri="{FF2B5EF4-FFF2-40B4-BE49-F238E27FC236}">
-                    <a16:creationId xmlns:a16="http://schemas.microsoft.com/office/drawing/2014/main" id="{A9554499-6796-4AEE-B012-34A5B9A585A6}"/>
+                    <a16:creationId xmlns:a16="http://schemas.microsoft.com/office/drawing/2014/main" xmlns="" id="{A9554499-6796-4AEE-B012-34A5B9A585A6}"/>
                   </a:ext>
                   <a:ext uri="{C183D7F6-B498-43B3-948B-1728B52AA6E4}">
-                    <adec:decorative xmlns:adec="http://schemas.microsoft.com/office/drawing/2017/decorative" val="1"/>
+                    <adec:decorative xmlns:adec="http://schemas.microsoft.com/office/drawing/2017/decorative" xmlns="" val="1"/>
                   </a:ext>
                 </a:extLst>
               </p:cNvPr>
@@ -13304,7 +13340,7 @@
               <p:nvPr>
                 <p:extLst>
                   <p:ext uri="{386F3935-93C4-4BCD-93E2-E3B085C9AB24}">
-                    <p16:designElem xmlns:p16="http://schemas.microsoft.com/office/powerpoint/2015/main" val="1"/>
+                    <p16:designElem xmlns:p16="http://schemas.microsoft.com/office/powerpoint/2015/main" xmlns="" val="1"/>
                   </p:ext>
                 </p:extLst>
               </p:nvPr>
@@ -13395,10 +13431,10 @@
               <p:cNvPr id="119" name="Freeform 38">
                 <a:extLst>
                   <a:ext uri="{FF2B5EF4-FFF2-40B4-BE49-F238E27FC236}">
-                    <a16:creationId xmlns:a16="http://schemas.microsoft.com/office/drawing/2014/main" id="{9DD40864-34BD-491F-B591-180E7B32C121}"/>
+                    <a16:creationId xmlns:a16="http://schemas.microsoft.com/office/drawing/2014/main" xmlns="" id="{9DD40864-34BD-491F-B591-180E7B32C121}"/>
                   </a:ext>
                   <a:ext uri="{C183D7F6-B498-43B3-948B-1728B52AA6E4}">
-                    <adec:decorative xmlns:adec="http://schemas.microsoft.com/office/drawing/2017/decorative" val="1"/>
+                    <adec:decorative xmlns:adec="http://schemas.microsoft.com/office/drawing/2017/decorative" xmlns="" val="1"/>
                   </a:ext>
                 </a:extLst>
               </p:cNvPr>
@@ -13408,7 +13444,7 @@
               <p:nvPr>
                 <p:extLst>
                   <p:ext uri="{386F3935-93C4-4BCD-93E2-E3B085C9AB24}">
-                    <p16:designElem xmlns:p16="http://schemas.microsoft.com/office/powerpoint/2015/main" val="1"/>
+                    <p16:designElem xmlns:p16="http://schemas.microsoft.com/office/powerpoint/2015/main" xmlns="" val="1"/>
                   </p:ext>
                 </p:extLst>
               </p:nvPr>
@@ -13499,10 +13535,10 @@
               <p:cNvPr id="120" name="Freeform 39">
                 <a:extLst>
                   <a:ext uri="{FF2B5EF4-FFF2-40B4-BE49-F238E27FC236}">
-                    <a16:creationId xmlns:a16="http://schemas.microsoft.com/office/drawing/2014/main" id="{2623F54C-4373-4D30-90DB-3129BDDF54AC}"/>
+                    <a16:creationId xmlns:a16="http://schemas.microsoft.com/office/drawing/2014/main" xmlns="" id="{2623F54C-4373-4D30-90DB-3129BDDF54AC}"/>
                   </a:ext>
                   <a:ext uri="{C183D7F6-B498-43B3-948B-1728B52AA6E4}">
-                    <adec:decorative xmlns:adec="http://schemas.microsoft.com/office/drawing/2017/decorative" val="1"/>
+                    <adec:decorative xmlns:adec="http://schemas.microsoft.com/office/drawing/2017/decorative" xmlns="" val="1"/>
                   </a:ext>
                 </a:extLst>
               </p:cNvPr>
@@ -13510,7 +13546,7 @@
               <p:nvPr>
                 <p:extLst>
                   <p:ext uri="{386F3935-93C4-4BCD-93E2-E3B085C9AB24}">
-                    <p16:designElem xmlns:p16="http://schemas.microsoft.com/office/powerpoint/2015/main" val="1"/>
+                    <p16:designElem xmlns:p16="http://schemas.microsoft.com/office/powerpoint/2015/main" xmlns="" val="1"/>
                   </p:ext>
                 </p:extLst>
               </p:nvPr>
@@ -13581,10 +13617,10 @@
               <p:cNvPr id="121" name="Freeform 40">
                 <a:extLst>
                   <a:ext uri="{FF2B5EF4-FFF2-40B4-BE49-F238E27FC236}">
-                    <a16:creationId xmlns:a16="http://schemas.microsoft.com/office/drawing/2014/main" id="{1FF42884-D4B2-462F-9FA7-4FA892532245}"/>
+                    <a16:creationId xmlns:a16="http://schemas.microsoft.com/office/drawing/2014/main" xmlns="" id="{1FF42884-D4B2-462F-9FA7-4FA892532245}"/>
                   </a:ext>
                   <a:ext uri="{C183D7F6-B498-43B3-948B-1728B52AA6E4}">
-                    <adec:decorative xmlns:adec="http://schemas.microsoft.com/office/drawing/2017/decorative" val="1"/>
+                    <adec:decorative xmlns:adec="http://schemas.microsoft.com/office/drawing/2017/decorative" xmlns="" val="1"/>
                   </a:ext>
                 </a:extLst>
               </p:cNvPr>
@@ -13594,7 +13630,7 @@
               <p:nvPr>
                 <p:extLst>
                   <p:ext uri="{386F3935-93C4-4BCD-93E2-E3B085C9AB24}">
-                    <p16:designElem xmlns:p16="http://schemas.microsoft.com/office/powerpoint/2015/main" val="1"/>
+                    <p16:designElem xmlns:p16="http://schemas.microsoft.com/office/powerpoint/2015/main" xmlns="" val="1"/>
                   </p:ext>
                 </p:extLst>
               </p:nvPr>
@@ -13685,10 +13721,10 @@
               <p:cNvPr id="122" name="Rectangle 41">
                 <a:extLst>
                   <a:ext uri="{FF2B5EF4-FFF2-40B4-BE49-F238E27FC236}">
-                    <a16:creationId xmlns:a16="http://schemas.microsoft.com/office/drawing/2014/main" id="{27F4D4BA-37F5-4D54-BDFF-733F621D5DB0}"/>
+                    <a16:creationId xmlns:a16="http://schemas.microsoft.com/office/drawing/2014/main" xmlns="" id="{27F4D4BA-37F5-4D54-BDFF-733F621D5DB0}"/>
                   </a:ext>
                   <a:ext uri="{C183D7F6-B498-43B3-948B-1728B52AA6E4}">
-                    <adec:decorative xmlns:adec="http://schemas.microsoft.com/office/drawing/2017/decorative" val="1"/>
+                    <adec:decorative xmlns:adec="http://schemas.microsoft.com/office/drawing/2017/decorative" xmlns="" val="1"/>
                   </a:ext>
                 </a:extLst>
               </p:cNvPr>
@@ -13698,7 +13734,7 @@
               <p:nvPr>
                 <p:extLst>
                   <p:ext uri="{386F3935-93C4-4BCD-93E2-E3B085C9AB24}">
-                    <p16:designElem xmlns:p16="http://schemas.microsoft.com/office/powerpoint/2015/main" val="1"/>
+                    <p16:designElem xmlns:p16="http://schemas.microsoft.com/office/powerpoint/2015/main" xmlns="" val="1"/>
                   </p:ext>
                 </p:extLst>
               </p:nvPr>
@@ -13733,10 +13769,10 @@
               <p:cNvPr id="123" name="Freeform 32">
                 <a:extLst>
                   <a:ext uri="{FF2B5EF4-FFF2-40B4-BE49-F238E27FC236}">
-                    <a16:creationId xmlns:a16="http://schemas.microsoft.com/office/drawing/2014/main" id="{29E4A0E5-0441-4563-A947-12A5781105E7}"/>
+                    <a16:creationId xmlns:a16="http://schemas.microsoft.com/office/drawing/2014/main" xmlns="" id="{29E4A0E5-0441-4563-A947-12A5781105E7}"/>
                   </a:ext>
                   <a:ext uri="{C183D7F6-B498-43B3-948B-1728B52AA6E4}">
-                    <adec:decorative xmlns:adec="http://schemas.microsoft.com/office/drawing/2017/decorative" val="1"/>
+                    <adec:decorative xmlns:adec="http://schemas.microsoft.com/office/drawing/2017/decorative" xmlns="" val="1"/>
                   </a:ext>
                 </a:extLst>
               </p:cNvPr>
@@ -13744,7 +13780,7 @@
               <p:nvPr>
                 <p:extLst>
                   <p:ext uri="{386F3935-93C4-4BCD-93E2-E3B085C9AB24}">
-                    <p16:designElem xmlns:p16="http://schemas.microsoft.com/office/powerpoint/2015/main" val="1"/>
+                    <p16:designElem xmlns:p16="http://schemas.microsoft.com/office/powerpoint/2015/main" xmlns="" val="1"/>
                   </p:ext>
                 </p:extLst>
               </p:nvPr>
@@ -13812,10 +13848,10 @@
               <p:cNvPr id="124" name="Freeform 33">
                 <a:extLst>
                   <a:ext uri="{FF2B5EF4-FFF2-40B4-BE49-F238E27FC236}">
-                    <a16:creationId xmlns:a16="http://schemas.microsoft.com/office/drawing/2014/main" id="{4A8D89B4-AD1B-410A-870B-1042E075A04E}"/>
+                    <a16:creationId xmlns:a16="http://schemas.microsoft.com/office/drawing/2014/main" xmlns="" id="{4A8D89B4-AD1B-410A-870B-1042E075A04E}"/>
                   </a:ext>
                   <a:ext uri="{C183D7F6-B498-43B3-948B-1728B52AA6E4}">
-                    <adec:decorative xmlns:adec="http://schemas.microsoft.com/office/drawing/2017/decorative" val="1"/>
+                    <adec:decorative xmlns:adec="http://schemas.microsoft.com/office/drawing/2017/decorative" xmlns="" val="1"/>
                   </a:ext>
                 </a:extLst>
               </p:cNvPr>
@@ -13825,7 +13861,7 @@
               <p:nvPr>
                 <p:extLst>
                   <p:ext uri="{386F3935-93C4-4BCD-93E2-E3B085C9AB24}">
-                    <p16:designElem xmlns:p16="http://schemas.microsoft.com/office/powerpoint/2015/main" val="1"/>
+                    <p16:designElem xmlns:p16="http://schemas.microsoft.com/office/powerpoint/2015/main" xmlns="" val="1"/>
                   </p:ext>
                 </p:extLst>
               </p:nvPr>
@@ -13941,10 +13977,10 @@
               <p:cNvPr id="125" name="Freeform 34">
                 <a:extLst>
                   <a:ext uri="{FF2B5EF4-FFF2-40B4-BE49-F238E27FC236}">
-                    <a16:creationId xmlns:a16="http://schemas.microsoft.com/office/drawing/2014/main" id="{DFC54570-9F45-44E6-AC94-4B3192D44B28}"/>
+                    <a16:creationId xmlns:a16="http://schemas.microsoft.com/office/drawing/2014/main" xmlns="" id="{DFC54570-9F45-44E6-AC94-4B3192D44B28}"/>
                   </a:ext>
                   <a:ext uri="{C183D7F6-B498-43B3-948B-1728B52AA6E4}">
-                    <adec:decorative xmlns:adec="http://schemas.microsoft.com/office/drawing/2017/decorative" val="1"/>
+                    <adec:decorative xmlns:adec="http://schemas.microsoft.com/office/drawing/2017/decorative" xmlns="" val="1"/>
                   </a:ext>
                 </a:extLst>
               </p:cNvPr>
@@ -13954,7 +13990,7 @@
               <p:nvPr>
                 <p:extLst>
                   <p:ext uri="{386F3935-93C4-4BCD-93E2-E3B085C9AB24}">
-                    <p16:designElem xmlns:p16="http://schemas.microsoft.com/office/powerpoint/2015/main" val="1"/>
+                    <p16:designElem xmlns:p16="http://schemas.microsoft.com/office/powerpoint/2015/main" xmlns="" val="1"/>
                   </p:ext>
                 </p:extLst>
               </p:nvPr>
@@ -14045,10 +14081,10 @@
               <p:cNvPr id="126" name="Freeform 37">
                 <a:extLst>
                   <a:ext uri="{FF2B5EF4-FFF2-40B4-BE49-F238E27FC236}">
-                    <a16:creationId xmlns:a16="http://schemas.microsoft.com/office/drawing/2014/main" id="{A976F76C-4BBB-4CD4-9270-5E4E8802BF70}"/>
+                    <a16:creationId xmlns:a16="http://schemas.microsoft.com/office/drawing/2014/main" xmlns="" id="{A976F76C-4BBB-4CD4-9270-5E4E8802BF70}"/>
                   </a:ext>
                   <a:ext uri="{C183D7F6-B498-43B3-948B-1728B52AA6E4}">
-                    <adec:decorative xmlns:adec="http://schemas.microsoft.com/office/drawing/2017/decorative" val="1"/>
+                    <adec:decorative xmlns:adec="http://schemas.microsoft.com/office/drawing/2017/decorative" xmlns="" val="1"/>
                   </a:ext>
                 </a:extLst>
               </p:cNvPr>
@@ -14056,7 +14092,7 @@
               <p:nvPr>
                 <p:extLst>
                   <p:ext uri="{386F3935-93C4-4BCD-93E2-E3B085C9AB24}">
-                    <p16:designElem xmlns:p16="http://schemas.microsoft.com/office/powerpoint/2015/main" val="1"/>
+                    <p16:designElem xmlns:p16="http://schemas.microsoft.com/office/powerpoint/2015/main" xmlns="" val="1"/>
                   </p:ext>
                 </p:extLst>
               </p:nvPr>
@@ -14127,10 +14163,10 @@
               <p:cNvPr id="127" name="Freeform 35">
                 <a:extLst>
                   <a:ext uri="{FF2B5EF4-FFF2-40B4-BE49-F238E27FC236}">
-                    <a16:creationId xmlns:a16="http://schemas.microsoft.com/office/drawing/2014/main" id="{06081E5F-35E2-4E9E-A0DA-9E2F769C4CE3}"/>
+                    <a16:creationId xmlns:a16="http://schemas.microsoft.com/office/drawing/2014/main" xmlns="" id="{06081E5F-35E2-4E9E-A0DA-9E2F769C4CE3}"/>
                   </a:ext>
                   <a:ext uri="{C183D7F6-B498-43B3-948B-1728B52AA6E4}">
-                    <adec:decorative xmlns:adec="http://schemas.microsoft.com/office/drawing/2017/decorative" val="1"/>
+                    <adec:decorative xmlns:adec="http://schemas.microsoft.com/office/drawing/2017/decorative" xmlns="" val="1"/>
                   </a:ext>
                 </a:extLst>
               </p:cNvPr>
@@ -14138,7 +14174,7 @@
               <p:nvPr>
                 <p:extLst>
                   <p:ext uri="{386F3935-93C4-4BCD-93E2-E3B085C9AB24}">
-                    <p16:designElem xmlns:p16="http://schemas.microsoft.com/office/powerpoint/2015/main" val="1"/>
+                    <p16:designElem xmlns:p16="http://schemas.microsoft.com/office/powerpoint/2015/main" xmlns="" val="1"/>
                   </p:ext>
                 </p:extLst>
               </p:nvPr>
@@ -14206,10 +14242,10 @@
               <p:cNvPr id="128" name="Freeform 36">
                 <a:extLst>
                   <a:ext uri="{FF2B5EF4-FFF2-40B4-BE49-F238E27FC236}">
-                    <a16:creationId xmlns:a16="http://schemas.microsoft.com/office/drawing/2014/main" id="{7B7B4F78-1391-433D-AAE5-0FA8B8EE1817}"/>
+                    <a16:creationId xmlns:a16="http://schemas.microsoft.com/office/drawing/2014/main" xmlns="" id="{7B7B4F78-1391-433D-AAE5-0FA8B8EE1817}"/>
                   </a:ext>
                   <a:ext uri="{C183D7F6-B498-43B3-948B-1728B52AA6E4}">
-                    <adec:decorative xmlns:adec="http://schemas.microsoft.com/office/drawing/2017/decorative" val="1"/>
+                    <adec:decorative xmlns:adec="http://schemas.microsoft.com/office/drawing/2017/decorative" xmlns="" val="1"/>
                   </a:ext>
                 </a:extLst>
               </p:cNvPr>
@@ -14219,7 +14255,7 @@
               <p:nvPr>
                 <p:extLst>
                   <p:ext uri="{386F3935-93C4-4BCD-93E2-E3B085C9AB24}">
-                    <p16:designElem xmlns:p16="http://schemas.microsoft.com/office/powerpoint/2015/main" val="1"/>
+                    <p16:designElem xmlns:p16="http://schemas.microsoft.com/office/powerpoint/2015/main" xmlns="" val="1"/>
                   </p:ext>
                 </p:extLst>
               </p:nvPr>
@@ -14310,10 +14346,10 @@
               <p:cNvPr id="129" name="Freeform 38">
                 <a:extLst>
                   <a:ext uri="{FF2B5EF4-FFF2-40B4-BE49-F238E27FC236}">
-                    <a16:creationId xmlns:a16="http://schemas.microsoft.com/office/drawing/2014/main" id="{EF63F42B-29ED-4285-99D1-5FA657DA929D}"/>
+                    <a16:creationId xmlns:a16="http://schemas.microsoft.com/office/drawing/2014/main" xmlns="" id="{EF63F42B-29ED-4285-99D1-5FA657DA929D}"/>
                   </a:ext>
                   <a:ext uri="{C183D7F6-B498-43B3-948B-1728B52AA6E4}">
-                    <adec:decorative xmlns:adec="http://schemas.microsoft.com/office/drawing/2017/decorative" val="1"/>
+                    <adec:decorative xmlns:adec="http://schemas.microsoft.com/office/drawing/2017/decorative" xmlns="" val="1"/>
                   </a:ext>
                 </a:extLst>
               </p:cNvPr>
@@ -14323,7 +14359,7 @@
               <p:nvPr>
                 <p:extLst>
                   <p:ext uri="{386F3935-93C4-4BCD-93E2-E3B085C9AB24}">
-                    <p16:designElem xmlns:p16="http://schemas.microsoft.com/office/powerpoint/2015/main" val="1"/>
+                    <p16:designElem xmlns:p16="http://schemas.microsoft.com/office/powerpoint/2015/main" xmlns="" val="1"/>
                   </p:ext>
                 </p:extLst>
               </p:nvPr>
@@ -14414,10 +14450,10 @@
               <p:cNvPr id="130" name="Freeform 39">
                 <a:extLst>
                   <a:ext uri="{FF2B5EF4-FFF2-40B4-BE49-F238E27FC236}">
-                    <a16:creationId xmlns:a16="http://schemas.microsoft.com/office/drawing/2014/main" id="{EB7A6053-A7CF-4785-B396-6F70D6EBE9BA}"/>
+                    <a16:creationId xmlns:a16="http://schemas.microsoft.com/office/drawing/2014/main" xmlns="" id="{EB7A6053-A7CF-4785-B396-6F70D6EBE9BA}"/>
                   </a:ext>
                   <a:ext uri="{C183D7F6-B498-43B3-948B-1728B52AA6E4}">
-                    <adec:decorative xmlns:adec="http://schemas.microsoft.com/office/drawing/2017/decorative" val="1"/>
+                    <adec:decorative xmlns:adec="http://schemas.microsoft.com/office/drawing/2017/decorative" xmlns="" val="1"/>
                   </a:ext>
                 </a:extLst>
               </p:cNvPr>
@@ -14425,7 +14461,7 @@
               <p:nvPr>
                 <p:extLst>
                   <p:ext uri="{386F3935-93C4-4BCD-93E2-E3B085C9AB24}">
-                    <p16:designElem xmlns:p16="http://schemas.microsoft.com/office/powerpoint/2015/main" val="1"/>
+                    <p16:designElem xmlns:p16="http://schemas.microsoft.com/office/powerpoint/2015/main" xmlns="" val="1"/>
                   </p:ext>
                 </p:extLst>
               </p:nvPr>
@@ -14496,10 +14532,10 @@
               <p:cNvPr id="131" name="Freeform 40">
                 <a:extLst>
                   <a:ext uri="{FF2B5EF4-FFF2-40B4-BE49-F238E27FC236}">
-                    <a16:creationId xmlns:a16="http://schemas.microsoft.com/office/drawing/2014/main" id="{E6337518-A10D-47A5-BD86-6D1F3FAF3C99}"/>
+                    <a16:creationId xmlns:a16="http://schemas.microsoft.com/office/drawing/2014/main" xmlns="" id="{E6337518-A10D-47A5-BD86-6D1F3FAF3C99}"/>
                   </a:ext>
                   <a:ext uri="{C183D7F6-B498-43B3-948B-1728B52AA6E4}">
-                    <adec:decorative xmlns:adec="http://schemas.microsoft.com/office/drawing/2017/decorative" val="1"/>
+                    <adec:decorative xmlns:adec="http://schemas.microsoft.com/office/drawing/2017/decorative" xmlns="" val="1"/>
                   </a:ext>
                 </a:extLst>
               </p:cNvPr>
@@ -14509,7 +14545,7 @@
               <p:nvPr>
                 <p:extLst>
                   <p:ext uri="{386F3935-93C4-4BCD-93E2-E3B085C9AB24}">
-                    <p16:designElem xmlns:p16="http://schemas.microsoft.com/office/powerpoint/2015/main" val="1"/>
+                    <p16:designElem xmlns:p16="http://schemas.microsoft.com/office/powerpoint/2015/main" xmlns="" val="1"/>
                   </p:ext>
                 </p:extLst>
               </p:nvPr>
@@ -14600,10 +14636,10 @@
               <p:cNvPr id="132" name="Rectangle 41">
                 <a:extLst>
                   <a:ext uri="{FF2B5EF4-FFF2-40B4-BE49-F238E27FC236}">
-                    <a16:creationId xmlns:a16="http://schemas.microsoft.com/office/drawing/2014/main" id="{7591C37F-6498-4992-992D-D413A84752D3}"/>
+                    <a16:creationId xmlns:a16="http://schemas.microsoft.com/office/drawing/2014/main" xmlns="" id="{7591C37F-6498-4992-992D-D413A84752D3}"/>
                   </a:ext>
                   <a:ext uri="{C183D7F6-B498-43B3-948B-1728B52AA6E4}">
-                    <adec:decorative xmlns:adec="http://schemas.microsoft.com/office/drawing/2017/decorative" val="1"/>
+                    <adec:decorative xmlns:adec="http://schemas.microsoft.com/office/drawing/2017/decorative" xmlns="" val="1"/>
                   </a:ext>
                 </a:extLst>
               </p:cNvPr>
@@ -14613,7 +14649,7 @@
               <p:nvPr>
                 <p:extLst>
                   <p:ext uri="{386F3935-93C4-4BCD-93E2-E3B085C9AB24}">
-                    <p16:designElem xmlns:p16="http://schemas.microsoft.com/office/powerpoint/2015/main" val="1"/>
+                    <p16:designElem xmlns:p16="http://schemas.microsoft.com/office/powerpoint/2015/main" xmlns="" val="1"/>
                   </p:ext>
                 </p:extLst>
               </p:nvPr>
@@ -14650,7 +14686,7 @@
           <p:cNvPr id="2" name="Cím 1">
             <a:extLst>
               <a:ext uri="{FF2B5EF4-FFF2-40B4-BE49-F238E27FC236}">
-                <a16:creationId xmlns:a16="http://schemas.microsoft.com/office/drawing/2014/main" id="{E29C8839-1EFD-4008-BF41-97AFD6BC0FA4}"/>
+                <a16:creationId xmlns:a16="http://schemas.microsoft.com/office/drawing/2014/main" xmlns="" id="{E29C8839-1EFD-4008-BF41-97AFD6BC0FA4}"/>
               </a:ext>
             </a:extLst>
           </p:cNvPr>
@@ -14747,7 +14783,7 @@
           <p:cNvPr id="3" name="Alcím 2">
             <a:extLst>
               <a:ext uri="{FF2B5EF4-FFF2-40B4-BE49-F238E27FC236}">
-                <a16:creationId xmlns:a16="http://schemas.microsoft.com/office/drawing/2014/main" id="{3476A699-6825-40E7-821B-2B56CDDC994F}"/>
+                <a16:creationId xmlns:a16="http://schemas.microsoft.com/office/drawing/2014/main" xmlns="" id="{3476A699-6825-40E7-821B-2B56CDDC994F}"/>
               </a:ext>
             </a:extLst>
           </p:cNvPr>
@@ -14852,7 +14888,7 @@
     </p:spTree>
     <p:extLst>
       <p:ext uri="{BB962C8B-B14F-4D97-AF65-F5344CB8AC3E}">
-        <p14:creationId xmlns:p14="http://schemas.microsoft.com/office/powerpoint/2010/main" val="4202142551"/>
+        <p14:creationId xmlns:p14="http://schemas.microsoft.com/office/powerpoint/2010/main" xmlns="" val="4202142551"/>
       </p:ext>
     </p:extLst>
   </p:cSld>
@@ -14860,7 +14896,7 @@
     <a:masterClrMapping/>
   </p:clrMapOvr>
   <mc:AlternateContent xmlns:mc="http://schemas.openxmlformats.org/markup-compatibility/2006">
-    <mc:Choice xmlns:p14="http://schemas.microsoft.com/office/powerpoint/2010/main" Requires="p14">
+    <mc:Choice xmlns:p14="http://schemas.microsoft.com/office/powerpoint/2010/main" xmlns="" Requires="p14">
       <p:transition spd="med" p14:dur="700">
         <p:fade/>
       </p:transition>
@@ -14896,7 +14932,7 @@
           <p:cNvPr id="2" name="Cím 1">
             <a:extLst>
               <a:ext uri="{FF2B5EF4-FFF2-40B4-BE49-F238E27FC236}">
-                <a16:creationId xmlns:a16="http://schemas.microsoft.com/office/drawing/2014/main" id="{84D3E78F-178C-440B-B6FC-5EF834F3F990}"/>
+                <a16:creationId xmlns:a16="http://schemas.microsoft.com/office/drawing/2014/main" xmlns="" id="{84D3E78F-178C-440B-B6FC-5EF834F3F990}"/>
               </a:ext>
             </a:extLst>
           </p:cNvPr>
@@ -14975,6 +15011,34 @@
                 </a:effectLst>
               </a:rPr>
             </a:br>
+            <a:r>
+              <a:rPr lang="hu-HU" sz="5400" b="1" cap="none" dirty="0">
+                <a:ln w="6600">
+                  <a:solidFill>
+                    <a:schemeClr val="accent2"/>
+                  </a:solidFill>
+                  <a:prstDash val="solid"/>
+                </a:ln>
+                <a:solidFill>
+                  <a:schemeClr val="accent2">
+                    <a:lumMod val="40000"/>
+                    <a:lumOff val="60000"/>
+                  </a:schemeClr>
+                </a:solidFill>
+                <a:effectLst>
+                  <a:glow rad="228600">
+                    <a:schemeClr val="accent2">
+                      <a:satMod val="175000"/>
+                      <a:alpha val="40000"/>
+                    </a:schemeClr>
+                  </a:glow>
+                  <a:outerShdw dist="38100" dir="2700000" algn="tl" rotWithShape="0">
+                    <a:schemeClr val="accent2"/>
+                  </a:outerShdw>
+                </a:effectLst>
+              </a:rPr>
+              <a:t/>
+            </a:r>
             <a:br>
               <a:rPr lang="hu-HU" sz="5400" b="1" cap="none" dirty="0">
                 <a:ln w="6600">
@@ -15036,7 +15100,7 @@
     </p:spTree>
     <p:extLst>
       <p:ext uri="{BB962C8B-B14F-4D97-AF65-F5344CB8AC3E}">
-        <p14:creationId xmlns:p14="http://schemas.microsoft.com/office/powerpoint/2010/main" val="4215716169"/>
+        <p14:creationId xmlns:p14="http://schemas.microsoft.com/office/powerpoint/2010/main" xmlns="" val="4215716169"/>
       </p:ext>
     </p:extLst>
   </p:cSld>
@@ -15044,7 +15108,7 @@
     <a:masterClrMapping/>
   </p:clrMapOvr>
   <mc:AlternateContent xmlns:mc="http://schemas.openxmlformats.org/markup-compatibility/2006">
-    <mc:Choice xmlns:p14="http://schemas.microsoft.com/office/powerpoint/2010/main" Requires="p14">
+    <mc:Choice xmlns:p14="http://schemas.microsoft.com/office/powerpoint/2010/main" xmlns="" Requires="p14">
       <p:transition spd="med" p14:dur="700">
         <p:fade/>
       </p:transition>
@@ -15080,7 +15144,7 @@
           <p:cNvPr id="2" name="Cím 1">
             <a:extLst>
               <a:ext uri="{FF2B5EF4-FFF2-40B4-BE49-F238E27FC236}">
-                <a16:creationId xmlns:a16="http://schemas.microsoft.com/office/drawing/2014/main" id="{17BC2329-E418-45C4-BC40-902EAF3353D8}"/>
+                <a16:creationId xmlns:a16="http://schemas.microsoft.com/office/drawing/2014/main" xmlns="" id="{17BC2329-E418-45C4-BC40-902EAF3353D8}"/>
               </a:ext>
             </a:extLst>
           </p:cNvPr>
@@ -15113,7 +15177,7 @@
           <p:cNvPr id="3" name="Tartalom helye 2">
             <a:extLst>
               <a:ext uri="{FF2B5EF4-FFF2-40B4-BE49-F238E27FC236}">
-                <a16:creationId xmlns:a16="http://schemas.microsoft.com/office/drawing/2014/main" id="{CA1FCC97-0613-4D24-9E33-EA81E334B95D}"/>
+                <a16:creationId xmlns:a16="http://schemas.microsoft.com/office/drawing/2014/main" xmlns="" id="{CA1FCC97-0613-4D24-9E33-EA81E334B95D}"/>
               </a:ext>
             </a:extLst>
           </p:cNvPr>
@@ -15129,14 +15193,53 @@
           <a:bodyPr/>
           <a:lstStyle/>
           <a:p>
-            <a:endParaRPr lang="hu-HU"/>
+            <a:r>
+              <a:rPr lang="hu-HU" dirty="0" smtClean="0"/>
+              <a:t>Vezetői engedély szerzéséhez szükséges adminisztratív folyamatok centralizálása</a:t>
+            </a:r>
+          </a:p>
+          <a:p>
+            <a:pPr lvl="1"/>
+            <a:r>
+              <a:rPr lang="hu-HU" dirty="0" smtClean="0"/>
+              <a:t>Információk a képző szervről</a:t>
+            </a:r>
+          </a:p>
+          <a:p>
+            <a:pPr lvl="1"/>
+            <a:r>
+              <a:rPr lang="hu-HU" dirty="0" smtClean="0"/>
+              <a:t>Regisztrációs lehetőség a tanulóknak</a:t>
+            </a:r>
+          </a:p>
+          <a:p>
+            <a:pPr lvl="1"/>
+            <a:r>
+              <a:rPr lang="hu-HU" dirty="0" smtClean="0"/>
+              <a:t>Online adatbázis az oktatók, járművek kategóriák és képzések lehetőségeiről</a:t>
+            </a:r>
+          </a:p>
+          <a:p>
+            <a:pPr lvl="1"/>
+            <a:r>
+              <a:rPr lang="hu-HU" dirty="0" smtClean="0"/>
+              <a:t>Adminisztrációs felület</a:t>
+            </a:r>
+          </a:p>
+          <a:p>
+            <a:pPr lvl="2"/>
+            <a:r>
+              <a:rPr lang="hu-HU" dirty="0" smtClean="0"/>
+              <a:t>Tanulók, oktatók járművek regisztrálása, módosítása, és törlése</a:t>
+            </a:r>
+            <a:endParaRPr lang="hu-HU" dirty="0" smtClean="0"/>
           </a:p>
         </p:txBody>
       </p:sp>
     </p:spTree>
     <p:extLst>
       <p:ext uri="{BB962C8B-B14F-4D97-AF65-F5344CB8AC3E}">
-        <p14:creationId xmlns:p14="http://schemas.microsoft.com/office/powerpoint/2010/main" val="2449065782"/>
+        <p14:creationId xmlns:p14="http://schemas.microsoft.com/office/powerpoint/2010/main" xmlns="" val="2449065782"/>
       </p:ext>
     </p:extLst>
   </p:cSld>
@@ -15144,7 +15247,7 @@
     <a:masterClrMapping/>
   </p:clrMapOvr>
   <mc:AlternateContent xmlns:mc="http://schemas.openxmlformats.org/markup-compatibility/2006">
-    <mc:Choice xmlns:p14="http://schemas.microsoft.com/office/powerpoint/2010/main" Requires="p14">
+    <mc:Choice xmlns:p14="http://schemas.microsoft.com/office/powerpoint/2010/main" xmlns="" Requires="p14">
       <p:transition spd="med" p14:dur="700">
         <p:fade/>
       </p:transition>
@@ -15180,7 +15283,7 @@
           <p:cNvPr id="2" name="Cím 1">
             <a:extLst>
               <a:ext uri="{FF2B5EF4-FFF2-40B4-BE49-F238E27FC236}">
-                <a16:creationId xmlns:a16="http://schemas.microsoft.com/office/drawing/2014/main" id="{C2B8A872-5F72-4B7D-A903-416CAE7D0BF8}"/>
+                <a16:creationId xmlns:a16="http://schemas.microsoft.com/office/drawing/2014/main" xmlns="" id="{C2B8A872-5F72-4B7D-A903-416CAE7D0BF8}"/>
               </a:ext>
             </a:extLst>
           </p:cNvPr>
@@ -15208,7 +15311,7 @@
           <p:cNvPr id="3" name="Tartalom helye 2">
             <a:extLst>
               <a:ext uri="{FF2B5EF4-FFF2-40B4-BE49-F238E27FC236}">
-                <a16:creationId xmlns:a16="http://schemas.microsoft.com/office/drawing/2014/main" id="{CBE31310-B55A-4484-9CF7-7157489E1ABE}"/>
+                <a16:creationId xmlns:a16="http://schemas.microsoft.com/office/drawing/2014/main" xmlns="" id="{CBE31310-B55A-4484-9CF7-7157489E1ABE}"/>
               </a:ext>
             </a:extLst>
           </p:cNvPr>
@@ -15221,17 +15324,127 @@
         </p:nvSpPr>
         <p:spPr/>
         <p:txBody>
-          <a:bodyPr/>
+          <a:bodyPr>
+            <a:normAutofit/>
+          </a:bodyPr>
           <a:lstStyle/>
           <a:p>
-            <a:endParaRPr lang="hu-HU"/>
+            <a:r>
+              <a:rPr lang="hu-HU" dirty="0" smtClean="0"/>
+              <a:t>Klasszikus REST API alapokon valósul meg az alkalmazás</a:t>
+            </a:r>
+            <a:endParaRPr lang="hu-HU" dirty="0" smtClean="0"/>
+          </a:p>
+          <a:p>
+            <a:pPr lvl="1"/>
+            <a:r>
+              <a:rPr lang="hu-HU" dirty="0" smtClean="0"/>
+              <a:t>Az adatok tárolása SQL adatbázisban történik</a:t>
+            </a:r>
+          </a:p>
+          <a:p>
+            <a:pPr lvl="1"/>
+            <a:r>
+              <a:rPr lang="hu-HU" dirty="0" smtClean="0"/>
+              <a:t>A frontend</a:t>
+            </a:r>
+          </a:p>
+          <a:p>
+            <a:pPr lvl="2"/>
+            <a:r>
+              <a:rPr lang="hu-HU" dirty="0" err="1" smtClean="0"/>
+              <a:t>Angular</a:t>
+            </a:r>
+            <a:r>
+              <a:rPr lang="hu-HU" dirty="0" smtClean="0"/>
+              <a:t> keretrendszerben készült</a:t>
+            </a:r>
+          </a:p>
+          <a:p>
+            <a:pPr lvl="3"/>
+            <a:r>
+              <a:rPr lang="hu-HU" dirty="0" err="1" smtClean="0"/>
+              <a:t>Typscrip</a:t>
+            </a:r>
+            <a:r>
+              <a:rPr lang="hu-HU" dirty="0" smtClean="0"/>
+              <a:t>, HTML, CSS és </a:t>
+            </a:r>
+            <a:r>
+              <a:rPr lang="hu-HU" dirty="0" err="1" smtClean="0"/>
+              <a:t>Bootstrap</a:t>
+            </a:r>
+            <a:r>
+              <a:rPr lang="hu-HU" dirty="0" smtClean="0"/>
+              <a:t> </a:t>
+            </a:r>
+          </a:p>
+          <a:p>
+            <a:pPr lvl="1"/>
+            <a:r>
+              <a:rPr lang="hu-HU" dirty="0" err="1" smtClean="0"/>
+              <a:t>Beckend</a:t>
+            </a:r>
+            <a:endParaRPr lang="hu-HU" dirty="0" smtClean="0"/>
+          </a:p>
+          <a:p>
+            <a:pPr lvl="2"/>
+            <a:r>
+              <a:rPr lang="hu-HU" dirty="0" err="1" smtClean="0"/>
+              <a:t>Laravel</a:t>
+            </a:r>
+            <a:r>
+              <a:rPr lang="hu-HU" dirty="0" smtClean="0"/>
+              <a:t> keretrendszerben készült</a:t>
+            </a:r>
+          </a:p>
+          <a:p>
+            <a:pPr lvl="3"/>
+            <a:r>
+              <a:rPr lang="hu-HU" dirty="0" smtClean="0"/>
+              <a:t>PHP</a:t>
+            </a:r>
+            <a:endParaRPr lang="hu-HU" dirty="0"/>
           </a:p>
         </p:txBody>
       </p:sp>
+      <p:pic>
+        <p:nvPicPr>
+          <p:cNvPr id="8195" name="Picture 3"/>
+          <p:cNvPicPr>
+            <a:picLocks noChangeAspect="1" noChangeArrowheads="1"/>
+          </p:cNvPicPr>
+          <p:nvPr/>
+        </p:nvPicPr>
+        <p:blipFill>
+          <a:blip r:embed="rId2"/>
+          <a:srcRect/>
+          <a:stretch>
+            <a:fillRect/>
+          </a:stretch>
+        </p:blipFill>
+        <p:spPr bwMode="auto">
+          <a:xfrm>
+            <a:off x="5759668" y="4177718"/>
+            <a:ext cx="5620407" cy="2056558"/>
+          </a:xfrm>
+          <a:prstGeom prst="rect">
+            <a:avLst/>
+          </a:prstGeom>
+          <a:noFill/>
+          <a:ln w="9525">
+            <a:noFill/>
+            <a:miter lim="800000"/>
+            <a:headEnd/>
+            <a:tailEnd/>
+          </a:ln>
+          <a:effectLst/>
+        </p:spPr>
+      </p:pic>
     </p:spTree>
     <p:extLst>
       <p:ext uri="{BB962C8B-B14F-4D97-AF65-F5344CB8AC3E}">
-        <p14:creationId xmlns:p14="http://schemas.microsoft.com/office/powerpoint/2010/main" val="2102919866"/>
+        <p14:creationId xmlns:p14="http://schemas.microsoft.com/office/powerpoint/2010/main" xmlns="" val="2102919866"/>
       </p:ext>
     </p:extLst>
   </p:cSld>
@@ -15239,7 +15452,7 @@
     <a:masterClrMapping/>
   </p:clrMapOvr>
   <mc:AlternateContent xmlns:mc="http://schemas.openxmlformats.org/markup-compatibility/2006">
-    <mc:Choice xmlns:p14="http://schemas.microsoft.com/office/powerpoint/2010/main" Requires="p14">
+    <mc:Choice xmlns:p14="http://schemas.microsoft.com/office/powerpoint/2010/main" xmlns="" Requires="p14">
       <p:transition spd="med" p14:dur="700">
         <p:fade/>
       </p:transition>
@@ -15270,12 +15483,153 @@
           <a:chExt cx="0" cy="0"/>
         </a:xfrm>
       </p:grpSpPr>
+      <p:grpSp>
+        <p:nvGrpSpPr>
+          <p:cNvPr id="9" name="Csoportba foglalás 8"/>
+          <p:cNvGrpSpPr/>
+          <p:nvPr/>
+        </p:nvGrpSpPr>
+        <p:grpSpPr>
+          <a:xfrm>
+            <a:off x="537324" y="4822967"/>
+            <a:ext cx="10824340" cy="1590675"/>
+            <a:chOff x="600387" y="4791436"/>
+            <a:chExt cx="10824340" cy="1590675"/>
+          </a:xfrm>
+        </p:grpSpPr>
+        <p:pic>
+          <p:nvPicPr>
+            <p:cNvPr id="4" name="Kép 3"/>
+            <p:cNvPicPr>
+              <a:picLocks noChangeAspect="1"/>
+            </p:cNvPicPr>
+            <p:nvPr/>
+          </p:nvPicPr>
+          <p:blipFill>
+            <a:blip r:embed="rId2"/>
+            <a:stretch>
+              <a:fillRect/>
+            </a:stretch>
+          </p:blipFill>
+          <p:spPr>
+            <a:xfrm>
+              <a:off x="600387" y="4791436"/>
+              <a:ext cx="2962275" cy="1590675"/>
+            </a:xfrm>
+            <a:prstGeom prst="rect">
+              <a:avLst/>
+            </a:prstGeom>
+          </p:spPr>
+        </p:pic>
+        <p:pic>
+          <p:nvPicPr>
+            <p:cNvPr id="5" name="Kép 4"/>
+            <p:cNvPicPr>
+              <a:picLocks noChangeAspect="1"/>
+            </p:cNvPicPr>
+            <p:nvPr/>
+          </p:nvPicPr>
+          <p:blipFill>
+            <a:blip r:embed="rId3"/>
+            <a:stretch>
+              <a:fillRect/>
+            </a:stretch>
+          </p:blipFill>
+          <p:spPr>
+            <a:xfrm>
+              <a:off x="7788166" y="5494867"/>
+              <a:ext cx="2479768" cy="871270"/>
+            </a:xfrm>
+            <a:prstGeom prst="rect">
+              <a:avLst/>
+            </a:prstGeom>
+          </p:spPr>
+        </p:pic>
+        <p:pic>
+          <p:nvPicPr>
+            <p:cNvPr id="6" name="Kép 5"/>
+            <p:cNvPicPr>
+              <a:picLocks noChangeAspect="1"/>
+            </p:cNvPicPr>
+            <p:nvPr/>
+          </p:nvPicPr>
+          <p:blipFill>
+            <a:blip r:embed="rId4">
+              <a:extLst>
+                <a:ext uri="{28A0092B-C50C-407E-A947-70E740481C1C}">
+                  <a14:useLocalDpi xmlns:a14="http://schemas.microsoft.com/office/drawing/2010/main" xmlns="" val="0"/>
+                </a:ext>
+              </a:extLst>
+            </a:blip>
+            <a:stretch>
+              <a:fillRect/>
+            </a:stretch>
+          </p:blipFill>
+          <p:spPr>
+            <a:xfrm>
+              <a:off x="10406808" y="5361859"/>
+              <a:ext cx="1017919" cy="1017919"/>
+            </a:xfrm>
+            <a:prstGeom prst="rect">
+              <a:avLst/>
+            </a:prstGeom>
+          </p:spPr>
+        </p:pic>
+        <p:pic>
+          <p:nvPicPr>
+            <p:cNvPr id="7" name="Kép 6"/>
+            <p:cNvPicPr>
+              <a:picLocks noChangeAspect="1"/>
+            </p:cNvPicPr>
+            <p:nvPr/>
+          </p:nvPicPr>
+          <p:blipFill>
+            <a:blip r:embed="rId5"/>
+            <a:stretch>
+              <a:fillRect/>
+            </a:stretch>
+          </p:blipFill>
+          <p:spPr>
+            <a:xfrm>
+              <a:off x="3711449" y="5771263"/>
+              <a:ext cx="1880055" cy="610848"/>
+            </a:xfrm>
+            <a:prstGeom prst="rect">
+              <a:avLst/>
+            </a:prstGeom>
+          </p:spPr>
+        </p:pic>
+        <p:pic>
+          <p:nvPicPr>
+            <p:cNvPr id="8" name="Kép 7"/>
+            <p:cNvPicPr>
+              <a:picLocks noChangeAspect="1"/>
+            </p:cNvPicPr>
+            <p:nvPr/>
+          </p:nvPicPr>
+          <p:blipFill>
+            <a:blip r:embed="rId6"/>
+            <a:stretch>
+              <a:fillRect/>
+            </a:stretch>
+          </p:blipFill>
+          <p:spPr>
+            <a:xfrm>
+              <a:off x="5687722" y="5701800"/>
+              <a:ext cx="1984830" cy="663678"/>
+            </a:xfrm>
+            <a:prstGeom prst="rect">
+              <a:avLst/>
+            </a:prstGeom>
+          </p:spPr>
+        </p:pic>
+      </p:grpSp>
       <p:sp>
         <p:nvSpPr>
           <p:cNvPr id="2" name="Cím 1">
             <a:extLst>
               <a:ext uri="{FF2B5EF4-FFF2-40B4-BE49-F238E27FC236}">
-                <a16:creationId xmlns:a16="http://schemas.microsoft.com/office/drawing/2014/main" id="{1EB53DAA-5E6A-4BDC-A43F-CD5F31499740}"/>
+                <a16:creationId xmlns:a16="http://schemas.microsoft.com/office/drawing/2014/main" xmlns="" id="{1EB53DAA-5E6A-4BDC-A43F-CD5F31499740}"/>
               </a:ext>
             </a:extLst>
           </p:cNvPr>
@@ -15303,7 +15657,7 @@
           <p:cNvPr id="3" name="Tartalom helye 2">
             <a:extLst>
               <a:ext uri="{FF2B5EF4-FFF2-40B4-BE49-F238E27FC236}">
-                <a16:creationId xmlns:a16="http://schemas.microsoft.com/office/drawing/2014/main" id="{7847EBB0-9B84-4E0F-926D-82EE384D43BD}"/>
+                <a16:creationId xmlns:a16="http://schemas.microsoft.com/office/drawing/2014/main" xmlns="" id="{7847EBB0-9B84-4E0F-926D-82EE384D43BD}"/>
               </a:ext>
             </a:extLst>
           </p:cNvPr>
@@ -15314,19 +15668,363 @@
             <p:ph idx="1"/>
           </p:nvPr>
         </p:nvSpPr>
-        <p:spPr/>
+        <p:spPr>
+          <a:xfrm>
+            <a:off x="1141413" y="2249486"/>
+            <a:ext cx="3619774" cy="3667837"/>
+          </a:xfrm>
+        </p:spPr>
         <p:txBody>
           <a:bodyPr/>
           <a:lstStyle/>
           <a:p>
-            <a:endParaRPr lang="hu-HU"/>
+            <a:r>
+              <a:rPr lang="hu-HU" dirty="0" smtClean="0"/>
+              <a:t>Visual </a:t>
+            </a:r>
+            <a:r>
+              <a:rPr lang="hu-HU" dirty="0" err="1" smtClean="0"/>
+              <a:t>Studio</a:t>
+            </a:r>
+            <a:r>
+              <a:rPr lang="hu-HU" dirty="0" smtClean="0"/>
+              <a:t> </a:t>
+            </a:r>
+            <a:r>
+              <a:rPr lang="hu-HU" dirty="0" err="1" smtClean="0"/>
+              <a:t>Code</a:t>
+            </a:r>
+            <a:endParaRPr lang="hu-HU" dirty="0" smtClean="0"/>
+          </a:p>
+          <a:p>
+            <a:pPr lvl="1"/>
+            <a:r>
+              <a:rPr lang="hu-HU" dirty="0" err="1" smtClean="0"/>
+              <a:t>Angular</a:t>
+            </a:r>
+            <a:r>
+              <a:rPr lang="hu-HU" dirty="0" smtClean="0"/>
+              <a:t> keretrendszerben</a:t>
+            </a:r>
+          </a:p>
+          <a:p>
+            <a:pPr lvl="2"/>
+            <a:r>
+              <a:rPr lang="hu-HU" dirty="0" smtClean="0"/>
+              <a:t>NPM csomagkezelő</a:t>
+            </a:r>
+          </a:p>
+          <a:p>
+            <a:pPr lvl="1"/>
+            <a:r>
+              <a:rPr lang="hu-HU" dirty="0" smtClean="0"/>
+              <a:t>XAMPP virtuális szerveren futtatva</a:t>
+            </a:r>
+          </a:p>
+          <a:p>
+            <a:pPr lvl="2"/>
+            <a:endParaRPr lang="hu-HU" dirty="0"/>
+          </a:p>
+        </p:txBody>
+      </p:sp>
+      <p:sp>
+        <p:nvSpPr>
+          <p:cNvPr id="10" name="Tartalom helye 2">
+            <a:extLst>
+              <a:ext uri="{FF2B5EF4-FFF2-40B4-BE49-F238E27FC236}">
+                <a16:creationId xmlns:a16="http://schemas.microsoft.com/office/drawing/2014/main" xmlns="" id="{7847EBB0-9B84-4E0F-926D-82EE384D43BD}"/>
+              </a:ext>
+            </a:extLst>
+          </p:cNvPr>
+          <p:cNvSpPr txBox="1">
+            <a:spLocks/>
+          </p:cNvSpPr>
+          <p:nvPr/>
+        </p:nvSpPr>
+        <p:spPr>
+          <a:xfrm>
+            <a:off x="6370308" y="2338824"/>
+            <a:ext cx="4392285" cy="3667837"/>
+          </a:xfrm>
+          <a:prstGeom prst="rect">
+            <a:avLst/>
+          </a:prstGeom>
+        </p:spPr>
+        <p:txBody>
+          <a:bodyPr vert="horz" lIns="91440" tIns="45720" rIns="91440" bIns="45720" rtlCol="0">
+            <a:normAutofit/>
+          </a:bodyPr>
+          <a:lstStyle/>
+          <a:p>
+            <a:pPr marL="228600" marR="0" lvl="0" indent="-228600" algn="l" defTabSz="914400" rtl="0" eaLnBrk="1" fontAlgn="auto" latinLnBrk="0" hangingPunct="1">
+              <a:lnSpc>
+                <a:spcPct val="120000"/>
+              </a:lnSpc>
+              <a:spcBef>
+                <a:spcPts val="1000"/>
+              </a:spcBef>
+              <a:spcAft>
+                <a:spcPts val="0"/>
+              </a:spcAft>
+              <a:buClrTx/>
+              <a:buSzPct val="125000"/>
+              <a:buFont typeface="Arial" panose="020B0604020202020204" pitchFamily="34" charset="0"/>
+              <a:buChar char="•"/>
+              <a:tabLst/>
+              <a:defRPr/>
+            </a:pPr>
+            <a:r>
+              <a:rPr kumimoji="0" lang="hu-HU" sz="2400" b="0" i="0" u="none" strike="noStrike" kern="1200" cap="none" spc="0" normalizeH="0" baseline="0" noProof="0" dirty="0" err="1" smtClean="0">
+                <a:ln>
+                  <a:noFill/>
+                </a:ln>
+                <a:solidFill>
+                  <a:schemeClr val="tx1"/>
+                </a:solidFill>
+                <a:effectLst/>
+                <a:uLnTx/>
+                <a:uFillTx/>
+                <a:latin typeface="+mn-lt"/>
+                <a:ea typeface="+mn-ea"/>
+                <a:cs typeface="+mn-cs"/>
+              </a:rPr>
+              <a:t>Header</a:t>
+            </a:r>
+            <a:endParaRPr kumimoji="0" lang="hu-HU" sz="2400" b="0" i="0" u="none" strike="noStrike" kern="1200" cap="none" spc="0" normalizeH="0" baseline="0" noProof="0" dirty="0" smtClean="0">
+              <a:ln>
+                <a:noFill/>
+              </a:ln>
+              <a:solidFill>
+                <a:schemeClr val="tx1"/>
+              </a:solidFill>
+              <a:effectLst/>
+              <a:uLnTx/>
+              <a:uFillTx/>
+              <a:latin typeface="+mn-lt"/>
+              <a:ea typeface="+mn-ea"/>
+              <a:cs typeface="+mn-cs"/>
+            </a:endParaRPr>
+          </a:p>
+          <a:p>
+            <a:pPr marL="228600" marR="0" lvl="0" indent="-228600" algn="l" defTabSz="914400" rtl="0" eaLnBrk="1" fontAlgn="auto" latinLnBrk="0" hangingPunct="1">
+              <a:lnSpc>
+                <a:spcPct val="120000"/>
+              </a:lnSpc>
+              <a:spcBef>
+                <a:spcPts val="1000"/>
+              </a:spcBef>
+              <a:spcAft>
+                <a:spcPts val="0"/>
+              </a:spcAft>
+              <a:buClrTx/>
+              <a:buSzPct val="125000"/>
+              <a:buFont typeface="Arial" panose="020B0604020202020204" pitchFamily="34" charset="0"/>
+              <a:buChar char="•"/>
+              <a:tabLst/>
+              <a:defRPr/>
+            </a:pPr>
+            <a:r>
+              <a:rPr lang="hu-HU" sz="2400" dirty="0" err="1" smtClean="0"/>
+              <a:t>Footer</a:t>
+            </a:r>
+            <a:endParaRPr lang="hu-HU" sz="2400" dirty="0" smtClean="0"/>
+          </a:p>
+          <a:p>
+            <a:pPr marL="228600" marR="0" lvl="0" indent="-228600" algn="l" defTabSz="914400" rtl="0" eaLnBrk="1" fontAlgn="auto" latinLnBrk="0" hangingPunct="1">
+              <a:lnSpc>
+                <a:spcPct val="120000"/>
+              </a:lnSpc>
+              <a:spcBef>
+                <a:spcPts val="1000"/>
+              </a:spcBef>
+              <a:spcAft>
+                <a:spcPts val="0"/>
+              </a:spcAft>
+              <a:buClrTx/>
+              <a:buSzPct val="125000"/>
+              <a:buFont typeface="Arial" panose="020B0604020202020204" pitchFamily="34" charset="0"/>
+              <a:buChar char="•"/>
+              <a:tabLst/>
+              <a:defRPr/>
+            </a:pPr>
+            <a:r>
+              <a:rPr kumimoji="0" lang="hu-HU" sz="2400" b="0" i="0" u="none" strike="noStrike" kern="1200" cap="none" spc="0" normalizeH="0" baseline="0" noProof="0" dirty="0" err="1" smtClean="0">
+                <a:ln>
+                  <a:noFill/>
+                </a:ln>
+                <a:solidFill>
+                  <a:schemeClr val="tx1"/>
+                </a:solidFill>
+                <a:effectLst/>
+                <a:uLnTx/>
+                <a:uFillTx/>
+                <a:latin typeface="+mn-lt"/>
+                <a:ea typeface="+mn-ea"/>
+                <a:cs typeface="+mn-cs"/>
+              </a:rPr>
+              <a:t>Admin</a:t>
+            </a:r>
+            <a:r>
+              <a:rPr kumimoji="0" lang="hu-HU" sz="2400" b="0" i="0" u="none" strike="noStrike" kern="1200" cap="none" spc="0" normalizeH="0" baseline="0" noProof="0" dirty="0" smtClean="0">
+                <a:ln>
+                  <a:noFill/>
+                </a:ln>
+                <a:solidFill>
+                  <a:schemeClr val="tx1"/>
+                </a:solidFill>
+                <a:effectLst/>
+                <a:uLnTx/>
+                <a:uFillTx/>
+                <a:latin typeface="+mn-lt"/>
+                <a:ea typeface="+mn-ea"/>
+                <a:cs typeface="+mn-cs"/>
+              </a:rPr>
+              <a:t> </a:t>
+            </a:r>
+            <a:r>
+              <a:rPr kumimoji="0" lang="hu-HU" sz="2400" b="0" i="0" u="none" strike="noStrike" kern="1200" cap="none" spc="0" normalizeH="0" baseline="0" noProof="0" dirty="0" err="1" smtClean="0">
+                <a:ln>
+                  <a:noFill/>
+                </a:ln>
+                <a:solidFill>
+                  <a:schemeClr val="tx1"/>
+                </a:solidFill>
+                <a:effectLst/>
+                <a:uLnTx/>
+                <a:uFillTx/>
+                <a:latin typeface="+mn-lt"/>
+                <a:ea typeface="+mn-ea"/>
+                <a:cs typeface="+mn-cs"/>
+              </a:rPr>
+              <a:t>Dashboard</a:t>
+            </a:r>
+            <a:endParaRPr kumimoji="0" lang="hu-HU" sz="2400" b="0" i="0" u="none" strike="noStrike" kern="1200" cap="none" spc="0" normalizeH="0" baseline="0" noProof="0" dirty="0" smtClean="0">
+              <a:ln>
+                <a:noFill/>
+              </a:ln>
+              <a:solidFill>
+                <a:schemeClr val="tx1"/>
+              </a:solidFill>
+              <a:effectLst/>
+              <a:uLnTx/>
+              <a:uFillTx/>
+              <a:latin typeface="+mn-lt"/>
+              <a:ea typeface="+mn-ea"/>
+              <a:cs typeface="+mn-cs"/>
+            </a:endParaRPr>
+          </a:p>
+          <a:p>
+            <a:pPr marL="228600" marR="0" lvl="0" indent="-228600" algn="l" defTabSz="914400" rtl="0" eaLnBrk="1" fontAlgn="auto" latinLnBrk="0" hangingPunct="1">
+              <a:lnSpc>
+                <a:spcPct val="120000"/>
+              </a:lnSpc>
+              <a:spcBef>
+                <a:spcPts val="1000"/>
+              </a:spcBef>
+              <a:spcAft>
+                <a:spcPts val="0"/>
+              </a:spcAft>
+              <a:buClrTx/>
+              <a:buSzPct val="125000"/>
+              <a:buFont typeface="Arial" panose="020B0604020202020204" pitchFamily="34" charset="0"/>
+              <a:buChar char="•"/>
+              <a:tabLst/>
+              <a:defRPr/>
+            </a:pPr>
+            <a:r>
+              <a:rPr lang="hu-HU" sz="2400" dirty="0" smtClean="0"/>
+              <a:t>Navigáció</a:t>
+            </a:r>
+          </a:p>
+          <a:p>
+            <a:pPr marL="228600" marR="0" lvl="0" indent="-228600" algn="l" defTabSz="914400" rtl="0" eaLnBrk="1" fontAlgn="auto" latinLnBrk="0" hangingPunct="1">
+              <a:lnSpc>
+                <a:spcPct val="120000"/>
+              </a:lnSpc>
+              <a:spcBef>
+                <a:spcPts val="1000"/>
+              </a:spcBef>
+              <a:spcAft>
+                <a:spcPts val="0"/>
+              </a:spcAft>
+              <a:buClrTx/>
+              <a:buSzPct val="125000"/>
+              <a:buFont typeface="Arial" panose="020B0604020202020204" pitchFamily="34" charset="0"/>
+              <a:buChar char="•"/>
+              <a:tabLst/>
+              <a:defRPr/>
+            </a:pPr>
+            <a:r>
+              <a:rPr kumimoji="0" lang="hu-HU" sz="2400" b="0" i="0" u="none" strike="noStrike" kern="1200" cap="none" spc="0" normalizeH="0" baseline="0" noProof="0" dirty="0" smtClean="0">
+                <a:ln>
+                  <a:noFill/>
+                </a:ln>
+                <a:solidFill>
+                  <a:schemeClr val="tx1"/>
+                </a:solidFill>
+                <a:effectLst/>
+                <a:uLnTx/>
+                <a:uFillTx/>
+                <a:latin typeface="+mn-lt"/>
+                <a:ea typeface="+mn-ea"/>
+                <a:cs typeface="+mn-cs"/>
+              </a:rPr>
+              <a:t>Profilok</a:t>
+            </a:r>
+            <a:endParaRPr kumimoji="0" lang="hu-HU" sz="2000" b="0" i="0" u="none" strike="noStrike" kern="1200" cap="none" spc="0" normalizeH="0" baseline="0" noProof="0" dirty="0" smtClean="0">
+              <a:ln>
+                <a:noFill/>
+              </a:ln>
+              <a:solidFill>
+                <a:schemeClr val="tx1"/>
+              </a:solidFill>
+              <a:effectLst/>
+              <a:uLnTx/>
+              <a:uFillTx/>
+              <a:latin typeface="+mn-lt"/>
+              <a:ea typeface="+mn-ea"/>
+              <a:cs typeface="+mn-cs"/>
+            </a:endParaRPr>
+          </a:p>
+          <a:p>
+            <a:pPr marL="1143000" marR="0" lvl="2" indent="-228600" algn="l" defTabSz="914400" rtl="0" eaLnBrk="1" fontAlgn="auto" latinLnBrk="0" hangingPunct="1">
+              <a:lnSpc>
+                <a:spcPct val="120000"/>
+              </a:lnSpc>
+              <a:spcBef>
+                <a:spcPts val="500"/>
+              </a:spcBef>
+              <a:spcAft>
+                <a:spcPts val="0"/>
+              </a:spcAft>
+              <a:buClrTx/>
+              <a:buSzPct val="125000"/>
+              <a:buFont typeface="Arial" panose="020B0604020202020204" pitchFamily="34" charset="0"/>
+              <a:buChar char="•"/>
+              <a:tabLst/>
+              <a:defRPr/>
+            </a:pPr>
+            <a:endParaRPr kumimoji="0" lang="hu-HU" sz="1800" b="0" i="0" u="none" strike="noStrike" kern="1200" cap="none" spc="0" normalizeH="0" baseline="0" noProof="0" dirty="0">
+              <a:ln>
+                <a:noFill/>
+              </a:ln>
+              <a:solidFill>
+                <a:schemeClr val="tx1"/>
+              </a:solidFill>
+              <a:effectLst/>
+              <a:uLnTx/>
+              <a:uFillTx/>
+              <a:latin typeface="+mn-lt"/>
+              <a:ea typeface="+mn-ea"/>
+              <a:cs typeface="+mn-cs"/>
+            </a:endParaRPr>
           </a:p>
         </p:txBody>
       </p:sp>
     </p:spTree>
     <p:extLst>
       <p:ext uri="{BB962C8B-B14F-4D97-AF65-F5344CB8AC3E}">
-        <p14:creationId xmlns:p14="http://schemas.microsoft.com/office/powerpoint/2010/main" val="2494225142"/>
+        <p14:creationId xmlns:p14="http://schemas.microsoft.com/office/powerpoint/2010/main" xmlns="" val="2494225142"/>
       </p:ext>
     </p:extLst>
   </p:cSld>
@@ -15334,7 +16032,7 @@
     <a:masterClrMapping/>
   </p:clrMapOvr>
   <mc:AlternateContent xmlns:mc="http://schemas.openxmlformats.org/markup-compatibility/2006">
-    <mc:Choice xmlns:p14="http://schemas.microsoft.com/office/powerpoint/2010/main" Requires="p14">
+    <mc:Choice xmlns:p14="http://schemas.microsoft.com/office/powerpoint/2010/main" xmlns="" Requires="p14">
       <p:transition spd="med" p14:dur="700">
         <p:fade/>
       </p:transition>
@@ -15370,7 +16068,7 @@
           <p:cNvPr id="2" name="Cím 1">
             <a:extLst>
               <a:ext uri="{FF2B5EF4-FFF2-40B4-BE49-F238E27FC236}">
-                <a16:creationId xmlns:a16="http://schemas.microsoft.com/office/drawing/2014/main" id="{91E9F141-A5AE-4B11-9E25-8793AC6A2E28}"/>
+                <a16:creationId xmlns:a16="http://schemas.microsoft.com/office/drawing/2014/main" xmlns="" id="{91E9F141-A5AE-4B11-9E25-8793AC6A2E28}"/>
               </a:ext>
             </a:extLst>
           </p:cNvPr>
@@ -15388,8 +16086,13 @@
           <a:p>
             <a:r>
               <a:rPr lang="hu-HU" dirty="0"/>
-              <a:t>Megvalósítás - backend</a:t>
-            </a:r>
+              <a:t>Megvalósítás - </a:t>
+            </a:r>
+            <a:r>
+              <a:rPr lang="hu-HU" dirty="0" err="1" smtClean="0"/>
+              <a:t>backend</a:t>
+            </a:r>
+            <a:endParaRPr lang="hu-HU" dirty="0"/>
           </a:p>
         </p:txBody>
       </p:sp>
@@ -15398,7 +16101,7 @@
           <p:cNvPr id="3" name="Tartalom helye 2">
             <a:extLst>
               <a:ext uri="{FF2B5EF4-FFF2-40B4-BE49-F238E27FC236}">
-                <a16:creationId xmlns:a16="http://schemas.microsoft.com/office/drawing/2014/main" id="{2B0BD7CD-AAEA-4415-B868-0EBF737F5793}"/>
+                <a16:creationId xmlns:a16="http://schemas.microsoft.com/office/drawing/2014/main" xmlns="" id="{2B0BD7CD-AAEA-4415-B868-0EBF737F5793}"/>
               </a:ext>
             </a:extLst>
           </p:cNvPr>
@@ -15409,19 +16112,371 @@
             <p:ph idx="1"/>
           </p:nvPr>
         </p:nvSpPr>
-        <p:spPr/>
+        <p:spPr>
+          <a:xfrm>
+            <a:off x="1141413" y="2249487"/>
+            <a:ext cx="4828464" cy="3541714"/>
+          </a:xfrm>
+        </p:spPr>
         <p:txBody>
           <a:bodyPr/>
           <a:lstStyle/>
           <a:p>
-            <a:endParaRPr lang="hu-HU"/>
+            <a:r>
+              <a:rPr lang="hu-HU" dirty="0" smtClean="0"/>
+              <a:t>Visual </a:t>
+            </a:r>
+            <a:r>
+              <a:rPr lang="hu-HU" dirty="0" err="1" smtClean="0"/>
+              <a:t>Studio</a:t>
+            </a:r>
+            <a:r>
+              <a:rPr lang="hu-HU" dirty="0" smtClean="0"/>
+              <a:t> </a:t>
+            </a:r>
+            <a:r>
+              <a:rPr lang="hu-HU" dirty="0" err="1" smtClean="0"/>
+              <a:t>Code</a:t>
+            </a:r>
+            <a:endParaRPr lang="hu-HU" dirty="0" smtClean="0"/>
+          </a:p>
+          <a:p>
+            <a:pPr lvl="1"/>
+            <a:r>
+              <a:rPr lang="hu-HU" dirty="0" err="1" smtClean="0"/>
+              <a:t>Laravel</a:t>
+            </a:r>
+            <a:r>
+              <a:rPr lang="hu-HU" dirty="0" smtClean="0"/>
+              <a:t> </a:t>
+            </a:r>
+            <a:r>
+              <a:rPr lang="hu-HU" dirty="0" smtClean="0"/>
+              <a:t>keretrendszer</a:t>
+            </a:r>
+          </a:p>
+          <a:p>
+            <a:pPr lvl="2"/>
+            <a:r>
+              <a:rPr lang="hu-HU" dirty="0" err="1" smtClean="0"/>
+              <a:t>Composer</a:t>
+            </a:r>
+            <a:r>
+              <a:rPr lang="hu-HU" dirty="0" smtClean="0"/>
+              <a:t> csomagkezelő</a:t>
+            </a:r>
+          </a:p>
+          <a:p>
+            <a:pPr lvl="1"/>
+            <a:r>
+              <a:rPr lang="hu-HU" dirty="0" smtClean="0"/>
+              <a:t>XAMPP virtuális szerveren futtatva</a:t>
+            </a:r>
+            <a:endParaRPr lang="hu-HU" dirty="0" smtClean="0"/>
+          </a:p>
+          <a:p>
+            <a:endParaRPr lang="hu-HU" dirty="0"/>
+          </a:p>
+        </p:txBody>
+      </p:sp>
+      <p:grpSp>
+        <p:nvGrpSpPr>
+          <p:cNvPr id="10" name="Csoportba foglalás 9"/>
+          <p:cNvGrpSpPr/>
+          <p:nvPr/>
+        </p:nvGrpSpPr>
+        <p:grpSpPr>
+          <a:xfrm>
+            <a:off x="3132082" y="4749034"/>
+            <a:ext cx="6349070" cy="1547920"/>
+            <a:chOff x="3478924" y="4728013"/>
+            <a:chExt cx="6349070" cy="1547920"/>
+          </a:xfrm>
+        </p:grpSpPr>
+        <p:grpSp>
+          <p:nvGrpSpPr>
+            <p:cNvPr id="8" name="Csoportba foglalás 7"/>
+            <p:cNvGrpSpPr/>
+            <p:nvPr/>
+          </p:nvGrpSpPr>
+          <p:grpSpPr>
+            <a:xfrm>
+              <a:off x="3478924" y="4937015"/>
+              <a:ext cx="4876307" cy="1338918"/>
+              <a:chOff x="3064405" y="4415930"/>
+              <a:chExt cx="5931957" cy="1628775"/>
+            </a:xfrm>
+          </p:grpSpPr>
+          <p:pic>
+            <p:nvPicPr>
+              <p:cNvPr id="6149" name="Picture 5"/>
+              <p:cNvPicPr>
+                <a:picLocks noChangeAspect="1" noChangeArrowheads="1"/>
+              </p:cNvPicPr>
+              <p:nvPr/>
+            </p:nvPicPr>
+            <p:blipFill>
+              <a:blip r:embed="rId2"/>
+              <a:srcRect/>
+              <a:stretch>
+                <a:fillRect/>
+              </a:stretch>
+            </p:blipFill>
+            <p:spPr bwMode="auto">
+              <a:xfrm>
+                <a:off x="6243637" y="4956613"/>
+                <a:ext cx="2752725" cy="1085850"/>
+              </a:xfrm>
+              <a:prstGeom prst="rect">
+                <a:avLst/>
+              </a:prstGeom>
+              <a:noFill/>
+              <a:ln w="9525">
+                <a:noFill/>
+                <a:miter lim="800000"/>
+                <a:headEnd/>
+                <a:tailEnd/>
+              </a:ln>
+              <a:effectLst/>
+            </p:spPr>
+          </p:pic>
+          <p:pic>
+            <p:nvPicPr>
+              <p:cNvPr id="7" name="Kép 6"/>
+              <p:cNvPicPr>
+                <a:picLocks noChangeAspect="1"/>
+              </p:cNvPicPr>
+              <p:nvPr/>
+            </p:nvPicPr>
+            <p:blipFill>
+              <a:blip r:embed="rId3"/>
+              <a:stretch>
+                <a:fillRect/>
+              </a:stretch>
+            </p:blipFill>
+            <p:spPr>
+              <a:xfrm>
+                <a:off x="3064405" y="4415930"/>
+                <a:ext cx="2886075" cy="1628775"/>
+              </a:xfrm>
+              <a:prstGeom prst="rect">
+                <a:avLst/>
+              </a:prstGeom>
+            </p:spPr>
+          </p:pic>
+        </p:grpSp>
+        <p:pic>
+          <p:nvPicPr>
+            <p:cNvPr id="6150" name="Picture 6"/>
+            <p:cNvPicPr>
+              <a:picLocks noChangeAspect="1" noChangeArrowheads="1"/>
+            </p:cNvPicPr>
+            <p:nvPr/>
+          </p:nvPicPr>
+          <p:blipFill>
+            <a:blip r:embed="rId4"/>
+            <a:srcRect/>
+            <a:stretch>
+              <a:fillRect/>
+            </a:stretch>
+          </p:blipFill>
+          <p:spPr bwMode="auto">
+            <a:xfrm>
+              <a:off x="8523069" y="4728013"/>
+              <a:ext cx="1304925" cy="1543050"/>
+            </a:xfrm>
+            <a:prstGeom prst="rect">
+              <a:avLst/>
+            </a:prstGeom>
+            <a:noFill/>
+            <a:ln w="9525">
+              <a:noFill/>
+              <a:miter lim="800000"/>
+              <a:headEnd/>
+              <a:tailEnd/>
+            </a:ln>
+            <a:effectLst/>
+          </p:spPr>
+        </p:pic>
+      </p:grpSp>
+      <p:sp>
+        <p:nvSpPr>
+          <p:cNvPr id="11" name="Tartalom helye 2">
+            <a:extLst>
+              <a:ext uri="{FF2B5EF4-FFF2-40B4-BE49-F238E27FC236}">
+                <a16:creationId xmlns:a16="http://schemas.microsoft.com/office/drawing/2014/main" xmlns="" id="{2B0BD7CD-AAEA-4415-B868-0EBF737F5793}"/>
+              </a:ext>
+            </a:extLst>
+          </p:cNvPr>
+          <p:cNvSpPr txBox="1">
+            <a:spLocks/>
+          </p:cNvSpPr>
+          <p:nvPr/>
+        </p:nvSpPr>
+        <p:spPr>
+          <a:xfrm>
+            <a:off x="6039234" y="2228467"/>
+            <a:ext cx="4828464" cy="3541714"/>
+          </a:xfrm>
+          <a:prstGeom prst="rect">
+            <a:avLst/>
+          </a:prstGeom>
+        </p:spPr>
+        <p:txBody>
+          <a:bodyPr vert="horz" lIns="91440" tIns="45720" rIns="91440" bIns="45720" rtlCol="0">
+            <a:normAutofit/>
+          </a:bodyPr>
+          <a:lstStyle/>
+          <a:p>
+            <a:pPr marL="228600" marR="0" lvl="0" indent="-228600" algn="l" defTabSz="914400" rtl="0" eaLnBrk="1" fontAlgn="auto" latinLnBrk="0" hangingPunct="1">
+              <a:lnSpc>
+                <a:spcPct val="120000"/>
+              </a:lnSpc>
+              <a:spcBef>
+                <a:spcPts val="1000"/>
+              </a:spcBef>
+              <a:spcAft>
+                <a:spcPts val="0"/>
+              </a:spcAft>
+              <a:buClrTx/>
+              <a:buSzPct val="125000"/>
+              <a:buFont typeface="Arial" panose="020B0604020202020204" pitchFamily="34" charset="0"/>
+              <a:buChar char="•"/>
+              <a:tabLst/>
+              <a:defRPr/>
+            </a:pPr>
+            <a:r>
+              <a:rPr kumimoji="0" lang="hu-HU" sz="2400" b="0" i="0" u="none" strike="noStrike" kern="1200" cap="none" spc="0" normalizeH="0" baseline="0" noProof="0" dirty="0" smtClean="0">
+                <a:ln>
+                  <a:noFill/>
+                </a:ln>
+                <a:solidFill>
+                  <a:schemeClr val="tx1"/>
+                </a:solidFill>
+                <a:effectLst/>
+                <a:uLnTx/>
+                <a:uFillTx/>
+                <a:latin typeface="+mn-lt"/>
+                <a:ea typeface="+mn-ea"/>
+                <a:cs typeface="+mn-cs"/>
+              </a:rPr>
+              <a:t>REST API végpontok</a:t>
+            </a:r>
+          </a:p>
+          <a:p>
+            <a:pPr marL="685800" lvl="1" indent="-228600" defTabSz="914400">
+              <a:lnSpc>
+                <a:spcPct val="120000"/>
+              </a:lnSpc>
+              <a:spcBef>
+                <a:spcPts val="1000"/>
+              </a:spcBef>
+              <a:buSzPct val="125000"/>
+              <a:buFont typeface="Arial" panose="020B0604020202020204" pitchFamily="34" charset="0"/>
+              <a:buChar char="•"/>
+            </a:pPr>
+            <a:r>
+              <a:rPr lang="hu-HU" sz="2400" dirty="0" smtClean="0"/>
+              <a:t>GET</a:t>
+            </a:r>
+          </a:p>
+          <a:p>
+            <a:pPr marL="685800" lvl="1" indent="-228600" defTabSz="914400">
+              <a:lnSpc>
+                <a:spcPct val="120000"/>
+              </a:lnSpc>
+              <a:spcBef>
+                <a:spcPts val="1000"/>
+              </a:spcBef>
+              <a:buSzPct val="125000"/>
+              <a:buFont typeface="Arial" panose="020B0604020202020204" pitchFamily="34" charset="0"/>
+              <a:buChar char="•"/>
+            </a:pPr>
+            <a:r>
+              <a:rPr kumimoji="0" lang="hu-HU" sz="2400" b="0" i="0" u="none" strike="noStrike" kern="1200" cap="none" spc="0" normalizeH="0" baseline="0" noProof="0" dirty="0" smtClean="0">
+                <a:ln>
+                  <a:noFill/>
+                </a:ln>
+                <a:solidFill>
+                  <a:schemeClr val="tx1"/>
+                </a:solidFill>
+                <a:effectLst/>
+                <a:uLnTx/>
+                <a:uFillTx/>
+                <a:latin typeface="+mn-lt"/>
+                <a:ea typeface="+mn-ea"/>
+                <a:cs typeface="+mn-cs"/>
+              </a:rPr>
+              <a:t>POST</a:t>
+            </a:r>
+          </a:p>
+          <a:p>
+            <a:pPr marL="685800" lvl="1" indent="-228600" defTabSz="914400">
+              <a:lnSpc>
+                <a:spcPct val="120000"/>
+              </a:lnSpc>
+              <a:spcBef>
+                <a:spcPts val="1000"/>
+              </a:spcBef>
+              <a:buSzPct val="125000"/>
+              <a:buFont typeface="Arial" panose="020B0604020202020204" pitchFamily="34" charset="0"/>
+              <a:buChar char="•"/>
+            </a:pPr>
+            <a:r>
+              <a:rPr lang="hu-HU" sz="2400" dirty="0" smtClean="0"/>
+              <a:t>DELETE</a:t>
+            </a:r>
+          </a:p>
+          <a:p>
+            <a:pPr marL="685800" lvl="1" indent="-228600" defTabSz="914400">
+              <a:lnSpc>
+                <a:spcPct val="120000"/>
+              </a:lnSpc>
+              <a:spcBef>
+                <a:spcPts val="1000"/>
+              </a:spcBef>
+              <a:buSzPct val="125000"/>
+              <a:buFont typeface="Arial" panose="020B0604020202020204" pitchFamily="34" charset="0"/>
+              <a:buChar char="•"/>
+            </a:pPr>
+            <a:r>
+              <a:rPr kumimoji="0" lang="hu-HU" sz="2400" b="0" i="0" u="none" strike="noStrike" kern="1200" cap="none" spc="0" normalizeH="0" baseline="0" noProof="0" dirty="0" smtClean="0">
+                <a:ln>
+                  <a:noFill/>
+                </a:ln>
+                <a:solidFill>
+                  <a:schemeClr val="tx1"/>
+                </a:solidFill>
+                <a:effectLst/>
+                <a:uLnTx/>
+                <a:uFillTx/>
+                <a:latin typeface="+mn-lt"/>
+                <a:ea typeface="+mn-ea"/>
+                <a:cs typeface="+mn-cs"/>
+              </a:rPr>
+              <a:t>PUT</a:t>
+            </a:r>
+            <a:endParaRPr kumimoji="0" lang="hu-HU" sz="2400" b="0" i="0" u="none" strike="noStrike" kern="1200" cap="none" spc="0" normalizeH="0" baseline="0" noProof="0" dirty="0">
+              <a:ln>
+                <a:noFill/>
+              </a:ln>
+              <a:solidFill>
+                <a:schemeClr val="tx1"/>
+              </a:solidFill>
+              <a:effectLst/>
+              <a:uLnTx/>
+              <a:uFillTx/>
+              <a:latin typeface="+mn-lt"/>
+              <a:ea typeface="+mn-ea"/>
+              <a:cs typeface="+mn-cs"/>
+            </a:endParaRPr>
           </a:p>
         </p:txBody>
       </p:sp>
     </p:spTree>
     <p:extLst>
       <p:ext uri="{BB962C8B-B14F-4D97-AF65-F5344CB8AC3E}">
-        <p14:creationId xmlns:p14="http://schemas.microsoft.com/office/powerpoint/2010/main" val="403481510"/>
+        <p14:creationId xmlns:p14="http://schemas.microsoft.com/office/powerpoint/2010/main" xmlns="" val="403481510"/>
       </p:ext>
     </p:extLst>
   </p:cSld>
@@ -15429,7 +16484,7 @@
     <a:masterClrMapping/>
   </p:clrMapOvr>
   <mc:AlternateContent xmlns:mc="http://schemas.openxmlformats.org/markup-compatibility/2006">
-    <mc:Choice xmlns:p14="http://schemas.microsoft.com/office/powerpoint/2010/main" Requires="p14">
+    <mc:Choice xmlns:p14="http://schemas.microsoft.com/office/powerpoint/2010/main" xmlns="" Requires="p14">
       <p:transition spd="med" p14:dur="700">
         <p:fade/>
       </p:transition>
@@ -15465,7 +16520,7 @@
           <p:cNvPr id="2" name="Cím 1">
             <a:extLst>
               <a:ext uri="{FF2B5EF4-FFF2-40B4-BE49-F238E27FC236}">
-                <a16:creationId xmlns:a16="http://schemas.microsoft.com/office/drawing/2014/main" id="{F612406C-76B1-49BA-B623-C6334D28A403}"/>
+                <a16:creationId xmlns:a16="http://schemas.microsoft.com/office/drawing/2014/main" xmlns="" id="{F612406C-76B1-49BA-B623-C6334D28A403}"/>
               </a:ext>
             </a:extLst>
           </p:cNvPr>
@@ -15493,7 +16548,7 @@
           <p:cNvPr id="3" name="Tartalom helye 2">
             <a:extLst>
               <a:ext uri="{FF2B5EF4-FFF2-40B4-BE49-F238E27FC236}">
-                <a16:creationId xmlns:a16="http://schemas.microsoft.com/office/drawing/2014/main" id="{C369084B-6FE0-4C02-B795-114720DF9528}"/>
+                <a16:creationId xmlns:a16="http://schemas.microsoft.com/office/drawing/2014/main" xmlns="" id="{C369084B-6FE0-4C02-B795-114720DF9528}"/>
               </a:ext>
             </a:extLst>
           </p:cNvPr>
@@ -15504,19 +16559,387 @@
             <p:ph idx="1"/>
           </p:nvPr>
         </p:nvSpPr>
-        <p:spPr/>
+        <p:spPr>
+          <a:xfrm>
+            <a:off x="1141413" y="2249487"/>
+            <a:ext cx="4471112" cy="3541714"/>
+          </a:xfrm>
+        </p:spPr>
         <p:txBody>
           <a:bodyPr/>
           <a:lstStyle/>
           <a:p>
-            <a:endParaRPr lang="hu-HU"/>
+            <a:r>
+              <a:rPr lang="hu-HU" dirty="0" err="1" smtClean="0"/>
+              <a:t>dbForge</a:t>
+            </a:r>
+            <a:r>
+              <a:rPr lang="hu-HU" dirty="0" smtClean="0"/>
+              <a:t> </a:t>
+            </a:r>
+            <a:r>
+              <a:rPr lang="hu-HU" dirty="0" err="1" smtClean="0"/>
+              <a:t>Studio</a:t>
+            </a:r>
+            <a:r>
+              <a:rPr lang="hu-HU" dirty="0" smtClean="0"/>
+              <a:t> </a:t>
+            </a:r>
+            <a:r>
+              <a:rPr lang="hu-HU" dirty="0" err="1" smtClean="0"/>
+              <a:t>for</a:t>
+            </a:r>
+            <a:r>
+              <a:rPr lang="hu-HU" dirty="0" smtClean="0"/>
+              <a:t> </a:t>
+            </a:r>
+            <a:r>
+              <a:rPr lang="hu-HU" dirty="0" err="1" smtClean="0"/>
+              <a:t>MySQL</a:t>
+            </a:r>
+            <a:endParaRPr lang="hu-HU" dirty="0" smtClean="0"/>
+          </a:p>
+          <a:p>
+            <a:pPr lvl="1"/>
+            <a:r>
+              <a:rPr lang="hu-HU" dirty="0" smtClean="0"/>
+              <a:t>XAMPP virtuális szerveren futtatva</a:t>
+            </a:r>
+            <a:endParaRPr lang="hu-HU" dirty="0" smtClean="0"/>
+          </a:p>
+          <a:p>
+            <a:endParaRPr lang="hu-HU" dirty="0"/>
+          </a:p>
+        </p:txBody>
+      </p:sp>
+      <p:pic>
+        <p:nvPicPr>
+          <p:cNvPr id="5122" name="Picture 2"/>
+          <p:cNvPicPr>
+            <a:picLocks noChangeAspect="1" noChangeArrowheads="1"/>
+          </p:cNvPicPr>
+          <p:nvPr/>
+        </p:nvPicPr>
+        <p:blipFill>
+          <a:blip r:embed="rId2"/>
+          <a:srcRect/>
+          <a:stretch>
+            <a:fillRect/>
+          </a:stretch>
+        </p:blipFill>
+        <p:spPr bwMode="auto">
+          <a:xfrm>
+            <a:off x="1645197" y="5095547"/>
+            <a:ext cx="3562350" cy="1333500"/>
+          </a:xfrm>
+          <a:prstGeom prst="rect">
+            <a:avLst/>
+          </a:prstGeom>
+          <a:noFill/>
+          <a:ln w="9525">
+            <a:noFill/>
+            <a:miter lim="800000"/>
+            <a:headEnd/>
+            <a:tailEnd/>
+          </a:ln>
+          <a:effectLst/>
+        </p:spPr>
+      </p:pic>
+      <p:sp>
+        <p:nvSpPr>
+          <p:cNvPr id="6" name="Tartalom helye 2">
+            <a:extLst>
+              <a:ext uri="{FF2B5EF4-FFF2-40B4-BE49-F238E27FC236}">
+                <a16:creationId xmlns:a16="http://schemas.microsoft.com/office/drawing/2014/main" xmlns="" id="{C369084B-6FE0-4C02-B795-114720DF9528}"/>
+              </a:ext>
+            </a:extLst>
+          </p:cNvPr>
+          <p:cNvSpPr txBox="1">
+            <a:spLocks/>
+          </p:cNvSpPr>
+          <p:nvPr/>
+        </p:nvSpPr>
+        <p:spPr>
+          <a:xfrm>
+            <a:off x="6112807" y="2238977"/>
+            <a:ext cx="4471112" cy="3541714"/>
+          </a:xfrm>
+          <a:prstGeom prst="rect">
+            <a:avLst/>
+          </a:prstGeom>
+        </p:spPr>
+        <p:txBody>
+          <a:bodyPr vert="horz" lIns="91440" tIns="45720" rIns="91440" bIns="45720" rtlCol="0">
+            <a:normAutofit fontScale="92500" lnSpcReduction="10000"/>
+          </a:bodyPr>
+          <a:lstStyle/>
+          <a:p>
+            <a:pPr marL="228600" marR="0" lvl="0" indent="-228600" algn="l" defTabSz="914400" rtl="0" eaLnBrk="1" fontAlgn="auto" latinLnBrk="0" hangingPunct="1">
+              <a:lnSpc>
+                <a:spcPct val="120000"/>
+              </a:lnSpc>
+              <a:spcBef>
+                <a:spcPts val="1000"/>
+              </a:spcBef>
+              <a:spcAft>
+                <a:spcPts val="0"/>
+              </a:spcAft>
+              <a:buClrTx/>
+              <a:buSzPct val="125000"/>
+              <a:buFont typeface="Arial" panose="020B0604020202020204" pitchFamily="34" charset="0"/>
+              <a:buChar char="•"/>
+              <a:tabLst/>
+              <a:defRPr/>
+            </a:pPr>
+            <a:r>
+              <a:rPr kumimoji="0" lang="hu-HU" sz="2400" b="0" i="0" u="none" strike="noStrike" kern="1200" cap="none" spc="0" normalizeH="0" baseline="0" noProof="0" dirty="0" smtClean="0">
+                <a:ln>
+                  <a:noFill/>
+                </a:ln>
+                <a:solidFill>
+                  <a:schemeClr val="tx1"/>
+                </a:solidFill>
+                <a:effectLst/>
+                <a:uLnTx/>
+                <a:uFillTx/>
+                <a:latin typeface="+mn-lt"/>
+                <a:ea typeface="+mn-ea"/>
+                <a:cs typeface="+mn-cs"/>
+              </a:rPr>
+              <a:t>Alaptáblák</a:t>
+            </a:r>
+          </a:p>
+          <a:p>
+            <a:pPr marL="685800" lvl="1" indent="-228600" defTabSz="914400">
+              <a:lnSpc>
+                <a:spcPct val="120000"/>
+              </a:lnSpc>
+              <a:spcBef>
+                <a:spcPts val="1000"/>
+              </a:spcBef>
+              <a:buSzPct val="125000"/>
+              <a:buFont typeface="Arial" panose="020B0604020202020204" pitchFamily="34" charset="0"/>
+              <a:buChar char="•"/>
+            </a:pPr>
+            <a:r>
+              <a:rPr kumimoji="0" lang="hu-HU" sz="2400" b="0" i="0" u="none" strike="noStrike" kern="1200" cap="none" spc="0" normalizeH="0" baseline="0" noProof="0" dirty="0" smtClean="0">
+                <a:ln>
+                  <a:noFill/>
+                </a:ln>
+                <a:solidFill>
+                  <a:schemeClr val="tx1"/>
+                </a:solidFill>
+                <a:effectLst/>
+                <a:uLnTx/>
+                <a:uFillTx/>
+                <a:latin typeface="+mn-lt"/>
+                <a:ea typeface="+mn-ea"/>
+                <a:cs typeface="+mn-cs"/>
+              </a:rPr>
+              <a:t>Tanulók</a:t>
+            </a:r>
+          </a:p>
+          <a:p>
+            <a:pPr marL="228600" marR="0" lvl="0" indent="-228600" algn="l" defTabSz="914400" rtl="0" eaLnBrk="1" fontAlgn="auto" latinLnBrk="0" hangingPunct="1">
+              <a:lnSpc>
+                <a:spcPct val="120000"/>
+              </a:lnSpc>
+              <a:spcBef>
+                <a:spcPts val="1000"/>
+              </a:spcBef>
+              <a:spcAft>
+                <a:spcPts val="0"/>
+              </a:spcAft>
+              <a:buClrTx/>
+              <a:buSzPct val="125000"/>
+              <a:buFont typeface="Arial" panose="020B0604020202020204" pitchFamily="34" charset="0"/>
+              <a:buChar char="•"/>
+              <a:tabLst/>
+              <a:defRPr/>
+            </a:pPr>
+            <a:r>
+              <a:rPr lang="hu-HU" sz="2400" dirty="0" smtClean="0"/>
+              <a:t>Segédtáblák</a:t>
+            </a:r>
+          </a:p>
+          <a:p>
+            <a:pPr marL="685800" lvl="1" indent="-228600" defTabSz="914400">
+              <a:lnSpc>
+                <a:spcPct val="120000"/>
+              </a:lnSpc>
+              <a:spcBef>
+                <a:spcPts val="1000"/>
+              </a:spcBef>
+              <a:buSzPct val="125000"/>
+              <a:buFont typeface="Arial" panose="020B0604020202020204" pitchFamily="34" charset="0"/>
+              <a:buChar char="•"/>
+            </a:pPr>
+            <a:r>
+              <a:rPr lang="hu-HU" sz="2400" dirty="0" smtClean="0"/>
+              <a:t>oktatók-kategóriák</a:t>
+            </a:r>
+            <a:endParaRPr lang="hu-HU" sz="2400" dirty="0" smtClean="0"/>
+          </a:p>
+          <a:p>
+            <a:pPr marL="228600" marR="0" lvl="0" indent="-228600" algn="l" defTabSz="914400" rtl="0" eaLnBrk="1" fontAlgn="auto" latinLnBrk="0" hangingPunct="1">
+              <a:lnSpc>
+                <a:spcPct val="120000"/>
+              </a:lnSpc>
+              <a:spcBef>
+                <a:spcPts val="1000"/>
+              </a:spcBef>
+              <a:spcAft>
+                <a:spcPts val="0"/>
+              </a:spcAft>
+              <a:buClrTx/>
+              <a:buSzPct val="125000"/>
+              <a:buFont typeface="Arial" panose="020B0604020202020204" pitchFamily="34" charset="0"/>
+              <a:buChar char="•"/>
+              <a:tabLst/>
+              <a:defRPr/>
+            </a:pPr>
+            <a:r>
+              <a:rPr kumimoji="0" lang="hu-HU" sz="2400" b="0" i="0" u="none" strike="noStrike" kern="1200" cap="none" spc="0" normalizeH="0" baseline="0" noProof="0" dirty="0" smtClean="0">
+                <a:ln>
+                  <a:noFill/>
+                </a:ln>
+                <a:solidFill>
+                  <a:schemeClr val="tx1"/>
+                </a:solidFill>
+                <a:effectLst/>
+                <a:uLnTx/>
+                <a:uFillTx/>
+                <a:latin typeface="+mn-lt"/>
+                <a:ea typeface="+mn-ea"/>
+                <a:cs typeface="+mn-cs"/>
+              </a:rPr>
+              <a:t>Elsődleges</a:t>
+            </a:r>
+            <a:r>
+              <a:rPr kumimoji="0" lang="hu-HU" sz="2400" b="0" i="0" u="none" strike="noStrike" kern="1200" cap="none" spc="0" normalizeH="0" noProof="0" dirty="0" smtClean="0">
+                <a:ln>
+                  <a:noFill/>
+                </a:ln>
+                <a:solidFill>
+                  <a:schemeClr val="tx1"/>
+                </a:solidFill>
+                <a:effectLst/>
+                <a:uLnTx/>
+                <a:uFillTx/>
+                <a:latin typeface="+mn-lt"/>
+                <a:ea typeface="+mn-ea"/>
+                <a:cs typeface="+mn-cs"/>
+              </a:rPr>
+              <a:t> kulcsok</a:t>
+            </a:r>
+          </a:p>
+          <a:p>
+            <a:pPr marL="685800" lvl="1" indent="-228600" defTabSz="914400">
+              <a:lnSpc>
+                <a:spcPct val="120000"/>
+              </a:lnSpc>
+              <a:spcBef>
+                <a:spcPts val="1000"/>
+              </a:spcBef>
+              <a:buSzPct val="125000"/>
+              <a:buFont typeface="Arial" panose="020B0604020202020204" pitchFamily="34" charset="0"/>
+              <a:buChar char="•"/>
+            </a:pPr>
+            <a:r>
+              <a:rPr lang="hu-HU" sz="2400" dirty="0" err="1" smtClean="0"/>
+              <a:t>ID-k</a:t>
+            </a:r>
+            <a:endParaRPr kumimoji="0" lang="hu-HU" sz="2400" b="0" i="0" u="none" strike="noStrike" kern="1200" cap="none" spc="0" normalizeH="0" noProof="0" dirty="0" smtClean="0">
+              <a:ln>
+                <a:noFill/>
+              </a:ln>
+              <a:solidFill>
+                <a:schemeClr val="tx1"/>
+              </a:solidFill>
+              <a:effectLst/>
+              <a:uLnTx/>
+              <a:uFillTx/>
+              <a:latin typeface="+mn-lt"/>
+              <a:ea typeface="+mn-ea"/>
+              <a:cs typeface="+mn-cs"/>
+            </a:endParaRPr>
+          </a:p>
+          <a:p>
+            <a:pPr marL="228600" marR="0" lvl="0" indent="-228600" algn="l" defTabSz="914400" rtl="0" eaLnBrk="1" fontAlgn="auto" latinLnBrk="0" hangingPunct="1">
+              <a:lnSpc>
+                <a:spcPct val="120000"/>
+              </a:lnSpc>
+              <a:spcBef>
+                <a:spcPts val="1000"/>
+              </a:spcBef>
+              <a:spcAft>
+                <a:spcPts val="0"/>
+              </a:spcAft>
+              <a:buClrTx/>
+              <a:buSzPct val="125000"/>
+              <a:buFont typeface="Arial" panose="020B0604020202020204" pitchFamily="34" charset="0"/>
+              <a:buChar char="•"/>
+              <a:tabLst/>
+              <a:defRPr/>
+            </a:pPr>
+            <a:r>
+              <a:rPr lang="hu-HU" sz="2400" baseline="0" dirty="0" smtClean="0"/>
+              <a:t>Idegenkulcsok</a:t>
+            </a:r>
+            <a:endParaRPr kumimoji="0" lang="hu-HU" sz="2000" b="0" i="0" u="none" strike="noStrike" kern="1200" cap="none" spc="0" normalizeH="0" baseline="0" noProof="0" dirty="0" smtClean="0">
+              <a:ln>
+                <a:noFill/>
+              </a:ln>
+              <a:solidFill>
+                <a:schemeClr val="tx1"/>
+              </a:solidFill>
+              <a:effectLst/>
+              <a:uLnTx/>
+              <a:uFillTx/>
+              <a:latin typeface="+mn-lt"/>
+              <a:ea typeface="+mn-ea"/>
+              <a:cs typeface="+mn-cs"/>
+            </a:endParaRPr>
+          </a:p>
+          <a:p>
+            <a:pPr marL="228600" marR="0" lvl="0" indent="-228600" algn="l" defTabSz="914400" rtl="0" eaLnBrk="1" fontAlgn="auto" latinLnBrk="0" hangingPunct="1">
+              <a:lnSpc>
+                <a:spcPct val="120000"/>
+              </a:lnSpc>
+              <a:spcBef>
+                <a:spcPts val="1000"/>
+              </a:spcBef>
+              <a:spcAft>
+                <a:spcPts val="0"/>
+              </a:spcAft>
+              <a:buClrTx/>
+              <a:buSzPct val="125000"/>
+              <a:buFont typeface="Arial" panose="020B0604020202020204" pitchFamily="34" charset="0"/>
+              <a:buChar char="•"/>
+              <a:tabLst/>
+              <a:defRPr/>
+            </a:pPr>
+            <a:endParaRPr kumimoji="0" lang="hu-HU" sz="2400" b="0" i="0" u="none" strike="noStrike" kern="1200" cap="none" spc="0" normalizeH="0" baseline="0" noProof="0" dirty="0">
+              <a:ln>
+                <a:noFill/>
+              </a:ln>
+              <a:solidFill>
+                <a:schemeClr val="tx1"/>
+              </a:solidFill>
+              <a:effectLst/>
+              <a:uLnTx/>
+              <a:uFillTx/>
+              <a:latin typeface="+mn-lt"/>
+              <a:ea typeface="+mn-ea"/>
+              <a:cs typeface="+mn-cs"/>
+            </a:endParaRPr>
           </a:p>
         </p:txBody>
       </p:sp>
     </p:spTree>
     <p:extLst>
       <p:ext uri="{BB962C8B-B14F-4D97-AF65-F5344CB8AC3E}">
-        <p14:creationId xmlns:p14="http://schemas.microsoft.com/office/powerpoint/2010/main" val="3934177063"/>
+        <p14:creationId xmlns:p14="http://schemas.microsoft.com/office/powerpoint/2010/main" xmlns="" val="3934177063"/>
       </p:ext>
     </p:extLst>
   </p:cSld>
@@ -15524,7 +16947,7 @@
     <a:masterClrMapping/>
   </p:clrMapOvr>
   <mc:AlternateContent xmlns:mc="http://schemas.openxmlformats.org/markup-compatibility/2006">
-    <mc:Choice xmlns:p14="http://schemas.microsoft.com/office/powerpoint/2010/main" Requires="p14">
+    <mc:Choice xmlns:p14="http://schemas.microsoft.com/office/powerpoint/2010/main" xmlns="" Requires="p14">
       <p:transition spd="med" p14:dur="700">
         <p:fade/>
       </p:transition>
@@ -15560,7 +16983,7 @@
           <p:cNvPr id="2" name="Cím 1">
             <a:extLst>
               <a:ext uri="{FF2B5EF4-FFF2-40B4-BE49-F238E27FC236}">
-                <a16:creationId xmlns:a16="http://schemas.microsoft.com/office/drawing/2014/main" id="{E09D5127-8E12-4E3E-B5F3-3AA5B9D7FF8C}"/>
+                <a16:creationId xmlns:a16="http://schemas.microsoft.com/office/drawing/2014/main" xmlns="" id="{E09D5127-8E12-4E3E-B5F3-3AA5B9D7FF8C}"/>
               </a:ext>
             </a:extLst>
           </p:cNvPr>
@@ -15588,7 +17011,7 @@
           <p:cNvPr id="3" name="Tartalom helye 2">
             <a:extLst>
               <a:ext uri="{FF2B5EF4-FFF2-40B4-BE49-F238E27FC236}">
-                <a16:creationId xmlns:a16="http://schemas.microsoft.com/office/drawing/2014/main" id="{4C51599B-D344-49BE-90E9-7635110A4A8F}"/>
+                <a16:creationId xmlns:a16="http://schemas.microsoft.com/office/drawing/2014/main" xmlns="" id="{4C51599B-D344-49BE-90E9-7635110A4A8F}"/>
               </a:ext>
             </a:extLst>
           </p:cNvPr>
@@ -15599,19 +17022,282 @@
             <p:ph idx="1"/>
           </p:nvPr>
         </p:nvSpPr>
-        <p:spPr/>
+        <p:spPr>
+          <a:xfrm>
+            <a:off x="1141413" y="2249487"/>
+            <a:ext cx="4954588" cy="3541714"/>
+          </a:xfrm>
+        </p:spPr>
         <p:txBody>
-          <a:bodyPr/>
+          <a:bodyPr>
+            <a:normAutofit fontScale="85000" lnSpcReduction="20000"/>
+          </a:bodyPr>
           <a:lstStyle/>
           <a:p>
-            <a:endParaRPr lang="hu-HU"/>
+            <a:r>
+              <a:rPr lang="hu-HU" dirty="0" smtClean="0"/>
+              <a:t>Regisztráció nélkül</a:t>
+            </a:r>
+          </a:p>
+          <a:p>
+            <a:pPr lvl="1"/>
+            <a:r>
+              <a:rPr lang="hu-HU" dirty="0" smtClean="0"/>
+              <a:t>Információkat, elérhetőségeket szolgáltat</a:t>
+            </a:r>
+          </a:p>
+          <a:p>
+            <a:r>
+              <a:rPr lang="hu-HU" dirty="0" smtClean="0"/>
+              <a:t>Regisztráció után</a:t>
+            </a:r>
+          </a:p>
+          <a:p>
+            <a:pPr lvl="1"/>
+            <a:r>
+              <a:rPr lang="hu-HU" dirty="0" smtClean="0"/>
+              <a:t>A tanuló és a tanfolyam adataira vonatkozó információkat tárolja</a:t>
+            </a:r>
+          </a:p>
+          <a:p>
+            <a:pPr lvl="1"/>
+            <a:r>
+              <a:rPr lang="hu-HU" dirty="0" smtClean="0"/>
+              <a:t>Tanulók személyes adatait, jelszavát</a:t>
+            </a:r>
+          </a:p>
+          <a:p>
+            <a:r>
+              <a:rPr lang="hu-HU" dirty="0" smtClean="0"/>
+              <a:t>Adminisztrátor (multi </a:t>
+            </a:r>
+            <a:r>
+              <a:rPr lang="hu-HU" dirty="0" err="1" smtClean="0"/>
+              <a:t>user</a:t>
+            </a:r>
+            <a:r>
+              <a:rPr lang="hu-HU" dirty="0" smtClean="0"/>
+              <a:t>)</a:t>
+            </a:r>
+          </a:p>
+          <a:p>
+            <a:pPr lvl="1"/>
+            <a:r>
+              <a:rPr lang="hu-HU" dirty="0" smtClean="0"/>
+              <a:t>Mindenhez van jogosultsága, minden </a:t>
+            </a:r>
+            <a:r>
+              <a:rPr lang="hu-HU" dirty="0" err="1" smtClean="0"/>
+              <a:t>informácót</a:t>
+            </a:r>
+            <a:r>
+              <a:rPr lang="hu-HU" dirty="0" smtClean="0"/>
+              <a:t>, és adatot tud létrehozni, módosítani és törölni.</a:t>
+            </a:r>
+            <a:endParaRPr lang="hu-HU" dirty="0"/>
+          </a:p>
+        </p:txBody>
+      </p:sp>
+      <p:sp>
+        <p:nvSpPr>
+          <p:cNvPr id="4" name="Tartalom helye 2">
+            <a:extLst>
+              <a:ext uri="{FF2B5EF4-FFF2-40B4-BE49-F238E27FC236}">
+                <a16:creationId xmlns:a16="http://schemas.microsoft.com/office/drawing/2014/main" xmlns="" id="{4C51599B-D344-49BE-90E9-7635110A4A8F}"/>
+              </a:ext>
+            </a:extLst>
+          </p:cNvPr>
+          <p:cNvSpPr txBox="1">
+            <a:spLocks/>
+          </p:cNvSpPr>
+          <p:nvPr/>
+        </p:nvSpPr>
+        <p:spPr>
+          <a:xfrm>
+            <a:off x="6144337" y="2228466"/>
+            <a:ext cx="4954588" cy="3541714"/>
+          </a:xfrm>
+          <a:prstGeom prst="rect">
+            <a:avLst/>
+          </a:prstGeom>
+        </p:spPr>
+        <p:txBody>
+          <a:bodyPr vert="horz" lIns="91440" tIns="45720" rIns="91440" bIns="45720" rtlCol="0">
+            <a:normAutofit/>
+          </a:bodyPr>
+          <a:lstStyle/>
+          <a:p>
+            <a:pPr marL="228600" marR="0" lvl="0" indent="-228600" algn="l" defTabSz="914400" rtl="0" eaLnBrk="1" fontAlgn="auto" latinLnBrk="0" hangingPunct="1">
+              <a:lnSpc>
+                <a:spcPct val="120000"/>
+              </a:lnSpc>
+              <a:spcBef>
+                <a:spcPts val="1000"/>
+              </a:spcBef>
+              <a:spcAft>
+                <a:spcPts val="0"/>
+              </a:spcAft>
+              <a:buClrTx/>
+              <a:buSzPct val="125000"/>
+              <a:buFont typeface="Arial" panose="020B0604020202020204" pitchFamily="34" charset="0"/>
+              <a:buChar char="•"/>
+              <a:tabLst/>
+              <a:defRPr/>
+            </a:pPr>
+            <a:r>
+              <a:rPr kumimoji="0" lang="hu-HU" sz="2400" b="0" i="0" u="none" strike="noStrike" kern="1200" cap="none" spc="0" normalizeH="0" baseline="0" noProof="0" dirty="0" smtClean="0">
+                <a:ln>
+                  <a:noFill/>
+                </a:ln>
+                <a:solidFill>
+                  <a:schemeClr val="tx1"/>
+                </a:solidFill>
+                <a:effectLst/>
+                <a:uLnTx/>
+                <a:uFillTx/>
+                <a:latin typeface="+mn-lt"/>
+                <a:ea typeface="+mn-ea"/>
+                <a:cs typeface="+mn-cs"/>
+              </a:rPr>
+              <a:t>Használati</a:t>
+            </a:r>
+            <a:r>
+              <a:rPr kumimoji="0" lang="hu-HU" sz="2400" b="0" i="0" u="none" strike="noStrike" kern="1200" cap="none" spc="0" normalizeH="0" noProof="0" dirty="0" smtClean="0">
+                <a:ln>
+                  <a:noFill/>
+                </a:ln>
+                <a:solidFill>
+                  <a:schemeClr val="tx1"/>
+                </a:solidFill>
+                <a:effectLst/>
+                <a:uLnTx/>
+                <a:uFillTx/>
+                <a:latin typeface="+mn-lt"/>
+                <a:ea typeface="+mn-ea"/>
+                <a:cs typeface="+mn-cs"/>
+              </a:rPr>
+              <a:t> környezet</a:t>
+            </a:r>
+          </a:p>
+          <a:p>
+            <a:pPr marL="685800" lvl="1" indent="-228600" defTabSz="914400">
+              <a:lnSpc>
+                <a:spcPct val="120000"/>
+              </a:lnSpc>
+              <a:spcBef>
+                <a:spcPts val="1000"/>
+              </a:spcBef>
+              <a:buSzPct val="125000"/>
+              <a:buFont typeface="Arial" panose="020B0604020202020204" pitchFamily="34" charset="0"/>
+              <a:buChar char="•"/>
+            </a:pPr>
+            <a:r>
+              <a:rPr lang="hu-HU" sz="2400" baseline="0" dirty="0" smtClean="0"/>
+              <a:t>Asztali</a:t>
+            </a:r>
+            <a:r>
+              <a:rPr lang="hu-HU" sz="2400" dirty="0" smtClean="0"/>
+              <a:t> PC-n</a:t>
+            </a:r>
+          </a:p>
+          <a:p>
+            <a:pPr marL="685800" lvl="1" indent="-228600" defTabSz="914400">
+              <a:lnSpc>
+                <a:spcPct val="120000"/>
+              </a:lnSpc>
+              <a:spcBef>
+                <a:spcPts val="1000"/>
+              </a:spcBef>
+              <a:buSzPct val="125000"/>
+              <a:buFont typeface="Arial" panose="020B0604020202020204" pitchFamily="34" charset="0"/>
+              <a:buChar char="•"/>
+            </a:pPr>
+            <a:r>
+              <a:rPr kumimoji="0" lang="hu-HU" sz="2400" b="0" i="0" u="none" strike="noStrike" kern="1200" cap="none" spc="0" normalizeH="0" baseline="0" noProof="0" dirty="0" smtClean="0">
+                <a:ln>
+                  <a:noFill/>
+                </a:ln>
+                <a:solidFill>
+                  <a:schemeClr val="tx1"/>
+                </a:solidFill>
+                <a:effectLst/>
+                <a:uLnTx/>
+                <a:uFillTx/>
+                <a:latin typeface="+mn-lt"/>
+                <a:ea typeface="+mn-ea"/>
+                <a:cs typeface="+mn-cs"/>
+              </a:rPr>
+              <a:t>Mobil</a:t>
+            </a:r>
+            <a:r>
+              <a:rPr kumimoji="0" lang="hu-HU" sz="2400" b="0" i="0" u="none" strike="noStrike" kern="1200" cap="none" spc="0" normalizeH="0" noProof="0" dirty="0" smtClean="0">
+                <a:ln>
+                  <a:noFill/>
+                </a:ln>
+                <a:solidFill>
+                  <a:schemeClr val="tx1"/>
+                </a:solidFill>
+                <a:effectLst/>
+                <a:uLnTx/>
+                <a:uFillTx/>
+                <a:latin typeface="+mn-lt"/>
+                <a:ea typeface="+mn-ea"/>
+                <a:cs typeface="+mn-cs"/>
+              </a:rPr>
+              <a:t> eszközön</a:t>
+            </a:r>
+          </a:p>
+          <a:p>
+            <a:pPr marL="685800" lvl="1" indent="-228600" defTabSz="914400">
+              <a:lnSpc>
+                <a:spcPct val="120000"/>
+              </a:lnSpc>
+              <a:spcBef>
+                <a:spcPts val="1000"/>
+              </a:spcBef>
+              <a:buSzPct val="125000"/>
+              <a:buFont typeface="Arial" panose="020B0604020202020204" pitchFamily="34" charset="0"/>
+              <a:buChar char="•"/>
+            </a:pPr>
+            <a:r>
+              <a:rPr lang="hu-HU" sz="2400" baseline="0" dirty="0" err="1" smtClean="0"/>
+              <a:t>Tableten</a:t>
+            </a:r>
+            <a:endParaRPr lang="hu-HU" sz="2400" baseline="0" dirty="0" smtClean="0"/>
+          </a:p>
+          <a:p>
+            <a:pPr marL="685800" lvl="1" indent="-228600" defTabSz="914400">
+              <a:lnSpc>
+                <a:spcPct val="120000"/>
+              </a:lnSpc>
+              <a:spcBef>
+                <a:spcPts val="1000"/>
+              </a:spcBef>
+              <a:buSzPct val="125000"/>
+              <a:buFont typeface="Arial" panose="020B0604020202020204" pitchFamily="34" charset="0"/>
+              <a:buChar char="•"/>
+            </a:pPr>
+            <a:endParaRPr kumimoji="0" lang="hu-HU" sz="2400" b="0" i="0" u="none" strike="noStrike" kern="1200" cap="none" spc="0" normalizeH="0" baseline="0" noProof="0" dirty="0" smtClean="0">
+              <a:ln>
+                <a:noFill/>
+              </a:ln>
+              <a:solidFill>
+                <a:schemeClr val="tx1"/>
+              </a:solidFill>
+              <a:effectLst/>
+              <a:uLnTx/>
+              <a:uFillTx/>
+              <a:latin typeface="+mn-lt"/>
+              <a:ea typeface="+mn-ea"/>
+              <a:cs typeface="+mn-cs"/>
+            </a:endParaRPr>
           </a:p>
         </p:txBody>
       </p:sp>
     </p:spTree>
     <p:extLst>
       <p:ext uri="{BB962C8B-B14F-4D97-AF65-F5344CB8AC3E}">
-        <p14:creationId xmlns:p14="http://schemas.microsoft.com/office/powerpoint/2010/main" val="1316100262"/>
+        <p14:creationId xmlns:p14="http://schemas.microsoft.com/office/powerpoint/2010/main" xmlns="" val="1316100262"/>
       </p:ext>
     </p:extLst>
   </p:cSld>
@@ -15619,7 +17305,7 @@
     <a:masterClrMapping/>
   </p:clrMapOvr>
   <mc:AlternateContent xmlns:mc="http://schemas.openxmlformats.org/markup-compatibility/2006">
-    <mc:Choice xmlns:p14="http://schemas.microsoft.com/office/powerpoint/2010/main" Requires="p14">
+    <mc:Choice xmlns:p14="http://schemas.microsoft.com/office/powerpoint/2010/main" xmlns="" Requires="p14">
       <p:transition spd="med" p14:dur="700">
         <p:fade/>
       </p:transition>
@@ -15655,7 +17341,7 @@
           <p:cNvPr id="2" name="Cím 1">
             <a:extLst>
               <a:ext uri="{FF2B5EF4-FFF2-40B4-BE49-F238E27FC236}">
-                <a16:creationId xmlns:a16="http://schemas.microsoft.com/office/drawing/2014/main" id="{00D19A07-B678-4D43-A495-D62AB1A191FA}"/>
+                <a16:creationId xmlns:a16="http://schemas.microsoft.com/office/drawing/2014/main" xmlns="" id="{00D19A07-B678-4D43-A495-D62AB1A191FA}"/>
               </a:ext>
             </a:extLst>
           </p:cNvPr>
@@ -15683,7 +17369,7 @@
           <p:cNvPr id="3" name="Tartalom helye 2">
             <a:extLst>
               <a:ext uri="{FF2B5EF4-FFF2-40B4-BE49-F238E27FC236}">
-                <a16:creationId xmlns:a16="http://schemas.microsoft.com/office/drawing/2014/main" id="{E37DDE04-9BC2-4847-8635-614AAA8D386E}"/>
+                <a16:creationId xmlns:a16="http://schemas.microsoft.com/office/drawing/2014/main" xmlns="" id="{E37DDE04-9BC2-4847-8635-614AAA8D386E}"/>
               </a:ext>
             </a:extLst>
           </p:cNvPr>
@@ -15696,17 +17382,89 @@
         </p:nvSpPr>
         <p:spPr/>
         <p:txBody>
-          <a:bodyPr/>
+          <a:bodyPr>
+            <a:normAutofit/>
+          </a:bodyPr>
           <a:lstStyle/>
           <a:p>
-            <a:endParaRPr lang="hu-HU"/>
+            <a:pPr lvl="0"/>
+            <a:r>
+              <a:rPr lang="hu-HU" dirty="0" smtClean="0"/>
+              <a:t>Közös munka</a:t>
+            </a:r>
+          </a:p>
+          <a:p>
+            <a:pPr lvl="1"/>
+            <a:r>
+              <a:rPr lang="hu-HU" dirty="0" smtClean="0"/>
+              <a:t>Ötletcsere</a:t>
+            </a:r>
+          </a:p>
+          <a:p>
+            <a:pPr lvl="1"/>
+            <a:r>
+              <a:rPr lang="hu-HU" dirty="0" smtClean="0"/>
+              <a:t>Vázlat</a:t>
+            </a:r>
+          </a:p>
+          <a:p>
+            <a:pPr lvl="1"/>
+            <a:r>
+              <a:rPr lang="hu-HU" dirty="0" smtClean="0"/>
+              <a:t>Tartalmi feltöltés</a:t>
+            </a:r>
+          </a:p>
+          <a:p>
+            <a:pPr lvl="1"/>
+            <a:r>
+              <a:rPr lang="hu-HU" dirty="0" smtClean="0"/>
+              <a:t>Dizájn</a:t>
+            </a:r>
+          </a:p>
+          <a:p>
+            <a:pPr lvl="0"/>
+            <a:r>
+              <a:rPr lang="hu-HU" dirty="0" smtClean="0"/>
+              <a:t>Kiss </a:t>
+            </a:r>
+            <a:r>
+              <a:rPr lang="hu-HU" dirty="0" smtClean="0"/>
+              <a:t>Milán (Frontend, </a:t>
+            </a:r>
+            <a:r>
+              <a:rPr lang="hu-HU" dirty="0" err="1" smtClean="0"/>
+              <a:t>Backend</a:t>
+            </a:r>
+            <a:r>
+              <a:rPr lang="hu-HU" dirty="0" smtClean="0"/>
+              <a:t> és </a:t>
+            </a:r>
+            <a:r>
+              <a:rPr lang="hu-HU" dirty="0" smtClean="0"/>
+              <a:t>dokumentáció)</a:t>
+            </a:r>
+          </a:p>
+          <a:p>
+            <a:r>
+              <a:rPr lang="hu-HU" dirty="0" err="1" smtClean="0"/>
+              <a:t>Nedvesi</a:t>
+            </a:r>
+            <a:r>
+              <a:rPr lang="hu-HU" dirty="0" smtClean="0"/>
+              <a:t> </a:t>
+            </a:r>
+            <a:r>
+              <a:rPr lang="hu-HU" dirty="0" smtClean="0"/>
+              <a:t>Csaba Péter (Adatbázis és dokumentáció)</a:t>
+            </a:r>
+            <a:endParaRPr lang="hu-HU" dirty="0"/>
           </a:p>
         </p:txBody>
       </p:sp>
     </p:spTree>
     <p:extLst>
       <p:ext uri="{BB962C8B-B14F-4D97-AF65-F5344CB8AC3E}">
-        <p14:creationId xmlns:p14="http://schemas.microsoft.com/office/powerpoint/2010/main" val="2062845182"/>
+        <p14:creationId xmlns:p14="http://schemas.microsoft.com/office/powerpoint/2010/main" xmlns="" val="2062845182"/>
       </p:ext>
     </p:extLst>
   </p:cSld>
@@ -15714,7 +17472,7 @@
     <a:masterClrMapping/>
   </p:clrMapOvr>
   <mc:AlternateContent xmlns:mc="http://schemas.openxmlformats.org/markup-compatibility/2006">
-    <mc:Choice xmlns:p14="http://schemas.microsoft.com/office/powerpoint/2010/main" Requires="p14">
+    <mc:Choice xmlns:p14="http://schemas.microsoft.com/office/powerpoint/2010/main" xmlns="" Requires="p14">
       <p:transition spd="med" p14:dur="700">
         <p:fade/>
       </p:transition>
@@ -15750,7 +17508,7 @@
           <p:cNvPr id="2" name="Cím 1">
             <a:extLst>
               <a:ext uri="{FF2B5EF4-FFF2-40B4-BE49-F238E27FC236}">
-                <a16:creationId xmlns:a16="http://schemas.microsoft.com/office/drawing/2014/main" id="{9CBD430A-4D06-4869-A62A-BD23C3403C6C}"/>
+                <a16:creationId xmlns:a16="http://schemas.microsoft.com/office/drawing/2014/main" xmlns="" id="{9CBD430A-4D06-4869-A62A-BD23C3403C6C}"/>
               </a:ext>
             </a:extLst>
           </p:cNvPr>
@@ -15778,7 +17536,7 @@
           <p:cNvPr id="3" name="Tartalom helye 2">
             <a:extLst>
               <a:ext uri="{FF2B5EF4-FFF2-40B4-BE49-F238E27FC236}">
-                <a16:creationId xmlns:a16="http://schemas.microsoft.com/office/drawing/2014/main" id="{410E683B-27B0-4647-9D54-3C2D8FD4322B}"/>
+                <a16:creationId xmlns:a16="http://schemas.microsoft.com/office/drawing/2014/main" xmlns="" id="{410E683B-27B0-4647-9D54-3C2D8FD4322B}"/>
               </a:ext>
             </a:extLst>
           </p:cNvPr>
@@ -15791,38 +17549,99 @@
         </p:nvSpPr>
         <p:spPr/>
         <p:txBody>
-          <a:bodyPr/>
+          <a:bodyPr>
+            <a:normAutofit fontScale="92500" lnSpcReduction="10000"/>
+          </a:bodyPr>
           <a:lstStyle/>
           <a:p>
             <a:r>
-              <a:rPr lang="hu-HU" dirty="0" err="1"/>
-              <a:t>Git</a:t>
+              <a:rPr lang="hu-HU" dirty="0" err="1" smtClean="0"/>
+              <a:t>Github</a:t>
+            </a:r>
+            <a:endParaRPr lang="hu-HU" dirty="0" smtClean="0"/>
+          </a:p>
+          <a:p>
+            <a:pPr lvl="1"/>
+            <a:r>
+              <a:rPr lang="hu-HU" dirty="0" smtClean="0"/>
+              <a:t>13db </a:t>
+            </a:r>
+            <a:r>
+              <a:rPr lang="hu-HU" dirty="0" err="1" smtClean="0"/>
+              <a:t>Issue</a:t>
+            </a:r>
+            <a:endParaRPr lang="hu-HU" dirty="0" smtClean="0"/>
+          </a:p>
+          <a:p>
+            <a:pPr lvl="1"/>
+            <a:r>
+              <a:rPr lang="hu-HU" dirty="0" smtClean="0"/>
+              <a:t>Több mint 40 </a:t>
+            </a:r>
+            <a:r>
+              <a:rPr lang="hu-HU" dirty="0" err="1" smtClean="0"/>
+              <a:t>Commit</a:t>
             </a:r>
             <a:endParaRPr lang="hu-HU" dirty="0"/>
           </a:p>
           <a:p>
             <a:r>
-              <a:rPr lang="hu-HU" dirty="0" err="1"/>
+              <a:rPr lang="hu-HU" dirty="0" err="1" smtClean="0"/>
               <a:t>Meet</a:t>
             </a:r>
+            <a:endParaRPr lang="hu-HU" dirty="0" smtClean="0"/>
+          </a:p>
+          <a:p>
+            <a:pPr lvl="1"/>
+            <a:r>
+              <a:rPr lang="hu-HU" dirty="0" smtClean="0"/>
+              <a:t>Oktatások színhelye (</a:t>
+            </a:r>
+            <a:r>
+              <a:rPr lang="hu-HU" dirty="0" err="1" smtClean="0"/>
+              <a:t>Pandémia</a:t>
+            </a:r>
+            <a:r>
+              <a:rPr lang="hu-HU" dirty="0" smtClean="0"/>
+              <a:t>)</a:t>
+            </a:r>
+          </a:p>
+          <a:p>
+            <a:pPr lvl="1"/>
+            <a:r>
+              <a:rPr lang="hu-HU" dirty="0" smtClean="0"/>
+              <a:t>Számos oktatási és forrásanyag megosztása</a:t>
+            </a:r>
             <a:endParaRPr lang="hu-HU" dirty="0"/>
           </a:p>
           <a:p>
             <a:r>
-              <a:rPr lang="hu-HU" dirty="0" err="1"/>
-              <a:t>Stb</a:t>
-            </a:r>
-            <a:r>
-              <a:rPr lang="hu-HU" dirty="0"/>
-              <a:t>….</a:t>
-            </a:r>
+              <a:rPr lang="hu-HU" dirty="0" smtClean="0"/>
+              <a:t>Közösségi oldal (</a:t>
+            </a:r>
+            <a:r>
+              <a:rPr lang="hu-HU" dirty="0" err="1" smtClean="0"/>
+              <a:t>Facebook</a:t>
+            </a:r>
+            <a:r>
+              <a:rPr lang="hu-HU" dirty="0" smtClean="0"/>
+              <a:t>)</a:t>
+            </a:r>
+          </a:p>
+          <a:p>
+            <a:pPr lvl="1"/>
+            <a:r>
+              <a:rPr lang="hu-HU" dirty="0" smtClean="0"/>
+              <a:t>Messenger</a:t>
+            </a:r>
+            <a:endParaRPr lang="hu-HU" dirty="0"/>
           </a:p>
         </p:txBody>
       </p:sp>
     </p:spTree>
     <p:extLst>
       <p:ext uri="{BB962C8B-B14F-4D97-AF65-F5344CB8AC3E}">
-        <p14:creationId xmlns:p14="http://schemas.microsoft.com/office/powerpoint/2010/main" val="2148908014"/>
+        <p14:creationId xmlns:p14="http://schemas.microsoft.com/office/powerpoint/2010/main" xmlns="" val="2148908014"/>
       </p:ext>
     </p:extLst>
   </p:cSld>
@@ -15830,7 +17649,7 @@
     <a:masterClrMapping/>
   </p:clrMapOvr>
   <mc:AlternateContent xmlns:mc="http://schemas.openxmlformats.org/markup-compatibility/2006">
-    <mc:Choice xmlns:p14="http://schemas.microsoft.com/office/powerpoint/2010/main" Requires="p14">
+    <mc:Choice xmlns:p14="http://schemas.microsoft.com/office/powerpoint/2010/main" xmlns="" Requires="p14">
       <p:transition spd="med" p14:dur="700">
         <p:fade/>
       </p:transition>
@@ -15887,7 +17706,7 @@
     </a:clrScheme>
     <a:fontScheme name="Áramkör">
       <a:majorFont>
-        <a:latin typeface="Tw Cen MT" panose="020B0602020104020603"/>
+        <a:latin typeface="Tw Cen MT"/>
         <a:ea typeface=""/>
         <a:cs typeface=""/>
         <a:font script="Jpan" typeface="ＭＳ Ｐゴシック"/>
@@ -15922,7 +17741,7 @@
         <a:font script="Geor" typeface="Sylfaen"/>
       </a:majorFont>
       <a:minorFont>
-        <a:latin typeface="Tw Cen MT" panose="020B0602020104020603"/>
+        <a:latin typeface="Tw Cen MT"/>
         <a:ea typeface=""/>
         <a:cs typeface=""/>
         <a:font script="Jpan" typeface="ＭＳ Ｐゴシック"/>
@@ -16089,7 +17908,7 @@
   <a:extraClrSchemeLst/>
   <a:extLst>
     <a:ext uri="{05A4C25C-085E-4340-85A3-A5531E510DB2}">
-      <thm15:themeFamily xmlns:thm15="http://schemas.microsoft.com/office/thememl/2012/main" name="Circuit" id="{0AC2F7E7-15F5-431C-B2A2-456FE929F56C}" vid="{0911B802-464C-4241-8DD9-B60FF88E379F}"/>
+      <thm15:themeFamily xmlns:thm15="http://schemas.microsoft.com/office/thememl/2012/main" xmlns="" name="Circuit" id="{0AC2F7E7-15F5-431C-B2A2-456FE929F56C}" vid="{0911B802-464C-4241-8DD9-B60FF88E379F}"/>
     </a:ext>
   </a:extLst>
 </a:theme>
